--- a/쉽게배우는 클라우드 용어정리1.pptx
+++ b/쉽게배우는 클라우드 용어정리1.pptx
@@ -7,10 +7,15 @@
   <p:sldIdLst>
     <p:sldId id="256" r:id="rId2"/>
     <p:sldId id="258" r:id="rId3"/>
-    <p:sldId id="259" r:id="rId4"/>
-    <p:sldId id="261" r:id="rId5"/>
-    <p:sldId id="262" r:id="rId6"/>
-    <p:sldId id="260" r:id="rId7"/>
+    <p:sldId id="267" r:id="rId4"/>
+    <p:sldId id="259" r:id="rId5"/>
+    <p:sldId id="261" r:id="rId6"/>
+    <p:sldId id="262" r:id="rId7"/>
+    <p:sldId id="263" r:id="rId8"/>
+    <p:sldId id="264" r:id="rId9"/>
+    <p:sldId id="265" r:id="rId10"/>
+    <p:sldId id="266" r:id="rId11"/>
+    <p:sldId id="260" r:id="rId12"/>
   </p:sldIdLst>
   <p:sldSz cx="12192000" cy="6858000"/>
   <p:notesSz cx="6858000" cy="9144000"/>
@@ -266,7 +271,7 @@
           <a:p>
             <a:fld id="{690861F2-3F7E-412B-B976-DA48462DA116}" type="datetimeFigureOut">
               <a:rPr lang="ko-KR" altLang="en-US" smtClean="0"/>
-              <a:t>2021-05-23</a:t>
+              <a:t>2021-05-24</a:t>
             </a:fld>
             <a:endParaRPr lang="ko-KR" altLang="en-US"/>
           </a:p>
@@ -466,7 +471,7 @@
           <a:p>
             <a:fld id="{690861F2-3F7E-412B-B976-DA48462DA116}" type="datetimeFigureOut">
               <a:rPr lang="ko-KR" altLang="en-US" smtClean="0"/>
-              <a:t>2021-05-23</a:t>
+              <a:t>2021-05-24</a:t>
             </a:fld>
             <a:endParaRPr lang="ko-KR" altLang="en-US"/>
           </a:p>
@@ -676,7 +681,7 @@
           <a:p>
             <a:fld id="{690861F2-3F7E-412B-B976-DA48462DA116}" type="datetimeFigureOut">
               <a:rPr lang="ko-KR" altLang="en-US" smtClean="0"/>
-              <a:t>2021-05-23</a:t>
+              <a:t>2021-05-24</a:t>
             </a:fld>
             <a:endParaRPr lang="ko-KR" altLang="en-US"/>
           </a:p>
@@ -876,7 +881,7 @@
           <a:p>
             <a:fld id="{690861F2-3F7E-412B-B976-DA48462DA116}" type="datetimeFigureOut">
               <a:rPr lang="ko-KR" altLang="en-US" smtClean="0"/>
-              <a:t>2021-05-23</a:t>
+              <a:t>2021-05-24</a:t>
             </a:fld>
             <a:endParaRPr lang="ko-KR" altLang="en-US"/>
           </a:p>
@@ -1152,7 +1157,7 @@
           <a:p>
             <a:fld id="{690861F2-3F7E-412B-B976-DA48462DA116}" type="datetimeFigureOut">
               <a:rPr lang="ko-KR" altLang="en-US" smtClean="0"/>
-              <a:t>2021-05-23</a:t>
+              <a:t>2021-05-24</a:t>
             </a:fld>
             <a:endParaRPr lang="ko-KR" altLang="en-US"/>
           </a:p>
@@ -1420,7 +1425,7 @@
           <a:p>
             <a:fld id="{690861F2-3F7E-412B-B976-DA48462DA116}" type="datetimeFigureOut">
               <a:rPr lang="ko-KR" altLang="en-US" smtClean="0"/>
-              <a:t>2021-05-23</a:t>
+              <a:t>2021-05-24</a:t>
             </a:fld>
             <a:endParaRPr lang="ko-KR" altLang="en-US"/>
           </a:p>
@@ -1835,7 +1840,7 @@
           <a:p>
             <a:fld id="{690861F2-3F7E-412B-B976-DA48462DA116}" type="datetimeFigureOut">
               <a:rPr lang="ko-KR" altLang="en-US" smtClean="0"/>
-              <a:t>2021-05-23</a:t>
+              <a:t>2021-05-24</a:t>
             </a:fld>
             <a:endParaRPr lang="ko-KR" altLang="en-US"/>
           </a:p>
@@ -1977,7 +1982,7 @@
           <a:p>
             <a:fld id="{690861F2-3F7E-412B-B976-DA48462DA116}" type="datetimeFigureOut">
               <a:rPr lang="ko-KR" altLang="en-US" smtClean="0"/>
-              <a:t>2021-05-23</a:t>
+              <a:t>2021-05-24</a:t>
             </a:fld>
             <a:endParaRPr lang="ko-KR" altLang="en-US"/>
           </a:p>
@@ -2090,7 +2095,7 @@
           <a:p>
             <a:fld id="{690861F2-3F7E-412B-B976-DA48462DA116}" type="datetimeFigureOut">
               <a:rPr lang="ko-KR" altLang="en-US" smtClean="0"/>
-              <a:t>2021-05-23</a:t>
+              <a:t>2021-05-24</a:t>
             </a:fld>
             <a:endParaRPr lang="ko-KR" altLang="en-US"/>
           </a:p>
@@ -2403,7 +2408,7 @@
           <a:p>
             <a:fld id="{690861F2-3F7E-412B-B976-DA48462DA116}" type="datetimeFigureOut">
               <a:rPr lang="ko-KR" altLang="en-US" smtClean="0"/>
-              <a:t>2021-05-23</a:t>
+              <a:t>2021-05-24</a:t>
             </a:fld>
             <a:endParaRPr lang="ko-KR" altLang="en-US"/>
           </a:p>
@@ -2692,7 +2697,7 @@
           <a:p>
             <a:fld id="{690861F2-3F7E-412B-B976-DA48462DA116}" type="datetimeFigureOut">
               <a:rPr lang="ko-KR" altLang="en-US" smtClean="0"/>
-              <a:t>2021-05-23</a:t>
+              <a:t>2021-05-24</a:t>
             </a:fld>
             <a:endParaRPr lang="ko-KR" altLang="en-US"/>
           </a:p>
@@ -2935,7 +2940,7 @@
           <a:p>
             <a:fld id="{690861F2-3F7E-412B-B976-DA48462DA116}" type="datetimeFigureOut">
               <a:rPr lang="ko-KR" altLang="en-US" smtClean="0"/>
-              <a:t>2021-05-23</a:t>
+              <a:t>2021-05-24</a:t>
             </a:fld>
             <a:endParaRPr lang="ko-KR" altLang="en-US"/>
           </a:p>
@@ -4037,604 +4042,7 @@
 </p:sld>
 </file>
 
-<file path=ppt/slides/slide2.xml><?xml version="1.0" encoding="utf-8"?>
-<p:sld xmlns:a="http://schemas.openxmlformats.org/drawingml/2006/main" xmlns:r="http://schemas.openxmlformats.org/officeDocument/2006/relationships" xmlns:p="http://schemas.openxmlformats.org/presentationml/2006/main">
-  <p:cSld>
-    <p:spTree>
-      <p:nvGrpSpPr>
-        <p:cNvPr id="1" name=""/>
-        <p:cNvGrpSpPr/>
-        <p:nvPr/>
-      </p:nvGrpSpPr>
-      <p:grpSpPr>
-        <a:xfrm>
-          <a:off x="0" y="0"/>
-          <a:ext cx="0" cy="0"/>
-          <a:chOff x="0" y="0"/>
-          <a:chExt cx="0" cy="0"/>
-        </a:xfrm>
-      </p:grpSpPr>
-      <p:sp>
-        <p:nvSpPr>
-          <p:cNvPr id="7" name="Rectangle 6">
-            <a:extLst>
-              <a:ext uri="{FF2B5EF4-FFF2-40B4-BE49-F238E27FC236}">
-                <a16:creationId xmlns:a16="http://schemas.microsoft.com/office/drawing/2014/main" id="{506921A9-272F-4AD5-B7EA-F493894E9082}"/>
-              </a:ext>
-            </a:extLst>
-          </p:cNvPr>
-          <p:cNvSpPr/>
-          <p:nvPr/>
-        </p:nvSpPr>
-        <p:spPr>
-          <a:xfrm>
-            <a:off x="0" y="-9965"/>
-            <a:ext cx="12192000" cy="6867965"/>
-          </a:xfrm>
-          <a:prstGeom prst="rect">
-            <a:avLst/>
-          </a:prstGeom>
-          <a:solidFill>
-            <a:srgbClr val="94E7FF"/>
-          </a:solidFill>
-          <a:ln>
-            <a:solidFill>
-              <a:srgbClr val="90E7FF"/>
-            </a:solidFill>
-          </a:ln>
-        </p:spPr>
-        <p:style>
-          <a:lnRef idx="2">
-            <a:schemeClr val="accent1">
-              <a:shade val="50000"/>
-            </a:schemeClr>
-          </a:lnRef>
-          <a:fillRef idx="1">
-            <a:schemeClr val="accent1"/>
-          </a:fillRef>
-          <a:effectRef idx="0">
-            <a:schemeClr val="accent1"/>
-          </a:effectRef>
-          <a:fontRef idx="minor">
-            <a:schemeClr val="lt1"/>
-          </a:fontRef>
-        </p:style>
-        <p:txBody>
-          <a:bodyPr rtlCol="0" anchor="ctr"/>
-          <a:lstStyle/>
-          <a:p>
-            <a:pPr algn="ctr"/>
-            <a:endParaRPr lang="ko-KR" altLang="en-US"/>
-          </a:p>
-        </p:txBody>
-      </p:sp>
-      <p:sp>
-        <p:nvSpPr>
-          <p:cNvPr id="8" name="Rectangle 7">
-            <a:extLst>
-              <a:ext uri="{FF2B5EF4-FFF2-40B4-BE49-F238E27FC236}">
-                <a16:creationId xmlns:a16="http://schemas.microsoft.com/office/drawing/2014/main" id="{C8F26D29-CFC0-4BAB-BFD2-B193E1D68BA9}"/>
-              </a:ext>
-            </a:extLst>
-          </p:cNvPr>
-          <p:cNvSpPr/>
-          <p:nvPr/>
-        </p:nvSpPr>
-        <p:spPr>
-          <a:xfrm>
-            <a:off x="138337" y="134257"/>
-            <a:ext cx="12053663" cy="6589485"/>
-          </a:xfrm>
-          <a:prstGeom prst="rect">
-            <a:avLst/>
-          </a:prstGeom>
-          <a:solidFill>
-            <a:srgbClr val="C5F2FF"/>
-          </a:solidFill>
-          <a:ln>
-            <a:solidFill>
-              <a:srgbClr val="94E7FF"/>
-            </a:solidFill>
-          </a:ln>
-        </p:spPr>
-        <p:style>
-          <a:lnRef idx="2">
-            <a:schemeClr val="accent1">
-              <a:shade val="50000"/>
-            </a:schemeClr>
-          </a:lnRef>
-          <a:fillRef idx="1">
-            <a:schemeClr val="accent1"/>
-          </a:fillRef>
-          <a:effectRef idx="0">
-            <a:schemeClr val="accent1"/>
-          </a:effectRef>
-          <a:fontRef idx="minor">
-            <a:schemeClr val="lt1"/>
-          </a:fontRef>
-        </p:style>
-        <p:txBody>
-          <a:bodyPr rtlCol="0" anchor="ctr"/>
-          <a:lstStyle/>
-          <a:p>
-            <a:pPr algn="ctr"/>
-            <a:r>
-              <a:rPr lang="en-US" altLang="ko-KR" dirty="0"/>
-              <a:t>      </a:t>
-            </a:r>
-            <a:endParaRPr lang="ko-KR" altLang="en-US" dirty="0"/>
-          </a:p>
-        </p:txBody>
-      </p:sp>
-      <p:pic>
-        <p:nvPicPr>
-          <p:cNvPr id="10" name="Picture 9" descr="Icon&#10;&#10;Description automatically generated">
-            <a:extLst>
-              <a:ext uri="{FF2B5EF4-FFF2-40B4-BE49-F238E27FC236}">
-                <a16:creationId xmlns:a16="http://schemas.microsoft.com/office/drawing/2014/main" id="{F94802C9-90FF-4DFC-AF28-0A387B1E991E}"/>
-              </a:ext>
-            </a:extLst>
-          </p:cNvPr>
-          <p:cNvPicPr>
-            <a:picLocks noChangeAspect="1"/>
-          </p:cNvPicPr>
-          <p:nvPr/>
-        </p:nvPicPr>
-        <p:blipFill>
-          <a:blip r:embed="rId2">
-            <a:extLst>
-              <a:ext uri="{28A0092B-C50C-407E-A947-70E740481C1C}">
-                <a14:useLocalDpi xmlns:a14="http://schemas.microsoft.com/office/drawing/2010/main" val="0"/>
-              </a:ext>
-            </a:extLst>
-          </a:blip>
-          <a:stretch>
-            <a:fillRect/>
-          </a:stretch>
-        </p:blipFill>
-        <p:spPr>
-          <a:xfrm rot="15640785">
-            <a:off x="3387778" y="777768"/>
-            <a:ext cx="1529634" cy="1446308"/>
-          </a:xfrm>
-          <a:prstGeom prst="rect">
-            <a:avLst/>
-          </a:prstGeom>
-        </p:spPr>
-      </p:pic>
-      <p:pic>
-        <p:nvPicPr>
-          <p:cNvPr id="16" name="Picture 15">
-            <a:extLst>
-              <a:ext uri="{FF2B5EF4-FFF2-40B4-BE49-F238E27FC236}">
-                <a16:creationId xmlns:a16="http://schemas.microsoft.com/office/drawing/2014/main" id="{35F38953-2153-4FDF-9DB9-B177A993A747}"/>
-              </a:ext>
-            </a:extLst>
-          </p:cNvPr>
-          <p:cNvPicPr>
-            <a:picLocks noChangeAspect="1"/>
-          </p:cNvPicPr>
-          <p:nvPr/>
-        </p:nvPicPr>
-        <p:blipFill>
-          <a:blip r:embed="rId3">
-            <a:extLst>
-              <a:ext uri="{28A0092B-C50C-407E-A947-70E740481C1C}">
-                <a14:useLocalDpi xmlns:a14="http://schemas.microsoft.com/office/drawing/2010/main" val="0"/>
-              </a:ext>
-            </a:extLst>
-          </a:blip>
-          <a:stretch>
-            <a:fillRect/>
-          </a:stretch>
-        </p:blipFill>
-        <p:spPr>
-          <a:xfrm>
-            <a:off x="6556467" y="1661090"/>
-            <a:ext cx="1695450" cy="438150"/>
-          </a:xfrm>
-          <a:prstGeom prst="rect">
-            <a:avLst/>
-          </a:prstGeom>
-        </p:spPr>
-      </p:pic>
-      <p:pic>
-        <p:nvPicPr>
-          <p:cNvPr id="18" name="Picture 17">
-            <a:extLst>
-              <a:ext uri="{FF2B5EF4-FFF2-40B4-BE49-F238E27FC236}">
-                <a16:creationId xmlns:a16="http://schemas.microsoft.com/office/drawing/2014/main" id="{7285AF3A-5E61-487F-B623-A1C0904D912E}"/>
-              </a:ext>
-            </a:extLst>
-          </p:cNvPr>
-          <p:cNvPicPr>
-            <a:picLocks noChangeAspect="1"/>
-          </p:cNvPicPr>
-          <p:nvPr/>
-        </p:nvPicPr>
-        <p:blipFill>
-          <a:blip r:embed="rId4">
-            <a:extLst>
-              <a:ext uri="{28A0092B-C50C-407E-A947-70E740481C1C}">
-                <a14:useLocalDpi xmlns:a14="http://schemas.microsoft.com/office/drawing/2010/main" val="0"/>
-              </a:ext>
-            </a:extLst>
-          </a:blip>
-          <a:stretch>
-            <a:fillRect/>
-          </a:stretch>
-        </p:blipFill>
-        <p:spPr>
-          <a:xfrm>
-            <a:off x="1446761" y="2577669"/>
-            <a:ext cx="1695450" cy="438150"/>
-          </a:xfrm>
-          <a:prstGeom prst="rect">
-            <a:avLst/>
-          </a:prstGeom>
-        </p:spPr>
-      </p:pic>
-      <p:pic>
-        <p:nvPicPr>
-          <p:cNvPr id="19" name="Picture 18">
-            <a:extLst>
-              <a:ext uri="{FF2B5EF4-FFF2-40B4-BE49-F238E27FC236}">
-                <a16:creationId xmlns:a16="http://schemas.microsoft.com/office/drawing/2014/main" id="{FA59CFD3-3C2A-4E3A-B7D1-F7D6B8B73BCF}"/>
-              </a:ext>
-            </a:extLst>
-          </p:cNvPr>
-          <p:cNvPicPr>
-            <a:picLocks noChangeAspect="1"/>
-          </p:cNvPicPr>
-          <p:nvPr/>
-        </p:nvPicPr>
-        <p:blipFill>
-          <a:blip r:embed="rId3">
-            <a:extLst>
-              <a:ext uri="{28A0092B-C50C-407E-A947-70E740481C1C}">
-                <a14:useLocalDpi xmlns:a14="http://schemas.microsoft.com/office/drawing/2010/main" val="0"/>
-              </a:ext>
-            </a:extLst>
-          </a:blip>
-          <a:stretch>
-            <a:fillRect/>
-          </a:stretch>
-        </p:blipFill>
-        <p:spPr>
-          <a:xfrm>
-            <a:off x="7033846" y="4977835"/>
-            <a:ext cx="1695450" cy="438150"/>
-          </a:xfrm>
-          <a:prstGeom prst="rect">
-            <a:avLst/>
-          </a:prstGeom>
-        </p:spPr>
-      </p:pic>
-      <p:pic>
-        <p:nvPicPr>
-          <p:cNvPr id="20" name="Picture 19">
-            <a:extLst>
-              <a:ext uri="{FF2B5EF4-FFF2-40B4-BE49-F238E27FC236}">
-                <a16:creationId xmlns:a16="http://schemas.microsoft.com/office/drawing/2014/main" id="{7A3297FF-FC9B-4BDD-A979-AA8B9B1D5D6D}"/>
-              </a:ext>
-            </a:extLst>
-          </p:cNvPr>
-          <p:cNvPicPr>
-            <a:picLocks noChangeAspect="1"/>
-          </p:cNvPicPr>
-          <p:nvPr/>
-        </p:nvPicPr>
-        <p:blipFill>
-          <a:blip r:embed="rId4">
-            <a:extLst>
-              <a:ext uri="{28A0092B-C50C-407E-A947-70E740481C1C}">
-                <a14:useLocalDpi xmlns:a14="http://schemas.microsoft.com/office/drawing/2010/main" val="0"/>
-              </a:ext>
-            </a:extLst>
-          </a:blip>
-          <a:stretch>
-            <a:fillRect/>
-          </a:stretch>
-        </p:blipFill>
-        <p:spPr>
-          <a:xfrm>
-            <a:off x="10785963" y="2139519"/>
-            <a:ext cx="1695450" cy="438150"/>
-          </a:xfrm>
-          <a:prstGeom prst="rect">
-            <a:avLst/>
-          </a:prstGeom>
-        </p:spPr>
-      </p:pic>
-      <p:sp>
-        <p:nvSpPr>
-          <p:cNvPr id="21" name="Rectangle 20">
-            <a:extLst>
-              <a:ext uri="{FF2B5EF4-FFF2-40B4-BE49-F238E27FC236}">
-                <a16:creationId xmlns:a16="http://schemas.microsoft.com/office/drawing/2014/main" id="{C5724416-4CEB-460D-8A2C-78B9F3A86F11}"/>
-              </a:ext>
-            </a:extLst>
-          </p:cNvPr>
-          <p:cNvSpPr/>
-          <p:nvPr/>
-        </p:nvSpPr>
-        <p:spPr>
-          <a:xfrm>
-            <a:off x="-398585" y="-15240"/>
-            <a:ext cx="14864862" cy="139241"/>
-          </a:xfrm>
-          <a:prstGeom prst="rect">
-            <a:avLst/>
-          </a:prstGeom>
-          <a:solidFill>
-            <a:srgbClr val="94E7FF"/>
-          </a:solidFill>
-          <a:ln>
-            <a:solidFill>
-              <a:srgbClr val="94E7FF"/>
-            </a:solidFill>
-          </a:ln>
-        </p:spPr>
-        <p:style>
-          <a:lnRef idx="2">
-            <a:schemeClr val="accent1">
-              <a:shade val="50000"/>
-            </a:schemeClr>
-          </a:lnRef>
-          <a:fillRef idx="1">
-            <a:schemeClr val="accent1"/>
-          </a:fillRef>
-          <a:effectRef idx="0">
-            <a:schemeClr val="accent1"/>
-          </a:effectRef>
-          <a:fontRef idx="minor">
-            <a:schemeClr val="lt1"/>
-          </a:fontRef>
-        </p:style>
-        <p:txBody>
-          <a:bodyPr rtlCol="0" anchor="ctr"/>
-          <a:lstStyle/>
-          <a:p>
-            <a:pPr algn="ctr"/>
-            <a:endParaRPr lang="ko-KR" altLang="en-US" dirty="0"/>
-          </a:p>
-        </p:txBody>
-      </p:sp>
-      <p:sp>
-        <p:nvSpPr>
-          <p:cNvPr id="24" name="Rectangle 23">
-            <a:extLst>
-              <a:ext uri="{FF2B5EF4-FFF2-40B4-BE49-F238E27FC236}">
-                <a16:creationId xmlns:a16="http://schemas.microsoft.com/office/drawing/2014/main" id="{24DF9C13-7972-4E98-9BA8-7AA40834764C}"/>
-              </a:ext>
-            </a:extLst>
-          </p:cNvPr>
-          <p:cNvSpPr/>
-          <p:nvPr/>
-        </p:nvSpPr>
-        <p:spPr>
-          <a:xfrm>
-            <a:off x="-398585" y="6738251"/>
-            <a:ext cx="14864862" cy="139241"/>
-          </a:xfrm>
-          <a:prstGeom prst="rect">
-            <a:avLst/>
-          </a:prstGeom>
-          <a:solidFill>
-            <a:srgbClr val="94E7FF"/>
-          </a:solidFill>
-          <a:ln>
-            <a:solidFill>
-              <a:srgbClr val="94E7FF"/>
-            </a:solidFill>
-          </a:ln>
-        </p:spPr>
-        <p:style>
-          <a:lnRef idx="2">
-            <a:schemeClr val="accent1">
-              <a:shade val="50000"/>
-            </a:schemeClr>
-          </a:lnRef>
-          <a:fillRef idx="1">
-            <a:schemeClr val="accent1"/>
-          </a:fillRef>
-          <a:effectRef idx="0">
-            <a:schemeClr val="accent1"/>
-          </a:effectRef>
-          <a:fontRef idx="minor">
-            <a:schemeClr val="lt1"/>
-          </a:fontRef>
-        </p:style>
-        <p:txBody>
-          <a:bodyPr rtlCol="0" anchor="ctr"/>
-          <a:lstStyle/>
-          <a:p>
-            <a:pPr algn="ctr"/>
-            <a:endParaRPr lang="ko-KR" altLang="en-US" dirty="0"/>
-          </a:p>
-        </p:txBody>
-      </p:sp>
-      <p:sp>
-        <p:nvSpPr>
-          <p:cNvPr id="25" name="Rectangle 24">
-            <a:extLst>
-              <a:ext uri="{FF2B5EF4-FFF2-40B4-BE49-F238E27FC236}">
-                <a16:creationId xmlns:a16="http://schemas.microsoft.com/office/drawing/2014/main" id="{A3C4CEC3-FE2E-40C1-A57C-CBEBC27786AC}"/>
-              </a:ext>
-            </a:extLst>
-          </p:cNvPr>
-          <p:cNvSpPr/>
-          <p:nvPr/>
-        </p:nvSpPr>
-        <p:spPr>
-          <a:xfrm>
-            <a:off x="12053662" y="-662354"/>
-            <a:ext cx="138338" cy="8182708"/>
-          </a:xfrm>
-          <a:prstGeom prst="rect">
-            <a:avLst/>
-          </a:prstGeom>
-          <a:solidFill>
-            <a:srgbClr val="94E7FF"/>
-          </a:solidFill>
-          <a:ln>
-            <a:solidFill>
-              <a:srgbClr val="94E7FF"/>
-            </a:solidFill>
-          </a:ln>
-        </p:spPr>
-        <p:style>
-          <a:lnRef idx="2">
-            <a:schemeClr val="accent1">
-              <a:shade val="50000"/>
-            </a:schemeClr>
-          </a:lnRef>
-          <a:fillRef idx="1">
-            <a:schemeClr val="accent1"/>
-          </a:fillRef>
-          <a:effectRef idx="0">
-            <a:schemeClr val="accent1"/>
-          </a:effectRef>
-          <a:fontRef idx="minor">
-            <a:schemeClr val="lt1"/>
-          </a:fontRef>
-        </p:style>
-        <p:txBody>
-          <a:bodyPr rtlCol="0" anchor="ctr"/>
-          <a:lstStyle/>
-          <a:p>
-            <a:pPr algn="ctr"/>
-            <a:endParaRPr lang="ko-KR" altLang="en-US"/>
-          </a:p>
-        </p:txBody>
-      </p:sp>
-      <p:sp>
-        <p:nvSpPr>
-          <p:cNvPr id="3" name="Oval 2">
-            <a:extLst>
-              <a:ext uri="{FF2B5EF4-FFF2-40B4-BE49-F238E27FC236}">
-                <a16:creationId xmlns:a16="http://schemas.microsoft.com/office/drawing/2014/main" id="{8BB955EF-2245-4D8A-A8CA-84E7503E52CE}"/>
-              </a:ext>
-            </a:extLst>
-          </p:cNvPr>
-          <p:cNvSpPr/>
-          <p:nvPr/>
-        </p:nvSpPr>
-        <p:spPr>
-          <a:xfrm>
-            <a:off x="4734615" y="1506841"/>
-            <a:ext cx="2861105" cy="2861105"/>
-          </a:xfrm>
-          <a:prstGeom prst="ellipse">
-            <a:avLst/>
-          </a:prstGeom>
-          <a:solidFill>
-            <a:schemeClr val="bg1"/>
-          </a:solidFill>
-          <a:ln>
-            <a:solidFill>
-              <a:srgbClr val="94E7FF"/>
-            </a:solidFill>
-          </a:ln>
-        </p:spPr>
-        <p:style>
-          <a:lnRef idx="2">
-            <a:schemeClr val="accent1">
-              <a:shade val="50000"/>
-            </a:schemeClr>
-          </a:lnRef>
-          <a:fillRef idx="1">
-            <a:schemeClr val="accent1"/>
-          </a:fillRef>
-          <a:effectRef idx="0">
-            <a:schemeClr val="accent1"/>
-          </a:effectRef>
-          <a:fontRef idx="minor">
-            <a:schemeClr val="lt1"/>
-          </a:fontRef>
-        </p:style>
-        <p:txBody>
-          <a:bodyPr rtlCol="0" anchor="ctr"/>
-          <a:lstStyle/>
-          <a:p>
-            <a:pPr algn="ctr"/>
-            <a:r>
-              <a:rPr lang="en-US" altLang="ko-KR" sz="8800" dirty="0">
-                <a:solidFill>
-                  <a:srgbClr val="94E7FF"/>
-                </a:solidFill>
-                <a:latin typeface="+mj-lt"/>
-              </a:rPr>
-              <a:t>01</a:t>
-            </a:r>
-            <a:endParaRPr lang="ko-KR" altLang="en-US" sz="8800" dirty="0">
-              <a:solidFill>
-                <a:srgbClr val="94E7FF"/>
-              </a:solidFill>
-              <a:latin typeface="+mj-lt"/>
-            </a:endParaRPr>
-          </a:p>
-        </p:txBody>
-      </p:sp>
-      <p:sp>
-        <p:nvSpPr>
-          <p:cNvPr id="22" name="TextBox 21">
-            <a:extLst>
-              <a:ext uri="{FF2B5EF4-FFF2-40B4-BE49-F238E27FC236}">
-                <a16:creationId xmlns:a16="http://schemas.microsoft.com/office/drawing/2014/main" id="{122DBCEC-3624-4E84-A0AC-908121F8619B}"/>
-              </a:ext>
-            </a:extLst>
-          </p:cNvPr>
-          <p:cNvSpPr txBox="1"/>
-          <p:nvPr/>
-        </p:nvSpPr>
-        <p:spPr>
-          <a:xfrm>
-            <a:off x="4285126" y="4485242"/>
-            <a:ext cx="3760081" cy="646331"/>
-          </a:xfrm>
-          <a:prstGeom prst="rect">
-            <a:avLst/>
-          </a:prstGeom>
-          <a:noFill/>
-        </p:spPr>
-        <p:txBody>
-          <a:bodyPr wrap="square" rtlCol="0">
-            <a:spAutoFit/>
-          </a:bodyPr>
-          <a:lstStyle/>
-          <a:p>
-            <a:pPr algn="ctr"/>
-            <a:r>
-              <a:rPr lang="en-US" altLang="ko-KR" sz="3600" b="1" dirty="0">
-                <a:solidFill>
-                  <a:srgbClr val="002060"/>
-                </a:solidFill>
-              </a:rPr>
-              <a:t>IaaS, PaaS, SaaS</a:t>
-            </a:r>
-            <a:endParaRPr lang="ko-KR" altLang="en-US" sz="3600" b="1" dirty="0">
-              <a:solidFill>
-                <a:srgbClr val="002060"/>
-              </a:solidFill>
-            </a:endParaRPr>
-          </a:p>
-        </p:txBody>
-      </p:sp>
-    </p:spTree>
-    <p:extLst>
-      <p:ext uri="{BB962C8B-B14F-4D97-AF65-F5344CB8AC3E}">
-        <p14:creationId xmlns:p14="http://schemas.microsoft.com/office/powerpoint/2010/main" val="2244180478"/>
-      </p:ext>
-    </p:extLst>
-  </p:cSld>
-  <p:clrMapOvr>
-    <a:masterClrMapping/>
-  </p:clrMapOvr>
-</p:sld>
-</file>
-
-<file path=ppt/slides/slide3.xml><?xml version="1.0" encoding="utf-8"?>
+<file path=ppt/slides/slide10.xml><?xml version="1.0" encoding="utf-8"?>
 <p:sld xmlns:a="http://schemas.openxmlformats.org/drawingml/2006/main" xmlns:r="http://schemas.openxmlformats.org/officeDocument/2006/relationships" xmlns:p="http://schemas.openxmlformats.org/presentationml/2006/main">
   <p:cSld>
     <p:spTree>
@@ -5120,8 +4528,8 @@
         </p:nvSpPr>
         <p:spPr>
           <a:xfrm>
-            <a:off x="1025888" y="340751"/>
-            <a:ext cx="1622379" cy="646331"/>
+            <a:off x="973797" y="340751"/>
+            <a:ext cx="2825155" cy="646331"/>
           </a:xfrm>
           <a:prstGeom prst="rect">
             <a:avLst/>
@@ -5141,23 +4549,15 @@
                   <a:srgbClr val="002060"/>
                 </a:solidFill>
               </a:rPr>
-              <a:t>IaaS</a:t>
-            </a:r>
-            <a:r>
-              <a:rPr lang="ko-KR" altLang="en-US" sz="3600" b="1" dirty="0">
+              <a:t>On-</a:t>
+            </a:r>
+            <a:r>
+              <a:rPr lang="en-US" altLang="ko-KR" sz="3600" b="1" dirty="0" err="1">
                 <a:solidFill>
                   <a:srgbClr val="002060"/>
                 </a:solidFill>
               </a:rPr>
-              <a:t>란</a:t>
-            </a:r>
-            <a:r>
-              <a:rPr lang="en-US" altLang="ko-KR" sz="3600" b="1" dirty="0">
-                <a:solidFill>
-                  <a:srgbClr val="002060"/>
-                </a:solidFill>
-              </a:rPr>
-              <a:t> </a:t>
+              <a:t>Premiss</a:t>
             </a:r>
             <a:endParaRPr lang="ko-KR" altLang="en-US" sz="3600" b="1" dirty="0">
               <a:solidFill>
@@ -5256,9 +4656,17 @@
                   <a:srgbClr val="002060"/>
                 </a:solidFill>
               </a:rPr>
-              <a:t>Infrastructure-as-a-Service</a:t>
-            </a:r>
-            <a:endParaRPr lang="ko-KR" altLang="en-US" sz="3600" b="1" dirty="0">
+              <a:t>On-</a:t>
+            </a:r>
+            <a:r>
+              <a:rPr lang="en-US" altLang="ko-KR" sz="3600" b="1" dirty="0" err="1">
+                <a:solidFill>
+                  <a:srgbClr val="002060"/>
+                </a:solidFill>
+              </a:rPr>
+              <a:t>Premiss</a:t>
+            </a:r>
+            <a:endParaRPr lang="en-US" altLang="ko-KR" sz="3600" b="1" dirty="0">
               <a:solidFill>
                 <a:srgbClr val="002060"/>
               </a:solidFill>
@@ -5281,7 +4689,7 @@
         <p:spPr>
           <a:xfrm>
             <a:off x="1848766" y="2956141"/>
-            <a:ext cx="8632803" cy="1323439"/>
+            <a:ext cx="9392806" cy="707886"/>
           </a:xfrm>
           <a:prstGeom prst="rect">
             <a:avLst/>
@@ -5308,59 +4716,26 @@
             <a:r>
               <a:rPr lang="ko-KR" altLang="en-US" sz="2000" b="0" i="0" dirty="0">
                 <a:solidFill>
+                  <a:srgbClr val="000000"/>
+                </a:solidFill>
+                <a:effectLst/>
+                <a:latin typeface="nsr"/>
+              </a:rPr>
+              <a:t>클라우드 도입 전 데이터 센터 혹은 전산망을 구축하던 방식으로 </a:t>
+            </a:r>
+            <a:r>
+              <a:rPr lang="ko-KR" altLang="en-US" sz="2000" b="0" i="0" dirty="0">
+                <a:solidFill>
                   <a:schemeClr val="tx2">
                     <a:lumMod val="50000"/>
                   </a:schemeClr>
                 </a:solidFill>
                 <a:effectLst/>
               </a:rPr>
-              <a:t> </a:t>
-            </a:r>
-            <a:r>
-              <a:rPr lang="ko-KR" altLang="en-US" sz="2000" b="0" i="0" dirty="0">
-                <a:solidFill>
-                  <a:srgbClr val="000000"/>
-                </a:solidFill>
-                <a:effectLst/>
-                <a:latin typeface="nsr"/>
-              </a:rPr>
-              <a:t>아주 기본적인 </a:t>
+              <a:t>데이터센터를 직접 구축하고</a:t>
             </a:r>
             <a:r>
               <a:rPr lang="en-US" altLang="ko-KR" sz="2000" b="0" i="0" dirty="0">
-                <a:solidFill>
-                  <a:srgbClr val="000000"/>
-                </a:solidFill>
-                <a:effectLst/>
-                <a:latin typeface="nsr"/>
-              </a:rPr>
-              <a:t>IT </a:t>
-            </a:r>
-            <a:r>
-              <a:rPr lang="ko-KR" altLang="en-US" sz="2000" b="0" i="0" dirty="0">
-                <a:solidFill>
-                  <a:srgbClr val="000000"/>
-                </a:solidFill>
-                <a:effectLst/>
-                <a:latin typeface="nsr"/>
-              </a:rPr>
-              <a:t>인프라를 제공하는 서비스</a:t>
-            </a:r>
-            <a:endParaRPr lang="en-US" altLang="ko-KR" sz="2000" b="0" i="0" dirty="0">
-              <a:solidFill>
-                <a:srgbClr val="000000"/>
-              </a:solidFill>
-              <a:effectLst/>
-              <a:latin typeface="nsr"/>
-            </a:endParaRPr>
-          </a:p>
-          <a:p>
-            <a:pPr marL="342900" indent="-342900">
-              <a:buFontTx/>
-              <a:buChar char="-"/>
-            </a:pPr>
-            <a:r>
-              <a:rPr lang="ko-KR" altLang="en-US" sz="2000" b="0" i="0" dirty="0">
                 <a:solidFill>
                   <a:schemeClr val="tx2">
                     <a:lumMod val="50000"/>
@@ -5368,10 +4743,10 @@
                 </a:solidFill>
                 <a:effectLst/>
               </a:rPr>
-              <a:t>기업이 데이터센터를 구축하지 않고</a:t>
-            </a:r>
-            <a:r>
-              <a:rPr lang="en-US" altLang="ko-KR" sz="2000" b="0" i="0" dirty="0">
+              <a:t>, </a:t>
+            </a:r>
+            <a:r>
+              <a:rPr lang="ko-KR" altLang="en-US" sz="2000" b="0" i="0" dirty="0" err="1">
                 <a:solidFill>
                   <a:schemeClr val="tx2">
                     <a:lumMod val="50000"/>
@@ -5379,7 +4754,7 @@
                 </a:solidFill>
                 <a:effectLst/>
               </a:rPr>
-              <a:t>, </a:t>
+              <a:t>랙에</a:t>
             </a:r>
             <a:r>
               <a:rPr lang="ko-KR" altLang="en-US" sz="2000" b="0" i="0" dirty="0">
@@ -5390,30 +4765,21 @@
                 </a:solidFill>
                 <a:effectLst/>
               </a:rPr>
-              <a:t>데이터센터에 들어가는 모든 것을</a:t>
-            </a:r>
-            <a:endParaRPr lang="en-US" altLang="ko-KR" sz="2000" b="0" i="0" dirty="0">
-              <a:solidFill>
-                <a:schemeClr val="tx2">
-                  <a:lumMod val="50000"/>
-                </a:schemeClr>
-              </a:solidFill>
-              <a:effectLst/>
-            </a:endParaRPr>
-          </a:p>
-          <a:p>
-            <a:r>
-              <a:rPr lang="en-US" altLang="ko-KR" sz="2000" dirty="0">
+              <a:t> 서버를 넣고</a:t>
+            </a:r>
+            <a:r>
+              <a:rPr lang="en-US" altLang="ko-KR" sz="2000" b="0" i="0" dirty="0">
                 <a:solidFill>
                   <a:schemeClr val="tx2">
                     <a:lumMod val="50000"/>
                   </a:schemeClr>
                 </a:solidFill>
-              </a:rPr>
-              <a:t>    </a:t>
-            </a:r>
-            <a:r>
-              <a:rPr lang="ko-KR" altLang="en-US" sz="2000" b="0" i="0" dirty="0" err="1">
+                <a:effectLst/>
+              </a:rPr>
+              <a:t>, </a:t>
+            </a:r>
+            <a:r>
+              <a:rPr lang="ko-KR" altLang="en-US" sz="2000" b="0" i="0" dirty="0">
                 <a:solidFill>
                   <a:schemeClr val="tx2">
                     <a:lumMod val="50000"/>
@@ -5421,10 +4787,10 @@
                 </a:solidFill>
                 <a:effectLst/>
               </a:rPr>
-              <a:t>서드파티</a:t>
-            </a:r>
-            <a:r>
-              <a:rPr lang="ko-KR" altLang="en-US" sz="2000" b="0" i="0" dirty="0">
+              <a:t>네트워크를 직접 구성하는 방식을 말한다</a:t>
+            </a:r>
+            <a:r>
+              <a:rPr lang="en-US" altLang="ko-KR" sz="2000" b="0" i="0" dirty="0">
                 <a:solidFill>
                   <a:schemeClr val="tx2">
                     <a:lumMod val="50000"/>
@@ -5432,131 +4798,7 @@
                 </a:solidFill>
                 <a:effectLst/>
               </a:rPr>
-              <a:t> 업체에게 제공 받는 것</a:t>
-            </a:r>
-            <a:r>
-              <a:rPr lang="en-US" altLang="ko-KR" sz="2000" b="0" i="0" dirty="0">
-                <a:solidFill>
-                  <a:schemeClr val="tx2">
-                    <a:lumMod val="50000"/>
-                  </a:schemeClr>
-                </a:solidFill>
-                <a:effectLst/>
-              </a:rPr>
-              <a:t>.</a:t>
-            </a:r>
-          </a:p>
-          <a:p>
-            <a:pPr marL="285750" indent="-285750">
-              <a:buFontTx/>
-              <a:buChar char="-"/>
-            </a:pPr>
-            <a:r>
-              <a:rPr lang="ko-KR" altLang="en-US" sz="2000" dirty="0">
-                <a:solidFill>
-                  <a:schemeClr val="tx2">
-                    <a:lumMod val="50000"/>
-                  </a:schemeClr>
-                </a:solidFill>
-              </a:rPr>
-              <a:t>인프라에 포함 되는 것들</a:t>
-            </a:r>
-            <a:r>
-              <a:rPr lang="en-US" altLang="ko-KR" sz="2000" dirty="0">
-                <a:solidFill>
-                  <a:schemeClr val="tx2">
-                    <a:lumMod val="50000"/>
-                  </a:schemeClr>
-                </a:solidFill>
-              </a:rPr>
-              <a:t>: </a:t>
-            </a:r>
-            <a:r>
-              <a:rPr lang="ko-KR" altLang="en-US" sz="2000" b="0" i="0" dirty="0">
-                <a:solidFill>
-                  <a:schemeClr val="tx2">
-                    <a:lumMod val="50000"/>
-                  </a:schemeClr>
-                </a:solidFill>
-                <a:effectLst/>
-              </a:rPr>
-              <a:t> 스토리지</a:t>
-            </a:r>
-            <a:r>
-              <a:rPr lang="en-US" altLang="ko-KR" sz="2000" b="0" i="0" dirty="0">
-                <a:solidFill>
-                  <a:schemeClr val="tx2">
-                    <a:lumMod val="50000"/>
-                  </a:schemeClr>
-                </a:solidFill>
-                <a:effectLst/>
-              </a:rPr>
-              <a:t>, </a:t>
-            </a:r>
-            <a:r>
-              <a:rPr lang="ko-KR" altLang="en-US" sz="2000" b="0" i="0" dirty="0">
-                <a:solidFill>
-                  <a:schemeClr val="tx2">
-                    <a:lumMod val="50000"/>
-                  </a:schemeClr>
-                </a:solidFill>
-                <a:effectLst/>
-              </a:rPr>
-              <a:t>호스팅</a:t>
-            </a:r>
-            <a:r>
-              <a:rPr lang="en-US" altLang="ko-KR" sz="2000" b="0" i="0" dirty="0">
-                <a:solidFill>
-                  <a:schemeClr val="tx2">
-                    <a:lumMod val="50000"/>
-                  </a:schemeClr>
-                </a:solidFill>
-                <a:effectLst/>
-              </a:rPr>
-              <a:t>, </a:t>
-            </a:r>
-            <a:r>
-              <a:rPr lang="ko-KR" altLang="en-US" sz="2000" b="0" i="0" dirty="0">
-                <a:solidFill>
-                  <a:schemeClr val="tx2">
-                    <a:lumMod val="50000"/>
-                  </a:schemeClr>
-                </a:solidFill>
-                <a:effectLst/>
-              </a:rPr>
-              <a:t>컴퓨팅</a:t>
-            </a:r>
-            <a:r>
-              <a:rPr lang="en-US" altLang="ko-KR" sz="2000" b="0" i="0" dirty="0">
-                <a:solidFill>
-                  <a:schemeClr val="tx2">
-                    <a:lumMod val="50000"/>
-                  </a:schemeClr>
-                </a:solidFill>
-                <a:effectLst/>
-              </a:rPr>
-              <a:t>, </a:t>
-            </a:r>
-            <a:r>
-              <a:rPr lang="ko-KR" altLang="en-US" sz="2000" b="0" i="0" dirty="0">
-                <a:solidFill>
-                  <a:schemeClr val="tx2">
-                    <a:lumMod val="50000"/>
-                  </a:schemeClr>
-                </a:solidFill>
-                <a:effectLst/>
-              </a:rPr>
-              <a:t>네트워킹 등</a:t>
-            </a:r>
-            <a:r>
-              <a:rPr lang="en-US" altLang="ko-KR" sz="2000" dirty="0">
-                <a:solidFill>
-                  <a:schemeClr val="tx2">
-                    <a:lumMod val="50000"/>
-                  </a:schemeClr>
-                </a:solidFill>
-              </a:rPr>
-              <a:t> </a:t>
+              <a:t>. </a:t>
             </a:r>
             <a:endParaRPr lang="ko-KR" altLang="en-US" sz="2000" dirty="0">
               <a:solidFill>
@@ -5571,7 +4813,7 @@
     </p:spTree>
     <p:extLst>
       <p:ext uri="{BB962C8B-B14F-4D97-AF65-F5344CB8AC3E}">
-        <p14:creationId xmlns:p14="http://schemas.microsoft.com/office/powerpoint/2010/main" val="1044388911"/>
+        <p14:creationId xmlns:p14="http://schemas.microsoft.com/office/powerpoint/2010/main" val="1427948803"/>
       </p:ext>
     </p:extLst>
   </p:cSld>
@@ -5581,7 +4823,1096 @@
 </p:sld>
 </file>
 
-<file path=ppt/slides/slide4.xml><?xml version="1.0" encoding="utf-8"?>
+<file path=ppt/slides/slide11.xml><?xml version="1.0" encoding="utf-8"?>
+<p:sld xmlns:a="http://schemas.openxmlformats.org/drawingml/2006/main" xmlns:r="http://schemas.openxmlformats.org/officeDocument/2006/relationships" xmlns:p="http://schemas.openxmlformats.org/presentationml/2006/main">
+  <p:cSld>
+    <p:spTree>
+      <p:nvGrpSpPr>
+        <p:cNvPr id="1" name=""/>
+        <p:cNvGrpSpPr/>
+        <p:nvPr/>
+      </p:nvGrpSpPr>
+      <p:grpSpPr>
+        <a:xfrm>
+          <a:off x="0" y="0"/>
+          <a:ext cx="0" cy="0"/>
+          <a:chOff x="0" y="0"/>
+          <a:chExt cx="0" cy="0"/>
+        </a:xfrm>
+      </p:grpSpPr>
+      <p:sp>
+        <p:nvSpPr>
+          <p:cNvPr id="7" name="Rectangle 6">
+            <a:extLst>
+              <a:ext uri="{FF2B5EF4-FFF2-40B4-BE49-F238E27FC236}">
+                <a16:creationId xmlns:a16="http://schemas.microsoft.com/office/drawing/2014/main" id="{506921A9-272F-4AD5-B7EA-F493894E9082}"/>
+              </a:ext>
+            </a:extLst>
+          </p:cNvPr>
+          <p:cNvSpPr/>
+          <p:nvPr/>
+        </p:nvSpPr>
+        <p:spPr>
+          <a:xfrm>
+            <a:off x="0" y="-9965"/>
+            <a:ext cx="12192000" cy="6867965"/>
+          </a:xfrm>
+          <a:prstGeom prst="rect">
+            <a:avLst/>
+          </a:prstGeom>
+          <a:solidFill>
+            <a:srgbClr val="94E7FF"/>
+          </a:solidFill>
+          <a:ln>
+            <a:solidFill>
+              <a:srgbClr val="90E7FF"/>
+            </a:solidFill>
+          </a:ln>
+        </p:spPr>
+        <p:style>
+          <a:lnRef idx="2">
+            <a:schemeClr val="accent1">
+              <a:shade val="50000"/>
+            </a:schemeClr>
+          </a:lnRef>
+          <a:fillRef idx="1">
+            <a:schemeClr val="accent1"/>
+          </a:fillRef>
+          <a:effectRef idx="0">
+            <a:schemeClr val="accent1"/>
+          </a:effectRef>
+          <a:fontRef idx="minor">
+            <a:schemeClr val="lt1"/>
+          </a:fontRef>
+        </p:style>
+        <p:txBody>
+          <a:bodyPr rtlCol="0" anchor="ctr"/>
+          <a:lstStyle/>
+          <a:p>
+            <a:pPr algn="ctr"/>
+            <a:endParaRPr lang="ko-KR" altLang="en-US"/>
+          </a:p>
+        </p:txBody>
+      </p:sp>
+      <p:sp>
+        <p:nvSpPr>
+          <p:cNvPr id="8" name="Rectangle 7">
+            <a:extLst>
+              <a:ext uri="{FF2B5EF4-FFF2-40B4-BE49-F238E27FC236}">
+                <a16:creationId xmlns:a16="http://schemas.microsoft.com/office/drawing/2014/main" id="{C8F26D29-CFC0-4BAB-BFD2-B193E1D68BA9}"/>
+              </a:ext>
+            </a:extLst>
+          </p:cNvPr>
+          <p:cNvSpPr/>
+          <p:nvPr/>
+        </p:nvSpPr>
+        <p:spPr>
+          <a:xfrm>
+            <a:off x="138337" y="129274"/>
+            <a:ext cx="12053663" cy="6589485"/>
+          </a:xfrm>
+          <a:prstGeom prst="rect">
+            <a:avLst/>
+          </a:prstGeom>
+          <a:solidFill>
+            <a:srgbClr val="94E7FF"/>
+          </a:solidFill>
+          <a:ln>
+            <a:solidFill>
+              <a:srgbClr val="94E7FF"/>
+            </a:solidFill>
+          </a:ln>
+        </p:spPr>
+        <p:style>
+          <a:lnRef idx="2">
+            <a:schemeClr val="accent1">
+              <a:shade val="50000"/>
+            </a:schemeClr>
+          </a:lnRef>
+          <a:fillRef idx="1">
+            <a:schemeClr val="accent1"/>
+          </a:fillRef>
+          <a:effectRef idx="0">
+            <a:schemeClr val="accent1"/>
+          </a:effectRef>
+          <a:fontRef idx="minor">
+            <a:schemeClr val="lt1"/>
+          </a:fontRef>
+        </p:style>
+        <p:txBody>
+          <a:bodyPr rtlCol="0" anchor="ctr"/>
+          <a:lstStyle/>
+          <a:p>
+            <a:pPr algn="ctr"/>
+            <a:r>
+              <a:rPr lang="en-US" altLang="ko-KR" dirty="0"/>
+              <a:t>      </a:t>
+            </a:r>
+            <a:endParaRPr lang="ko-KR" altLang="en-US" dirty="0"/>
+          </a:p>
+        </p:txBody>
+      </p:sp>
+      <p:pic>
+        <p:nvPicPr>
+          <p:cNvPr id="10" name="Picture 9" descr="Icon&#10;&#10;Description automatically generated">
+            <a:extLst>
+              <a:ext uri="{FF2B5EF4-FFF2-40B4-BE49-F238E27FC236}">
+                <a16:creationId xmlns:a16="http://schemas.microsoft.com/office/drawing/2014/main" id="{F94802C9-90FF-4DFC-AF28-0A387B1E991E}"/>
+              </a:ext>
+            </a:extLst>
+          </p:cNvPr>
+          <p:cNvPicPr>
+            <a:picLocks noChangeAspect="1"/>
+          </p:cNvPicPr>
+          <p:nvPr/>
+        </p:nvPicPr>
+        <p:blipFill>
+          <a:blip r:embed="rId2">
+            <a:extLst>
+              <a:ext uri="{28A0092B-C50C-407E-A947-70E740481C1C}">
+                <a14:useLocalDpi xmlns:a14="http://schemas.microsoft.com/office/drawing/2010/main" val="0"/>
+              </a:ext>
+            </a:extLst>
+          </a:blip>
+          <a:stretch>
+            <a:fillRect/>
+          </a:stretch>
+        </p:blipFill>
+        <p:spPr>
+          <a:xfrm rot="3625353">
+            <a:off x="9014568" y="3925059"/>
+            <a:ext cx="1529634" cy="1446308"/>
+          </a:xfrm>
+          <a:prstGeom prst="rect">
+            <a:avLst/>
+          </a:prstGeom>
+        </p:spPr>
+      </p:pic>
+      <p:pic>
+        <p:nvPicPr>
+          <p:cNvPr id="16" name="Picture 15">
+            <a:extLst>
+              <a:ext uri="{FF2B5EF4-FFF2-40B4-BE49-F238E27FC236}">
+                <a16:creationId xmlns:a16="http://schemas.microsoft.com/office/drawing/2014/main" id="{35F38953-2153-4FDF-9DB9-B177A993A747}"/>
+              </a:ext>
+            </a:extLst>
+          </p:cNvPr>
+          <p:cNvPicPr>
+            <a:picLocks noChangeAspect="1"/>
+          </p:cNvPicPr>
+          <p:nvPr/>
+        </p:nvPicPr>
+        <p:blipFill>
+          <a:blip r:embed="rId3">
+            <a:extLst>
+              <a:ext uri="{28A0092B-C50C-407E-A947-70E740481C1C}">
+                <a14:useLocalDpi xmlns:a14="http://schemas.microsoft.com/office/drawing/2010/main" val="0"/>
+              </a:ext>
+            </a:extLst>
+          </a:blip>
+          <a:stretch>
+            <a:fillRect/>
+          </a:stretch>
+        </p:blipFill>
+        <p:spPr>
+          <a:xfrm>
+            <a:off x="6556467" y="1661090"/>
+            <a:ext cx="1695450" cy="438150"/>
+          </a:xfrm>
+          <a:prstGeom prst="rect">
+            <a:avLst/>
+          </a:prstGeom>
+        </p:spPr>
+      </p:pic>
+      <p:pic>
+        <p:nvPicPr>
+          <p:cNvPr id="18" name="Picture 17">
+            <a:extLst>
+              <a:ext uri="{FF2B5EF4-FFF2-40B4-BE49-F238E27FC236}">
+                <a16:creationId xmlns:a16="http://schemas.microsoft.com/office/drawing/2014/main" id="{7285AF3A-5E61-487F-B623-A1C0904D912E}"/>
+              </a:ext>
+            </a:extLst>
+          </p:cNvPr>
+          <p:cNvPicPr>
+            <a:picLocks noChangeAspect="1"/>
+          </p:cNvPicPr>
+          <p:nvPr/>
+        </p:nvPicPr>
+        <p:blipFill>
+          <a:blip r:embed="rId4">
+            <a:extLst>
+              <a:ext uri="{28A0092B-C50C-407E-A947-70E740481C1C}">
+                <a14:useLocalDpi xmlns:a14="http://schemas.microsoft.com/office/drawing/2010/main" val="0"/>
+              </a:ext>
+            </a:extLst>
+          </a:blip>
+          <a:stretch>
+            <a:fillRect/>
+          </a:stretch>
+        </p:blipFill>
+        <p:spPr>
+          <a:xfrm>
+            <a:off x="-151076" y="2470007"/>
+            <a:ext cx="3425053" cy="885126"/>
+          </a:xfrm>
+          <a:prstGeom prst="rect">
+            <a:avLst/>
+          </a:prstGeom>
+        </p:spPr>
+      </p:pic>
+      <p:pic>
+        <p:nvPicPr>
+          <p:cNvPr id="19" name="Picture 18">
+            <a:extLst>
+              <a:ext uri="{FF2B5EF4-FFF2-40B4-BE49-F238E27FC236}">
+                <a16:creationId xmlns:a16="http://schemas.microsoft.com/office/drawing/2014/main" id="{FA59CFD3-3C2A-4E3A-B7D1-F7D6B8B73BCF}"/>
+              </a:ext>
+            </a:extLst>
+          </p:cNvPr>
+          <p:cNvPicPr>
+            <a:picLocks noChangeAspect="1"/>
+          </p:cNvPicPr>
+          <p:nvPr/>
+        </p:nvPicPr>
+        <p:blipFill>
+          <a:blip r:embed="rId3">
+            <a:extLst>
+              <a:ext uri="{28A0092B-C50C-407E-A947-70E740481C1C}">
+                <a14:useLocalDpi xmlns:a14="http://schemas.microsoft.com/office/drawing/2010/main" val="0"/>
+              </a:ext>
+            </a:extLst>
+          </a:blip>
+          <a:stretch>
+            <a:fillRect/>
+          </a:stretch>
+        </p:blipFill>
+        <p:spPr>
+          <a:xfrm>
+            <a:off x="7033846" y="4977835"/>
+            <a:ext cx="1695450" cy="438150"/>
+          </a:xfrm>
+          <a:prstGeom prst="rect">
+            <a:avLst/>
+          </a:prstGeom>
+        </p:spPr>
+      </p:pic>
+      <p:pic>
+        <p:nvPicPr>
+          <p:cNvPr id="20" name="Picture 19">
+            <a:extLst>
+              <a:ext uri="{FF2B5EF4-FFF2-40B4-BE49-F238E27FC236}">
+                <a16:creationId xmlns:a16="http://schemas.microsoft.com/office/drawing/2014/main" id="{7A3297FF-FC9B-4BDD-A979-AA8B9B1D5D6D}"/>
+              </a:ext>
+            </a:extLst>
+          </p:cNvPr>
+          <p:cNvPicPr>
+            <a:picLocks noChangeAspect="1"/>
+          </p:cNvPicPr>
+          <p:nvPr/>
+        </p:nvPicPr>
+        <p:blipFill>
+          <a:blip r:embed="rId4">
+            <a:extLst>
+              <a:ext uri="{28A0092B-C50C-407E-A947-70E740481C1C}">
+                <a14:useLocalDpi xmlns:a14="http://schemas.microsoft.com/office/drawing/2010/main" val="0"/>
+              </a:ext>
+            </a:extLst>
+          </a:blip>
+          <a:stretch>
+            <a:fillRect/>
+          </a:stretch>
+        </p:blipFill>
+        <p:spPr>
+          <a:xfrm>
+            <a:off x="10785963" y="2139519"/>
+            <a:ext cx="1695450" cy="438150"/>
+          </a:xfrm>
+          <a:prstGeom prst="rect">
+            <a:avLst/>
+          </a:prstGeom>
+        </p:spPr>
+      </p:pic>
+      <p:sp>
+        <p:nvSpPr>
+          <p:cNvPr id="21" name="Rectangle 20">
+            <a:extLst>
+              <a:ext uri="{FF2B5EF4-FFF2-40B4-BE49-F238E27FC236}">
+                <a16:creationId xmlns:a16="http://schemas.microsoft.com/office/drawing/2014/main" id="{C5724416-4CEB-460D-8A2C-78B9F3A86F11}"/>
+              </a:ext>
+            </a:extLst>
+          </p:cNvPr>
+          <p:cNvSpPr/>
+          <p:nvPr/>
+        </p:nvSpPr>
+        <p:spPr>
+          <a:xfrm>
+            <a:off x="-398585" y="-15240"/>
+            <a:ext cx="14864862" cy="139241"/>
+          </a:xfrm>
+          <a:prstGeom prst="rect">
+            <a:avLst/>
+          </a:prstGeom>
+          <a:solidFill>
+            <a:srgbClr val="94E7FF"/>
+          </a:solidFill>
+          <a:ln>
+            <a:solidFill>
+              <a:srgbClr val="94E7FF"/>
+            </a:solidFill>
+          </a:ln>
+        </p:spPr>
+        <p:style>
+          <a:lnRef idx="2">
+            <a:schemeClr val="accent1">
+              <a:shade val="50000"/>
+            </a:schemeClr>
+          </a:lnRef>
+          <a:fillRef idx="1">
+            <a:schemeClr val="accent1"/>
+          </a:fillRef>
+          <a:effectRef idx="0">
+            <a:schemeClr val="accent1"/>
+          </a:effectRef>
+          <a:fontRef idx="minor">
+            <a:schemeClr val="lt1"/>
+          </a:fontRef>
+        </p:style>
+        <p:txBody>
+          <a:bodyPr rtlCol="0" anchor="ctr"/>
+          <a:lstStyle/>
+          <a:p>
+            <a:pPr algn="ctr"/>
+            <a:endParaRPr lang="ko-KR" altLang="en-US" dirty="0"/>
+          </a:p>
+        </p:txBody>
+      </p:sp>
+      <p:sp>
+        <p:nvSpPr>
+          <p:cNvPr id="24" name="Rectangle 23">
+            <a:extLst>
+              <a:ext uri="{FF2B5EF4-FFF2-40B4-BE49-F238E27FC236}">
+                <a16:creationId xmlns:a16="http://schemas.microsoft.com/office/drawing/2014/main" id="{24DF9C13-7972-4E98-9BA8-7AA40834764C}"/>
+              </a:ext>
+            </a:extLst>
+          </p:cNvPr>
+          <p:cNvSpPr/>
+          <p:nvPr/>
+        </p:nvSpPr>
+        <p:spPr>
+          <a:xfrm>
+            <a:off x="-398585" y="6738251"/>
+            <a:ext cx="14864862" cy="139241"/>
+          </a:xfrm>
+          <a:prstGeom prst="rect">
+            <a:avLst/>
+          </a:prstGeom>
+          <a:solidFill>
+            <a:srgbClr val="94E7FF"/>
+          </a:solidFill>
+          <a:ln>
+            <a:solidFill>
+              <a:srgbClr val="94E7FF"/>
+            </a:solidFill>
+          </a:ln>
+        </p:spPr>
+        <p:style>
+          <a:lnRef idx="2">
+            <a:schemeClr val="accent1">
+              <a:shade val="50000"/>
+            </a:schemeClr>
+          </a:lnRef>
+          <a:fillRef idx="1">
+            <a:schemeClr val="accent1"/>
+          </a:fillRef>
+          <a:effectRef idx="0">
+            <a:schemeClr val="accent1"/>
+          </a:effectRef>
+          <a:fontRef idx="minor">
+            <a:schemeClr val="lt1"/>
+          </a:fontRef>
+        </p:style>
+        <p:txBody>
+          <a:bodyPr rtlCol="0" anchor="ctr"/>
+          <a:lstStyle/>
+          <a:p>
+            <a:pPr algn="ctr"/>
+            <a:endParaRPr lang="ko-KR" altLang="en-US" dirty="0"/>
+          </a:p>
+        </p:txBody>
+      </p:sp>
+      <p:sp>
+        <p:nvSpPr>
+          <p:cNvPr id="3" name="Oval 2">
+            <a:extLst>
+              <a:ext uri="{FF2B5EF4-FFF2-40B4-BE49-F238E27FC236}">
+                <a16:creationId xmlns:a16="http://schemas.microsoft.com/office/drawing/2014/main" id="{8BB955EF-2245-4D8A-A8CA-84E7503E52CE}"/>
+              </a:ext>
+            </a:extLst>
+          </p:cNvPr>
+          <p:cNvSpPr/>
+          <p:nvPr/>
+        </p:nvSpPr>
+        <p:spPr>
+          <a:xfrm>
+            <a:off x="2410172" y="2842783"/>
+            <a:ext cx="7509991" cy="1176686"/>
+          </a:xfrm>
+          <a:prstGeom prst="ellipse">
+            <a:avLst/>
+          </a:prstGeom>
+          <a:solidFill>
+            <a:schemeClr val="bg1"/>
+          </a:solidFill>
+          <a:ln>
+            <a:solidFill>
+              <a:srgbClr val="94E7FF"/>
+            </a:solidFill>
+          </a:ln>
+        </p:spPr>
+        <p:style>
+          <a:lnRef idx="2">
+            <a:schemeClr val="accent1">
+              <a:shade val="50000"/>
+            </a:schemeClr>
+          </a:lnRef>
+          <a:fillRef idx="1">
+            <a:schemeClr val="accent1"/>
+          </a:fillRef>
+          <a:effectRef idx="0">
+            <a:schemeClr val="accent1"/>
+          </a:effectRef>
+          <a:fontRef idx="minor">
+            <a:schemeClr val="lt1"/>
+          </a:fontRef>
+        </p:style>
+        <p:txBody>
+          <a:bodyPr rtlCol="0" anchor="ctr"/>
+          <a:lstStyle/>
+          <a:p>
+            <a:pPr algn="ctr"/>
+            <a:r>
+              <a:rPr lang="ko-KR" altLang="en-US" sz="4000" dirty="0">
+                <a:solidFill>
+                  <a:srgbClr val="94E7FF"/>
+                </a:solidFill>
+                <a:latin typeface="+mj-lt"/>
+              </a:rPr>
+              <a:t>다음 강의에서 만나요</a:t>
+            </a:r>
+          </a:p>
+        </p:txBody>
+      </p:sp>
+    </p:spTree>
+    <p:extLst>
+      <p:ext uri="{BB962C8B-B14F-4D97-AF65-F5344CB8AC3E}">
+        <p14:creationId xmlns:p14="http://schemas.microsoft.com/office/powerpoint/2010/main" val="1172377075"/>
+      </p:ext>
+    </p:extLst>
+  </p:cSld>
+  <p:clrMapOvr>
+    <a:masterClrMapping/>
+  </p:clrMapOvr>
+</p:sld>
+</file>
+
+<file path=ppt/slides/slide2.xml><?xml version="1.0" encoding="utf-8"?>
+<p:sld xmlns:a="http://schemas.openxmlformats.org/drawingml/2006/main" xmlns:r="http://schemas.openxmlformats.org/officeDocument/2006/relationships" xmlns:p="http://schemas.openxmlformats.org/presentationml/2006/main">
+  <p:cSld>
+    <p:spTree>
+      <p:nvGrpSpPr>
+        <p:cNvPr id="1" name=""/>
+        <p:cNvGrpSpPr/>
+        <p:nvPr/>
+      </p:nvGrpSpPr>
+      <p:grpSpPr>
+        <a:xfrm>
+          <a:off x="0" y="0"/>
+          <a:ext cx="0" cy="0"/>
+          <a:chOff x="0" y="0"/>
+          <a:chExt cx="0" cy="0"/>
+        </a:xfrm>
+      </p:grpSpPr>
+      <p:sp>
+        <p:nvSpPr>
+          <p:cNvPr id="7" name="Rectangle 6">
+            <a:extLst>
+              <a:ext uri="{FF2B5EF4-FFF2-40B4-BE49-F238E27FC236}">
+                <a16:creationId xmlns:a16="http://schemas.microsoft.com/office/drawing/2014/main" id="{506921A9-272F-4AD5-B7EA-F493894E9082}"/>
+              </a:ext>
+            </a:extLst>
+          </p:cNvPr>
+          <p:cNvSpPr/>
+          <p:nvPr/>
+        </p:nvSpPr>
+        <p:spPr>
+          <a:xfrm>
+            <a:off x="0" y="-9965"/>
+            <a:ext cx="12192000" cy="6867965"/>
+          </a:xfrm>
+          <a:prstGeom prst="rect">
+            <a:avLst/>
+          </a:prstGeom>
+          <a:solidFill>
+            <a:srgbClr val="94E7FF"/>
+          </a:solidFill>
+          <a:ln>
+            <a:solidFill>
+              <a:srgbClr val="90E7FF"/>
+            </a:solidFill>
+          </a:ln>
+        </p:spPr>
+        <p:style>
+          <a:lnRef idx="2">
+            <a:schemeClr val="accent1">
+              <a:shade val="50000"/>
+            </a:schemeClr>
+          </a:lnRef>
+          <a:fillRef idx="1">
+            <a:schemeClr val="accent1"/>
+          </a:fillRef>
+          <a:effectRef idx="0">
+            <a:schemeClr val="accent1"/>
+          </a:effectRef>
+          <a:fontRef idx="minor">
+            <a:schemeClr val="lt1"/>
+          </a:fontRef>
+        </p:style>
+        <p:txBody>
+          <a:bodyPr rtlCol="0" anchor="ctr"/>
+          <a:lstStyle/>
+          <a:p>
+            <a:pPr algn="ctr"/>
+            <a:endParaRPr lang="ko-KR" altLang="en-US"/>
+          </a:p>
+        </p:txBody>
+      </p:sp>
+      <p:sp>
+        <p:nvSpPr>
+          <p:cNvPr id="8" name="Rectangle 7">
+            <a:extLst>
+              <a:ext uri="{FF2B5EF4-FFF2-40B4-BE49-F238E27FC236}">
+                <a16:creationId xmlns:a16="http://schemas.microsoft.com/office/drawing/2014/main" id="{C8F26D29-CFC0-4BAB-BFD2-B193E1D68BA9}"/>
+              </a:ext>
+            </a:extLst>
+          </p:cNvPr>
+          <p:cNvSpPr/>
+          <p:nvPr/>
+        </p:nvSpPr>
+        <p:spPr>
+          <a:xfrm>
+            <a:off x="138337" y="134257"/>
+            <a:ext cx="12053663" cy="6589485"/>
+          </a:xfrm>
+          <a:prstGeom prst="rect">
+            <a:avLst/>
+          </a:prstGeom>
+          <a:solidFill>
+            <a:srgbClr val="C5F2FF"/>
+          </a:solidFill>
+          <a:ln>
+            <a:solidFill>
+              <a:srgbClr val="94E7FF"/>
+            </a:solidFill>
+          </a:ln>
+        </p:spPr>
+        <p:style>
+          <a:lnRef idx="2">
+            <a:schemeClr val="accent1">
+              <a:shade val="50000"/>
+            </a:schemeClr>
+          </a:lnRef>
+          <a:fillRef idx="1">
+            <a:schemeClr val="accent1"/>
+          </a:fillRef>
+          <a:effectRef idx="0">
+            <a:schemeClr val="accent1"/>
+          </a:effectRef>
+          <a:fontRef idx="minor">
+            <a:schemeClr val="lt1"/>
+          </a:fontRef>
+        </p:style>
+        <p:txBody>
+          <a:bodyPr rtlCol="0" anchor="ctr"/>
+          <a:lstStyle/>
+          <a:p>
+            <a:pPr algn="ctr"/>
+            <a:r>
+              <a:rPr lang="en-US" altLang="ko-KR" dirty="0"/>
+              <a:t>      </a:t>
+            </a:r>
+            <a:endParaRPr lang="ko-KR" altLang="en-US" dirty="0"/>
+          </a:p>
+        </p:txBody>
+      </p:sp>
+      <p:pic>
+        <p:nvPicPr>
+          <p:cNvPr id="10" name="Picture 9" descr="Icon&#10;&#10;Description automatically generated">
+            <a:extLst>
+              <a:ext uri="{FF2B5EF4-FFF2-40B4-BE49-F238E27FC236}">
+                <a16:creationId xmlns:a16="http://schemas.microsoft.com/office/drawing/2014/main" id="{F94802C9-90FF-4DFC-AF28-0A387B1E991E}"/>
+              </a:ext>
+            </a:extLst>
+          </p:cNvPr>
+          <p:cNvPicPr>
+            <a:picLocks noChangeAspect="1"/>
+          </p:cNvPicPr>
+          <p:nvPr/>
+        </p:nvPicPr>
+        <p:blipFill>
+          <a:blip r:embed="rId2">
+            <a:extLst>
+              <a:ext uri="{28A0092B-C50C-407E-A947-70E740481C1C}">
+                <a14:useLocalDpi xmlns:a14="http://schemas.microsoft.com/office/drawing/2010/main" val="0"/>
+              </a:ext>
+            </a:extLst>
+          </a:blip>
+          <a:stretch>
+            <a:fillRect/>
+          </a:stretch>
+        </p:blipFill>
+        <p:spPr>
+          <a:xfrm rot="15640785">
+            <a:off x="3387778" y="777768"/>
+            <a:ext cx="1529634" cy="1446308"/>
+          </a:xfrm>
+          <a:prstGeom prst="rect">
+            <a:avLst/>
+          </a:prstGeom>
+        </p:spPr>
+      </p:pic>
+      <p:pic>
+        <p:nvPicPr>
+          <p:cNvPr id="16" name="Picture 15">
+            <a:extLst>
+              <a:ext uri="{FF2B5EF4-FFF2-40B4-BE49-F238E27FC236}">
+                <a16:creationId xmlns:a16="http://schemas.microsoft.com/office/drawing/2014/main" id="{35F38953-2153-4FDF-9DB9-B177A993A747}"/>
+              </a:ext>
+            </a:extLst>
+          </p:cNvPr>
+          <p:cNvPicPr>
+            <a:picLocks noChangeAspect="1"/>
+          </p:cNvPicPr>
+          <p:nvPr/>
+        </p:nvPicPr>
+        <p:blipFill>
+          <a:blip r:embed="rId3">
+            <a:extLst>
+              <a:ext uri="{28A0092B-C50C-407E-A947-70E740481C1C}">
+                <a14:useLocalDpi xmlns:a14="http://schemas.microsoft.com/office/drawing/2010/main" val="0"/>
+              </a:ext>
+            </a:extLst>
+          </a:blip>
+          <a:stretch>
+            <a:fillRect/>
+          </a:stretch>
+        </p:blipFill>
+        <p:spPr>
+          <a:xfrm>
+            <a:off x="6556467" y="1661090"/>
+            <a:ext cx="1695450" cy="438150"/>
+          </a:xfrm>
+          <a:prstGeom prst="rect">
+            <a:avLst/>
+          </a:prstGeom>
+        </p:spPr>
+      </p:pic>
+      <p:pic>
+        <p:nvPicPr>
+          <p:cNvPr id="18" name="Picture 17">
+            <a:extLst>
+              <a:ext uri="{FF2B5EF4-FFF2-40B4-BE49-F238E27FC236}">
+                <a16:creationId xmlns:a16="http://schemas.microsoft.com/office/drawing/2014/main" id="{7285AF3A-5E61-487F-B623-A1C0904D912E}"/>
+              </a:ext>
+            </a:extLst>
+          </p:cNvPr>
+          <p:cNvPicPr>
+            <a:picLocks noChangeAspect="1"/>
+          </p:cNvPicPr>
+          <p:nvPr/>
+        </p:nvPicPr>
+        <p:blipFill>
+          <a:blip r:embed="rId4">
+            <a:extLst>
+              <a:ext uri="{28A0092B-C50C-407E-A947-70E740481C1C}">
+                <a14:useLocalDpi xmlns:a14="http://schemas.microsoft.com/office/drawing/2010/main" val="0"/>
+              </a:ext>
+            </a:extLst>
+          </a:blip>
+          <a:stretch>
+            <a:fillRect/>
+          </a:stretch>
+        </p:blipFill>
+        <p:spPr>
+          <a:xfrm>
+            <a:off x="1446761" y="2577669"/>
+            <a:ext cx="1695450" cy="438150"/>
+          </a:xfrm>
+          <a:prstGeom prst="rect">
+            <a:avLst/>
+          </a:prstGeom>
+        </p:spPr>
+      </p:pic>
+      <p:pic>
+        <p:nvPicPr>
+          <p:cNvPr id="19" name="Picture 18">
+            <a:extLst>
+              <a:ext uri="{FF2B5EF4-FFF2-40B4-BE49-F238E27FC236}">
+                <a16:creationId xmlns:a16="http://schemas.microsoft.com/office/drawing/2014/main" id="{FA59CFD3-3C2A-4E3A-B7D1-F7D6B8B73BCF}"/>
+              </a:ext>
+            </a:extLst>
+          </p:cNvPr>
+          <p:cNvPicPr>
+            <a:picLocks noChangeAspect="1"/>
+          </p:cNvPicPr>
+          <p:nvPr/>
+        </p:nvPicPr>
+        <p:blipFill>
+          <a:blip r:embed="rId3">
+            <a:extLst>
+              <a:ext uri="{28A0092B-C50C-407E-A947-70E740481C1C}">
+                <a14:useLocalDpi xmlns:a14="http://schemas.microsoft.com/office/drawing/2010/main" val="0"/>
+              </a:ext>
+            </a:extLst>
+          </a:blip>
+          <a:stretch>
+            <a:fillRect/>
+          </a:stretch>
+        </p:blipFill>
+        <p:spPr>
+          <a:xfrm>
+            <a:off x="7033846" y="4977835"/>
+            <a:ext cx="1695450" cy="438150"/>
+          </a:xfrm>
+          <a:prstGeom prst="rect">
+            <a:avLst/>
+          </a:prstGeom>
+        </p:spPr>
+      </p:pic>
+      <p:pic>
+        <p:nvPicPr>
+          <p:cNvPr id="20" name="Picture 19">
+            <a:extLst>
+              <a:ext uri="{FF2B5EF4-FFF2-40B4-BE49-F238E27FC236}">
+                <a16:creationId xmlns:a16="http://schemas.microsoft.com/office/drawing/2014/main" id="{7A3297FF-FC9B-4BDD-A979-AA8B9B1D5D6D}"/>
+              </a:ext>
+            </a:extLst>
+          </p:cNvPr>
+          <p:cNvPicPr>
+            <a:picLocks noChangeAspect="1"/>
+          </p:cNvPicPr>
+          <p:nvPr/>
+        </p:nvPicPr>
+        <p:blipFill>
+          <a:blip r:embed="rId4">
+            <a:extLst>
+              <a:ext uri="{28A0092B-C50C-407E-A947-70E740481C1C}">
+                <a14:useLocalDpi xmlns:a14="http://schemas.microsoft.com/office/drawing/2010/main" val="0"/>
+              </a:ext>
+            </a:extLst>
+          </a:blip>
+          <a:stretch>
+            <a:fillRect/>
+          </a:stretch>
+        </p:blipFill>
+        <p:spPr>
+          <a:xfrm>
+            <a:off x="10785963" y="2139519"/>
+            <a:ext cx="1695450" cy="438150"/>
+          </a:xfrm>
+          <a:prstGeom prst="rect">
+            <a:avLst/>
+          </a:prstGeom>
+        </p:spPr>
+      </p:pic>
+      <p:sp>
+        <p:nvSpPr>
+          <p:cNvPr id="21" name="Rectangle 20">
+            <a:extLst>
+              <a:ext uri="{FF2B5EF4-FFF2-40B4-BE49-F238E27FC236}">
+                <a16:creationId xmlns:a16="http://schemas.microsoft.com/office/drawing/2014/main" id="{C5724416-4CEB-460D-8A2C-78B9F3A86F11}"/>
+              </a:ext>
+            </a:extLst>
+          </p:cNvPr>
+          <p:cNvSpPr/>
+          <p:nvPr/>
+        </p:nvSpPr>
+        <p:spPr>
+          <a:xfrm>
+            <a:off x="-398585" y="-15240"/>
+            <a:ext cx="14864862" cy="139241"/>
+          </a:xfrm>
+          <a:prstGeom prst="rect">
+            <a:avLst/>
+          </a:prstGeom>
+          <a:solidFill>
+            <a:srgbClr val="94E7FF"/>
+          </a:solidFill>
+          <a:ln>
+            <a:solidFill>
+              <a:srgbClr val="94E7FF"/>
+            </a:solidFill>
+          </a:ln>
+        </p:spPr>
+        <p:style>
+          <a:lnRef idx="2">
+            <a:schemeClr val="accent1">
+              <a:shade val="50000"/>
+            </a:schemeClr>
+          </a:lnRef>
+          <a:fillRef idx="1">
+            <a:schemeClr val="accent1"/>
+          </a:fillRef>
+          <a:effectRef idx="0">
+            <a:schemeClr val="accent1"/>
+          </a:effectRef>
+          <a:fontRef idx="minor">
+            <a:schemeClr val="lt1"/>
+          </a:fontRef>
+        </p:style>
+        <p:txBody>
+          <a:bodyPr rtlCol="0" anchor="ctr"/>
+          <a:lstStyle/>
+          <a:p>
+            <a:pPr algn="ctr"/>
+            <a:endParaRPr lang="ko-KR" altLang="en-US" dirty="0"/>
+          </a:p>
+        </p:txBody>
+      </p:sp>
+      <p:sp>
+        <p:nvSpPr>
+          <p:cNvPr id="24" name="Rectangle 23">
+            <a:extLst>
+              <a:ext uri="{FF2B5EF4-FFF2-40B4-BE49-F238E27FC236}">
+                <a16:creationId xmlns:a16="http://schemas.microsoft.com/office/drawing/2014/main" id="{24DF9C13-7972-4E98-9BA8-7AA40834764C}"/>
+              </a:ext>
+            </a:extLst>
+          </p:cNvPr>
+          <p:cNvSpPr/>
+          <p:nvPr/>
+        </p:nvSpPr>
+        <p:spPr>
+          <a:xfrm>
+            <a:off x="-398585" y="6738251"/>
+            <a:ext cx="14864862" cy="139241"/>
+          </a:xfrm>
+          <a:prstGeom prst="rect">
+            <a:avLst/>
+          </a:prstGeom>
+          <a:solidFill>
+            <a:srgbClr val="94E7FF"/>
+          </a:solidFill>
+          <a:ln>
+            <a:solidFill>
+              <a:srgbClr val="94E7FF"/>
+            </a:solidFill>
+          </a:ln>
+        </p:spPr>
+        <p:style>
+          <a:lnRef idx="2">
+            <a:schemeClr val="accent1">
+              <a:shade val="50000"/>
+            </a:schemeClr>
+          </a:lnRef>
+          <a:fillRef idx="1">
+            <a:schemeClr val="accent1"/>
+          </a:fillRef>
+          <a:effectRef idx="0">
+            <a:schemeClr val="accent1"/>
+          </a:effectRef>
+          <a:fontRef idx="minor">
+            <a:schemeClr val="lt1"/>
+          </a:fontRef>
+        </p:style>
+        <p:txBody>
+          <a:bodyPr rtlCol="0" anchor="ctr"/>
+          <a:lstStyle/>
+          <a:p>
+            <a:pPr algn="ctr"/>
+            <a:endParaRPr lang="ko-KR" altLang="en-US" dirty="0"/>
+          </a:p>
+        </p:txBody>
+      </p:sp>
+      <p:sp>
+        <p:nvSpPr>
+          <p:cNvPr id="25" name="Rectangle 24">
+            <a:extLst>
+              <a:ext uri="{FF2B5EF4-FFF2-40B4-BE49-F238E27FC236}">
+                <a16:creationId xmlns:a16="http://schemas.microsoft.com/office/drawing/2014/main" id="{A3C4CEC3-FE2E-40C1-A57C-CBEBC27786AC}"/>
+              </a:ext>
+            </a:extLst>
+          </p:cNvPr>
+          <p:cNvSpPr/>
+          <p:nvPr/>
+        </p:nvSpPr>
+        <p:spPr>
+          <a:xfrm>
+            <a:off x="12053662" y="-662354"/>
+            <a:ext cx="138338" cy="8182708"/>
+          </a:xfrm>
+          <a:prstGeom prst="rect">
+            <a:avLst/>
+          </a:prstGeom>
+          <a:solidFill>
+            <a:srgbClr val="94E7FF"/>
+          </a:solidFill>
+          <a:ln>
+            <a:solidFill>
+              <a:srgbClr val="94E7FF"/>
+            </a:solidFill>
+          </a:ln>
+        </p:spPr>
+        <p:style>
+          <a:lnRef idx="2">
+            <a:schemeClr val="accent1">
+              <a:shade val="50000"/>
+            </a:schemeClr>
+          </a:lnRef>
+          <a:fillRef idx="1">
+            <a:schemeClr val="accent1"/>
+          </a:fillRef>
+          <a:effectRef idx="0">
+            <a:schemeClr val="accent1"/>
+          </a:effectRef>
+          <a:fontRef idx="minor">
+            <a:schemeClr val="lt1"/>
+          </a:fontRef>
+        </p:style>
+        <p:txBody>
+          <a:bodyPr rtlCol="0" anchor="ctr"/>
+          <a:lstStyle/>
+          <a:p>
+            <a:pPr algn="ctr"/>
+            <a:endParaRPr lang="ko-KR" altLang="en-US"/>
+          </a:p>
+        </p:txBody>
+      </p:sp>
+      <p:sp>
+        <p:nvSpPr>
+          <p:cNvPr id="3" name="Oval 2">
+            <a:extLst>
+              <a:ext uri="{FF2B5EF4-FFF2-40B4-BE49-F238E27FC236}">
+                <a16:creationId xmlns:a16="http://schemas.microsoft.com/office/drawing/2014/main" id="{8BB955EF-2245-4D8A-A8CA-84E7503E52CE}"/>
+              </a:ext>
+            </a:extLst>
+          </p:cNvPr>
+          <p:cNvSpPr/>
+          <p:nvPr/>
+        </p:nvSpPr>
+        <p:spPr>
+          <a:xfrm>
+            <a:off x="4734615" y="1506841"/>
+            <a:ext cx="2861105" cy="2861105"/>
+          </a:xfrm>
+          <a:prstGeom prst="ellipse">
+            <a:avLst/>
+          </a:prstGeom>
+          <a:solidFill>
+            <a:schemeClr val="bg1"/>
+          </a:solidFill>
+          <a:ln>
+            <a:solidFill>
+              <a:srgbClr val="94E7FF"/>
+            </a:solidFill>
+          </a:ln>
+        </p:spPr>
+        <p:style>
+          <a:lnRef idx="2">
+            <a:schemeClr val="accent1">
+              <a:shade val="50000"/>
+            </a:schemeClr>
+          </a:lnRef>
+          <a:fillRef idx="1">
+            <a:schemeClr val="accent1"/>
+          </a:fillRef>
+          <a:effectRef idx="0">
+            <a:schemeClr val="accent1"/>
+          </a:effectRef>
+          <a:fontRef idx="minor">
+            <a:schemeClr val="lt1"/>
+          </a:fontRef>
+        </p:style>
+        <p:txBody>
+          <a:bodyPr rtlCol="0" anchor="ctr"/>
+          <a:lstStyle/>
+          <a:p>
+            <a:pPr algn="ctr"/>
+            <a:r>
+              <a:rPr lang="en-US" altLang="ko-KR" sz="8800" dirty="0">
+                <a:solidFill>
+                  <a:srgbClr val="94E7FF"/>
+                </a:solidFill>
+                <a:latin typeface="+mj-lt"/>
+              </a:rPr>
+              <a:t>01</a:t>
+            </a:r>
+            <a:endParaRPr lang="ko-KR" altLang="en-US" sz="8800" dirty="0">
+              <a:solidFill>
+                <a:srgbClr val="94E7FF"/>
+              </a:solidFill>
+              <a:latin typeface="+mj-lt"/>
+            </a:endParaRPr>
+          </a:p>
+        </p:txBody>
+      </p:sp>
+      <p:sp>
+        <p:nvSpPr>
+          <p:cNvPr id="22" name="TextBox 21">
+            <a:extLst>
+              <a:ext uri="{FF2B5EF4-FFF2-40B4-BE49-F238E27FC236}">
+                <a16:creationId xmlns:a16="http://schemas.microsoft.com/office/drawing/2014/main" id="{122DBCEC-3624-4E84-A0AC-908121F8619B}"/>
+              </a:ext>
+            </a:extLst>
+          </p:cNvPr>
+          <p:cNvSpPr txBox="1"/>
+          <p:nvPr/>
+        </p:nvSpPr>
+        <p:spPr>
+          <a:xfrm>
+            <a:off x="4285126" y="4485242"/>
+            <a:ext cx="3760081" cy="646331"/>
+          </a:xfrm>
+          <a:prstGeom prst="rect">
+            <a:avLst/>
+          </a:prstGeom>
+          <a:noFill/>
+        </p:spPr>
+        <p:txBody>
+          <a:bodyPr wrap="square" rtlCol="0">
+            <a:spAutoFit/>
+          </a:bodyPr>
+          <a:lstStyle/>
+          <a:p>
+            <a:pPr algn="ctr"/>
+            <a:r>
+              <a:rPr lang="en-US" altLang="ko-KR" sz="3600" b="1" dirty="0">
+                <a:solidFill>
+                  <a:srgbClr val="002060"/>
+                </a:solidFill>
+              </a:rPr>
+              <a:t>IaaS, PaaS, SaaS</a:t>
+            </a:r>
+            <a:endParaRPr lang="ko-KR" altLang="en-US" sz="3600" b="1" dirty="0">
+              <a:solidFill>
+                <a:srgbClr val="002060"/>
+              </a:solidFill>
+            </a:endParaRPr>
+          </a:p>
+        </p:txBody>
+      </p:sp>
+    </p:spTree>
+    <p:extLst>
+      <p:ext uri="{BB962C8B-B14F-4D97-AF65-F5344CB8AC3E}">
+        <p14:creationId xmlns:p14="http://schemas.microsoft.com/office/powerpoint/2010/main" val="2244180478"/>
+      </p:ext>
+    </p:extLst>
+  </p:cSld>
+  <p:clrMapOvr>
+    <a:masterClrMapping/>
+  </p:clrMapOvr>
+</p:sld>
+</file>
+
+<file path=ppt/slides/slide3.xml><?xml version="1.0" encoding="utf-8"?>
 <p:sld xmlns:a="http://schemas.openxmlformats.org/drawingml/2006/main" xmlns:r="http://schemas.openxmlformats.org/officeDocument/2006/relationships" xmlns:p="http://schemas.openxmlformats.org/presentationml/2006/main">
   <p:cSld>
     <p:spTree>
@@ -6067,8 +6398,8 @@
         </p:nvSpPr>
         <p:spPr>
           <a:xfrm>
-            <a:off x="1025888" y="340751"/>
-            <a:ext cx="1622379" cy="646331"/>
+            <a:off x="1025887" y="340751"/>
+            <a:ext cx="4070395" cy="646331"/>
           </a:xfrm>
           <a:prstGeom prst="rect">
             <a:avLst/>
@@ -6083,34 +6414,13 @@
           <a:p>
             <a:pPr algn="ctr"/>
             <a:r>
-              <a:rPr lang="en-US" altLang="ko-KR" sz="3600" b="1" dirty="0">
+              <a:rPr lang="ko-KR" altLang="en-US" sz="3600" b="1" dirty="0">
                 <a:solidFill>
                   <a:srgbClr val="002060"/>
                 </a:solidFill>
               </a:rPr>
-              <a:t>IaaS</a:t>
-            </a:r>
-            <a:r>
-              <a:rPr lang="ko-KR" altLang="en-US" sz="3600" b="1" dirty="0">
-                <a:solidFill>
-                  <a:srgbClr val="002060"/>
-                </a:solidFill>
-              </a:rPr>
-              <a:t>란</a:t>
-            </a:r>
-            <a:r>
-              <a:rPr lang="en-US" altLang="ko-KR" sz="3600" b="1" dirty="0">
-                <a:solidFill>
-                  <a:srgbClr val="002060"/>
-                </a:solidFill>
-              </a:rPr>
-              <a:t> </a:t>
-            </a:r>
-            <a:endParaRPr lang="ko-KR" altLang="en-US" sz="3600" b="1" dirty="0">
-              <a:solidFill>
-                <a:srgbClr val="002060"/>
-              </a:solidFill>
-            </a:endParaRPr>
+              <a:t>클라우드 서비스란</a:t>
+            </a:r>
           </a:p>
         </p:txBody>
       </p:sp>
@@ -6203,16 +6513,13 @@
                   <a:srgbClr val="002060"/>
                 </a:solidFill>
               </a:rPr>
-              <a:t>IaaS </a:t>
-            </a:r>
-            <a:r>
-              <a:rPr lang="ko-KR" altLang="en-US" sz="3600" b="1" dirty="0">
-                <a:solidFill>
-                  <a:srgbClr val="002060"/>
-                </a:solidFill>
-              </a:rPr>
-              <a:t>특징</a:t>
-            </a:r>
+              <a:t>Cloud Service</a:t>
+            </a:r>
+            <a:endParaRPr lang="ko-KR" altLang="en-US" sz="3600" b="1" dirty="0">
+              <a:solidFill>
+                <a:srgbClr val="002060"/>
+              </a:solidFill>
+            </a:endParaRPr>
           </a:p>
         </p:txBody>
       </p:sp>
@@ -6231,7 +6538,7 @@
         <p:spPr>
           <a:xfrm>
             <a:off x="1848766" y="2956141"/>
-            <a:ext cx="8632803" cy="2554545"/>
+            <a:ext cx="8632803" cy="1938992"/>
           </a:xfrm>
           <a:prstGeom prst="rect">
             <a:avLst/>
@@ -6244,315 +6551,273 @@
           </a:bodyPr>
           <a:lstStyle/>
           <a:p>
+            <a:r>
+              <a:rPr lang="en-US" altLang="ko-KR" sz="2000" b="0" i="0" dirty="0">
+                <a:solidFill>
+                  <a:schemeClr val="tx2">
+                    <a:lumMod val="50000"/>
+                  </a:schemeClr>
+                </a:solidFill>
+                <a:effectLst/>
+              </a:rPr>
+              <a:t>: </a:t>
+            </a:r>
+            <a:r>
+              <a:rPr lang="ko-KR" altLang="en-US" sz="2000" b="0" i="0" dirty="0">
+                <a:solidFill>
+                  <a:schemeClr val="tx2">
+                    <a:lumMod val="50000"/>
+                  </a:schemeClr>
+                </a:solidFill>
+                <a:effectLst/>
+              </a:rPr>
+              <a:t> </a:t>
+            </a:r>
+            <a:r>
+              <a:rPr lang="ko-KR" altLang="en-US" sz="2000" dirty="0">
+                <a:solidFill>
+                  <a:srgbClr val="000000"/>
+                </a:solidFill>
+                <a:latin typeface="nsr"/>
+              </a:rPr>
+              <a:t>클라우드</a:t>
+            </a:r>
+            <a:r>
+              <a:rPr lang="en-US" altLang="ko-KR" sz="2000" dirty="0">
+                <a:solidFill>
+                  <a:srgbClr val="000000"/>
+                </a:solidFill>
+                <a:latin typeface="nsr"/>
+              </a:rPr>
+              <a:t>(Cloud)</a:t>
+            </a:r>
+            <a:r>
+              <a:rPr lang="ko-KR" altLang="en-US" sz="2000" dirty="0">
+                <a:solidFill>
+                  <a:srgbClr val="000000"/>
+                </a:solidFill>
+                <a:latin typeface="nsr"/>
+              </a:rPr>
+              <a:t>는 </a:t>
+            </a:r>
+            <a:r>
+              <a:rPr lang="en-US" altLang="ko-KR" sz="2000" dirty="0">
+                <a:solidFill>
+                  <a:srgbClr val="000000"/>
+                </a:solidFill>
+                <a:latin typeface="nsr"/>
+              </a:rPr>
+              <a:t>‘</a:t>
+            </a:r>
+            <a:r>
+              <a:rPr lang="ko-KR" altLang="en-US" sz="2000" dirty="0">
+                <a:solidFill>
+                  <a:srgbClr val="000000"/>
+                </a:solidFill>
+                <a:latin typeface="nsr"/>
+              </a:rPr>
+              <a:t>구름</a:t>
+            </a:r>
+            <a:r>
+              <a:rPr lang="en-US" altLang="ko-KR" sz="2000" dirty="0">
+                <a:solidFill>
+                  <a:srgbClr val="000000"/>
+                </a:solidFill>
+                <a:latin typeface="nsr"/>
+              </a:rPr>
+              <a:t>’</a:t>
+            </a:r>
+            <a:r>
+              <a:rPr lang="ko-KR" altLang="en-US" sz="2000" dirty="0">
+                <a:solidFill>
+                  <a:srgbClr val="000000"/>
+                </a:solidFill>
+                <a:latin typeface="nsr"/>
+              </a:rPr>
+              <a:t>을 의미하는 것으로 인터넷을 구름모양 아이콘으로 사용하던 것에서 유래되었다</a:t>
+            </a:r>
+            <a:r>
+              <a:rPr lang="en-US" altLang="ko-KR" sz="2000" dirty="0">
+                <a:solidFill>
+                  <a:srgbClr val="000000"/>
+                </a:solidFill>
+                <a:latin typeface="nsr"/>
+              </a:rPr>
+              <a:t>. </a:t>
+            </a:r>
+          </a:p>
+          <a:p>
+            <a:endParaRPr lang="en-US" altLang="ko-KR" sz="2000" dirty="0">
+              <a:solidFill>
+                <a:srgbClr val="000000"/>
+              </a:solidFill>
+              <a:latin typeface="nsr"/>
+            </a:endParaRPr>
+          </a:p>
+          <a:p>
             <a:pPr marL="342900" indent="-342900">
               <a:buFontTx/>
               <a:buChar char="-"/>
             </a:pPr>
             <a:r>
-              <a:rPr lang="ko-KR" altLang="en-US" sz="2000" b="0" i="0" dirty="0">
-                <a:solidFill>
-                  <a:srgbClr val="000000"/>
-                </a:solidFill>
-                <a:effectLst/>
-                <a:latin typeface="nsr"/>
-              </a:rPr>
-              <a:t>기존 서버 호스팅보다 </a:t>
-            </a:r>
-            <a:r>
-              <a:rPr lang="en-US" altLang="ko-KR" sz="2000" b="0" i="0" dirty="0">
-                <a:solidFill>
-                  <a:srgbClr val="000000"/>
-                </a:solidFill>
-                <a:effectLst/>
-                <a:latin typeface="nsr"/>
-              </a:rPr>
-              <a:t>H/W </a:t>
-            </a:r>
-            <a:r>
-              <a:rPr lang="ko-KR" altLang="en-US" sz="2000" b="0" i="0" dirty="0">
-                <a:solidFill>
-                  <a:srgbClr val="000000"/>
-                </a:solidFill>
-                <a:effectLst/>
-                <a:latin typeface="nsr"/>
-              </a:rPr>
-              <a:t>확장성이 좋고 탄력적이다</a:t>
-            </a:r>
-            <a:r>
-              <a:rPr lang="en-US" altLang="ko-KR" sz="2000" b="0" i="0" dirty="0">
-                <a:solidFill>
-                  <a:srgbClr val="000000"/>
-                </a:solidFill>
-                <a:effectLst/>
-                <a:latin typeface="nsr"/>
-              </a:rPr>
-              <a:t>.</a:t>
-            </a:r>
-          </a:p>
-          <a:p>
-            <a:pPr marL="342900" indent="-342900">
-              <a:buFontTx/>
-              <a:buChar char="-"/>
-            </a:pPr>
-            <a:r>
-              <a:rPr lang="ko-KR" altLang="en-US" sz="2000" b="0" i="0" dirty="0">
-                <a:solidFill>
-                  <a:srgbClr val="000000"/>
-                </a:solidFill>
-                <a:effectLst/>
-                <a:latin typeface="nsr"/>
-              </a:rPr>
-              <a:t>빠른 제공을 할 수 있는 가상화 기술을 이용한다</a:t>
-            </a:r>
-            <a:r>
-              <a:rPr lang="en-US" altLang="ko-KR" sz="2000" b="0" i="0" dirty="0">
-                <a:solidFill>
-                  <a:srgbClr val="000000"/>
-                </a:solidFill>
-                <a:effectLst/>
-                <a:latin typeface="nsr"/>
-              </a:rPr>
-              <a:t>.</a:t>
-            </a:r>
-          </a:p>
-          <a:p>
-            <a:pPr marL="342900" indent="-342900">
-              <a:buFontTx/>
-              <a:buChar char="-"/>
-            </a:pPr>
-            <a:r>
-              <a:rPr lang="en-US" altLang="ko-KR" sz="2000" b="0" i="0" dirty="0">
-                <a:solidFill>
-                  <a:srgbClr val="000000"/>
-                </a:solidFill>
-                <a:effectLst/>
-                <a:latin typeface="nsr"/>
-              </a:rPr>
-              <a:t>IaaS</a:t>
-            </a:r>
-            <a:r>
-              <a:rPr lang="ko-KR" altLang="en-US" sz="2000" b="0" i="0" dirty="0">
-                <a:solidFill>
-                  <a:srgbClr val="000000"/>
-                </a:solidFill>
-                <a:effectLst/>
-                <a:latin typeface="nsr"/>
-              </a:rPr>
-              <a:t>는 </a:t>
-            </a:r>
-            <a:r>
-              <a:rPr lang="en-US" altLang="ko-KR" sz="2000" b="0" i="0" dirty="0">
-                <a:solidFill>
-                  <a:srgbClr val="000000"/>
-                </a:solidFill>
-                <a:effectLst/>
-                <a:latin typeface="nsr"/>
-              </a:rPr>
-              <a:t>PaaS, SaaS</a:t>
-            </a:r>
-            <a:r>
-              <a:rPr lang="ko-KR" altLang="en-US" sz="2000" b="0" i="0" dirty="0">
-                <a:solidFill>
-                  <a:srgbClr val="000000"/>
-                </a:solidFill>
-                <a:effectLst/>
-                <a:latin typeface="nsr"/>
-              </a:rPr>
-              <a:t>의 기반이 되는 기술</a:t>
-            </a:r>
-            <a:r>
               <a:rPr lang="ko-KR" altLang="en-US" sz="2000" dirty="0">
                 <a:solidFill>
-                  <a:srgbClr val="000000"/>
-                </a:solidFill>
-                <a:latin typeface="nsr"/>
-              </a:rPr>
-              <a:t>이다</a:t>
+                  <a:schemeClr val="tx2">
+                    <a:lumMod val="50000"/>
+                  </a:schemeClr>
+                </a:solidFill>
+              </a:rPr>
+              <a:t>구름처럼 어디에나 존재하는 인터넷이라는 의미로 문서</a:t>
             </a:r>
             <a:r>
               <a:rPr lang="en-US" altLang="ko-KR" sz="2000" dirty="0">
                 <a:solidFill>
-                  <a:srgbClr val="000000"/>
-                </a:solidFill>
-                <a:latin typeface="nsr"/>
-              </a:rPr>
-              <a:t>.</a:t>
-            </a:r>
-          </a:p>
-          <a:p>
-            <a:pPr marL="342900" indent="-342900">
-              <a:buFontTx/>
-              <a:buChar char="-"/>
-            </a:pPr>
-            <a:r>
-              <a:rPr lang="ko-KR" altLang="en-US" sz="2000" b="0" i="0" dirty="0">
-                <a:solidFill>
-                  <a:srgbClr val="000000"/>
-                </a:solidFill>
-                <a:effectLst/>
-                <a:latin typeface="nsr"/>
-              </a:rPr>
-              <a:t>기업은 </a:t>
-            </a:r>
-            <a:r>
-              <a:rPr lang="en-US" altLang="ko-KR" sz="2000" b="0" i="0" dirty="0">
-                <a:solidFill>
-                  <a:srgbClr val="000000"/>
-                </a:solidFill>
-                <a:effectLst/>
-                <a:latin typeface="nsr"/>
-              </a:rPr>
-              <a:t>IaaS</a:t>
-            </a:r>
-            <a:r>
-              <a:rPr lang="ko-KR" altLang="en-US" sz="2000" b="0" i="0" dirty="0">
-                <a:solidFill>
-                  <a:srgbClr val="000000"/>
-                </a:solidFill>
-                <a:effectLst/>
-                <a:latin typeface="nsr"/>
-              </a:rPr>
-              <a:t>를 통해 소프트웨어 라이선스와 서버 등 </a:t>
-            </a:r>
-            <a:r>
-              <a:rPr lang="en-US" altLang="ko-KR" sz="2000" b="0" i="0" dirty="0">
-                <a:solidFill>
-                  <a:srgbClr val="000000"/>
-                </a:solidFill>
-                <a:effectLst/>
-                <a:latin typeface="nsr"/>
-              </a:rPr>
-              <a:t>IT </a:t>
-            </a:r>
-            <a:r>
-              <a:rPr lang="ko-KR" altLang="en-US" sz="2000" b="0" i="0" dirty="0">
-                <a:solidFill>
-                  <a:srgbClr val="000000"/>
-                </a:solidFill>
-                <a:effectLst/>
-                <a:latin typeface="nsr"/>
-              </a:rPr>
-              <a:t>자산을 직접 소유하는 대신 필요에 따라 이들 리소스를 필요한 만큼 유연하게 대여할 수 있다</a:t>
-            </a:r>
-            <a:r>
-              <a:rPr lang="en-US" altLang="ko-KR" sz="2000" b="0" i="0" dirty="0">
-                <a:solidFill>
-                  <a:srgbClr val="000000"/>
-                </a:solidFill>
-                <a:effectLst/>
-                <a:latin typeface="nsr"/>
-              </a:rPr>
-              <a:t>.</a:t>
-            </a:r>
-          </a:p>
-          <a:p>
-            <a:pPr marL="342900" indent="-342900">
-              <a:buFontTx/>
-              <a:buChar char="-"/>
-            </a:pPr>
-            <a:r>
-              <a:rPr lang="ko-KR" altLang="en-US" sz="2000" b="0" i="0" dirty="0">
-                <a:solidFill>
-                  <a:srgbClr val="000000"/>
-                </a:solidFill>
-                <a:effectLst/>
-                <a:latin typeface="nsr"/>
-              </a:rPr>
-              <a:t>사용한 만큼의 비용을 지불한다</a:t>
-            </a:r>
-            <a:r>
-              <a:rPr lang="en-US" altLang="ko-KR" sz="2000" b="0" i="0" dirty="0">
-                <a:solidFill>
-                  <a:srgbClr val="000000"/>
-                </a:solidFill>
-                <a:effectLst/>
-                <a:latin typeface="nsr"/>
+                  <a:schemeClr val="tx2">
+                    <a:lumMod val="50000"/>
+                  </a:schemeClr>
+                </a:solidFill>
+              </a:rPr>
+              <a:t>, </a:t>
+            </a:r>
+            <a:r>
+              <a:rPr lang="ko-KR" altLang="en-US" sz="2000" dirty="0">
+                <a:solidFill>
+                  <a:schemeClr val="tx2">
+                    <a:lumMod val="50000"/>
+                  </a:schemeClr>
+                </a:solidFill>
+              </a:rPr>
+              <a:t>연락처</a:t>
+            </a:r>
+            <a:r>
+              <a:rPr lang="en-US" altLang="ko-KR" sz="2000" dirty="0">
+                <a:solidFill>
+                  <a:schemeClr val="tx2">
+                    <a:lumMod val="50000"/>
+                  </a:schemeClr>
+                </a:solidFill>
+              </a:rPr>
+              <a:t>, </a:t>
+            </a:r>
+            <a:r>
+              <a:rPr lang="ko-KR" altLang="en-US" sz="2000" dirty="0">
+                <a:solidFill>
+                  <a:schemeClr val="tx2">
+                    <a:lumMod val="50000"/>
+                  </a:schemeClr>
+                </a:solidFill>
+              </a:rPr>
+              <a:t>이미지</a:t>
+            </a:r>
+            <a:r>
+              <a:rPr lang="en-US" altLang="ko-KR" sz="2000" dirty="0">
+                <a:solidFill>
+                  <a:schemeClr val="tx2">
+                    <a:lumMod val="50000"/>
+                  </a:schemeClr>
+                </a:solidFill>
+              </a:rPr>
+              <a:t>, </a:t>
+            </a:r>
+            <a:r>
+              <a:rPr lang="ko-KR" altLang="en-US" sz="2000" dirty="0">
+                <a:solidFill>
+                  <a:schemeClr val="tx2">
+                    <a:lumMod val="50000"/>
+                  </a:schemeClr>
+                </a:solidFill>
+              </a:rPr>
+              <a:t>영상 등 다양한 데이터를 서버에 저장한 뒤 </a:t>
+            </a:r>
+            <a:r>
+              <a:rPr lang="en-US" altLang="ko-KR" sz="2000" dirty="0">
+                <a:solidFill>
+                  <a:schemeClr val="tx2">
+                    <a:lumMod val="50000"/>
+                  </a:schemeClr>
+                </a:solidFill>
+              </a:rPr>
+              <a:t>PC, </a:t>
+            </a:r>
+            <a:r>
+              <a:rPr lang="ko-KR" altLang="en-US" sz="2000" dirty="0">
+                <a:solidFill>
+                  <a:schemeClr val="tx2">
+                    <a:lumMod val="50000"/>
+                  </a:schemeClr>
+                </a:solidFill>
+              </a:rPr>
+              <a:t>스마트폰</a:t>
+            </a:r>
+            <a:r>
+              <a:rPr lang="en-US" altLang="ko-KR" sz="2000" dirty="0">
+                <a:solidFill>
+                  <a:schemeClr val="tx2">
+                    <a:lumMod val="50000"/>
+                  </a:schemeClr>
+                </a:solidFill>
+              </a:rPr>
+              <a:t>, </a:t>
+            </a:r>
+            <a:r>
+              <a:rPr lang="ko-KR" altLang="en-US" sz="2000" dirty="0">
+                <a:solidFill>
+                  <a:schemeClr val="tx2">
+                    <a:lumMod val="50000"/>
+                  </a:schemeClr>
+                </a:solidFill>
+              </a:rPr>
+              <a:t>태블릿</a:t>
+            </a:r>
+            <a:r>
+              <a:rPr lang="en-US" altLang="ko-KR" sz="2000" dirty="0">
+                <a:solidFill>
+                  <a:schemeClr val="tx2">
+                    <a:lumMod val="50000"/>
+                  </a:schemeClr>
+                </a:solidFill>
+              </a:rPr>
+              <a:t>PC </a:t>
+            </a:r>
+            <a:r>
+              <a:rPr lang="ko-KR" altLang="en-US" sz="2000" dirty="0">
+                <a:solidFill>
+                  <a:schemeClr val="tx2">
+                    <a:lumMod val="50000"/>
+                  </a:schemeClr>
+                </a:solidFill>
+              </a:rPr>
+              <a:t>등으로 접속하여 해당 데이터를 이용</a:t>
+            </a:r>
+            <a:r>
+              <a:rPr lang="en-US" altLang="ko-KR" sz="2000" dirty="0">
+                <a:solidFill>
+                  <a:schemeClr val="tx2">
+                    <a:lumMod val="50000"/>
+                  </a:schemeClr>
+                </a:solidFill>
+              </a:rPr>
+              <a:t>/</a:t>
+            </a:r>
+            <a:r>
+              <a:rPr lang="ko-KR" altLang="en-US" sz="2000" dirty="0">
+                <a:solidFill>
+                  <a:schemeClr val="tx2">
+                    <a:lumMod val="50000"/>
+                  </a:schemeClr>
+                </a:solidFill>
+              </a:rPr>
+              <a:t>편집하는 개념이다</a:t>
+            </a:r>
+            <a:r>
+              <a:rPr lang="en-US" altLang="ko-KR" sz="2000" dirty="0">
+                <a:solidFill>
+                  <a:schemeClr val="tx2">
+                    <a:lumMod val="50000"/>
+                  </a:schemeClr>
+                </a:solidFill>
               </a:rPr>
               <a:t>. </a:t>
-            </a:r>
-          </a:p>
-          <a:p>
-            <a:pPr marL="342900" indent="-342900">
-              <a:buFontTx/>
-              <a:buChar char="-"/>
-            </a:pPr>
-            <a:r>
-              <a:rPr lang="en-US" altLang="ko-KR" sz="2000" b="0" i="0" dirty="0">
-                <a:solidFill>
-                  <a:srgbClr val="000000"/>
-                </a:solidFill>
-                <a:effectLst/>
-                <a:latin typeface="nsr"/>
-              </a:rPr>
-              <a:t>AWS, GCP, Azure </a:t>
-            </a:r>
-            <a:r>
-              <a:rPr lang="ko-KR" altLang="en-US" sz="2000" b="0" i="0" dirty="0">
-                <a:solidFill>
-                  <a:srgbClr val="000000"/>
-                </a:solidFill>
-                <a:effectLst/>
-                <a:latin typeface="nsr"/>
-              </a:rPr>
-              <a:t>등 클라우드 서비스를 하는 업체는 기존의 </a:t>
-            </a:r>
-            <a:r>
-              <a:rPr lang="en-US" altLang="ko-KR" sz="2000" b="0" i="0" dirty="0">
-                <a:solidFill>
-                  <a:srgbClr val="000000"/>
-                </a:solidFill>
-                <a:effectLst/>
-                <a:latin typeface="nsr"/>
-              </a:rPr>
-              <a:t>IaaS</a:t>
-            </a:r>
-            <a:r>
-              <a:rPr lang="ko-KR" altLang="en-US" sz="2000" b="0" i="0" dirty="0">
-                <a:solidFill>
-                  <a:srgbClr val="000000"/>
-                </a:solidFill>
-                <a:effectLst/>
-                <a:latin typeface="nsr"/>
-              </a:rPr>
-              <a:t>를 바탕으로 </a:t>
-            </a:r>
-            <a:r>
-              <a:rPr lang="en-US" altLang="ko-KR" sz="2000" b="0" i="0" dirty="0">
-                <a:solidFill>
-                  <a:srgbClr val="000000"/>
-                </a:solidFill>
-                <a:effectLst/>
-                <a:latin typeface="nsr"/>
-              </a:rPr>
-              <a:t>PaaS, SaaS</a:t>
-            </a:r>
-            <a:r>
-              <a:rPr lang="ko-KR" altLang="en-US" sz="2000" b="0" i="0" dirty="0">
-                <a:solidFill>
-                  <a:srgbClr val="000000"/>
-                </a:solidFill>
-                <a:effectLst/>
-                <a:latin typeface="nsr"/>
-              </a:rPr>
-              <a:t>로 확장</a:t>
-            </a:r>
-            <a:r>
-              <a:rPr lang="ko-KR" altLang="en-US" sz="2000" dirty="0">
-                <a:solidFill>
-                  <a:srgbClr val="000000"/>
-                </a:solidFill>
-                <a:latin typeface="nsr"/>
-              </a:rPr>
-              <a:t>된다</a:t>
-            </a:r>
-            <a:r>
-              <a:rPr lang="en-US" altLang="ko-KR" sz="2000" dirty="0">
-                <a:solidFill>
-                  <a:srgbClr val="000000"/>
-                </a:solidFill>
-                <a:latin typeface="nsr"/>
-              </a:rPr>
-              <a:t>. 	</a:t>
             </a:r>
             <a:endParaRPr lang="ko-KR" altLang="en-US" sz="2000" dirty="0">
               <a:solidFill>
@@ -6567,7 +6832,7 @@
     </p:spTree>
     <p:extLst>
       <p:ext uri="{BB962C8B-B14F-4D97-AF65-F5344CB8AC3E}">
-        <p14:creationId xmlns:p14="http://schemas.microsoft.com/office/powerpoint/2010/main" val="3448595778"/>
+        <p14:creationId xmlns:p14="http://schemas.microsoft.com/office/powerpoint/2010/main" val="3175495225"/>
       </p:ext>
     </p:extLst>
   </p:cSld>
@@ -6577,7 +6842,7 @@
 </p:sld>
 </file>
 
-<file path=ppt/slides/slide5.xml><?xml version="1.0" encoding="utf-8"?>
+<file path=ppt/slides/slide4.xml><?xml version="1.0" encoding="utf-8"?>
 <p:sld xmlns:a="http://schemas.openxmlformats.org/drawingml/2006/main" xmlns:r="http://schemas.openxmlformats.org/officeDocument/2006/relationships" xmlns:p="http://schemas.openxmlformats.org/presentationml/2006/main">
   <p:cSld>
     <p:spTree>
@@ -7063,8 +7328,8 @@
         </p:nvSpPr>
         <p:spPr>
           <a:xfrm>
-            <a:off x="973798" y="340751"/>
-            <a:ext cx="1749936" cy="646331"/>
+            <a:off x="1025888" y="340751"/>
+            <a:ext cx="1622379" cy="646331"/>
           </a:xfrm>
           <a:prstGeom prst="rect">
             <a:avLst/>
@@ -7084,7 +7349,7 @@
                   <a:srgbClr val="002060"/>
                 </a:solidFill>
               </a:rPr>
-              <a:t>PaaS</a:t>
+              <a:t>IaaS</a:t>
             </a:r>
             <a:r>
               <a:rPr lang="ko-KR" altLang="en-US" sz="3600" b="1" dirty="0">
@@ -7199,7 +7464,7 @@
                   <a:srgbClr val="002060"/>
                 </a:solidFill>
               </a:rPr>
-              <a:t>Platform as a Service</a:t>
+              <a:t>Infrastructure-as-a-Service</a:t>
             </a:r>
             <a:endParaRPr lang="ko-KR" altLang="en-US" sz="3600" b="1" dirty="0">
               <a:solidFill>
@@ -7224,7 +7489,7 @@
         <p:spPr>
           <a:xfrm>
             <a:off x="1848766" y="2956141"/>
-            <a:ext cx="9032594" cy="1323439"/>
+            <a:ext cx="8632803" cy="1323439"/>
           </a:xfrm>
           <a:prstGeom prst="rect">
             <a:avLst/>
@@ -7267,46 +7532,27 @@
                 <a:effectLst/>
                 <a:latin typeface="nsr"/>
               </a:rPr>
-              <a:t>서비스를 개발 할 수 </a:t>
-            </a:r>
-            <a:r>
-              <a:rPr lang="ko-KR" altLang="en-US" sz="2000" dirty="0">
-                <a:solidFill>
-                  <a:srgbClr val="000000"/>
-                </a:solidFill>
-                <a:latin typeface="nsr"/>
-              </a:rPr>
-              <a:t>있</a:t>
-            </a:r>
-            <a:r>
-              <a:rPr lang="ko-KR" altLang="en-US" sz="2000" b="0" i="0" dirty="0">
+              <a:t>아주 기본적인 </a:t>
+            </a:r>
+            <a:r>
+              <a:rPr lang="en-US" altLang="ko-KR" sz="2000" b="0" i="0" dirty="0">
                 <a:solidFill>
                   <a:srgbClr val="000000"/>
                 </a:solidFill>
                 <a:effectLst/>
                 <a:latin typeface="nsr"/>
               </a:rPr>
-              <a:t>는 안정적인 환경과 그 환경을 이용하는 응용프로그램 개발을 위한 </a:t>
-            </a:r>
-            <a:r>
-              <a:rPr lang="en-US" altLang="ko-KR" sz="2000" b="0" i="0" dirty="0">
+              <a:t>IT </a:t>
+            </a:r>
+            <a:r>
+              <a:rPr lang="ko-KR" altLang="en-US" sz="2000" b="0" i="0" dirty="0">
                 <a:solidFill>
                   <a:srgbClr val="000000"/>
                 </a:solidFill>
                 <a:effectLst/>
                 <a:latin typeface="nsr"/>
               </a:rPr>
-              <a:t>API </a:t>
-            </a:r>
-            <a:r>
-              <a:rPr lang="ko-KR" altLang="en-US" sz="2000" b="0" i="0" dirty="0">
-                <a:solidFill>
-                  <a:srgbClr val="000000"/>
-                </a:solidFill>
-                <a:effectLst/>
-                <a:latin typeface="nsr"/>
-              </a:rPr>
-              <a:t>제공하는 것</a:t>
+              <a:t>인프라를 제공하는 서비스</a:t>
             </a:r>
             <a:endParaRPr lang="en-US" altLang="ko-KR" sz="2000" b="0" i="0" dirty="0">
               <a:solidFill>
@@ -7317,113 +7563,208 @@
             </a:endParaRPr>
           </a:p>
           <a:p>
+            <a:pPr marL="342900" indent="-342900">
+              <a:buFontTx/>
+              <a:buChar char="-"/>
+            </a:pPr>
+            <a:r>
+              <a:rPr lang="ko-KR" altLang="en-US" sz="2000" b="0" i="0" dirty="0">
+                <a:solidFill>
+                  <a:schemeClr val="tx2">
+                    <a:lumMod val="50000"/>
+                  </a:schemeClr>
+                </a:solidFill>
+                <a:effectLst/>
+              </a:rPr>
+              <a:t>기업이 데이터센터를 구축하지 않고</a:t>
+            </a:r>
+            <a:r>
+              <a:rPr lang="en-US" altLang="ko-KR" sz="2000" b="0" i="0" dirty="0">
+                <a:solidFill>
+                  <a:schemeClr val="tx2">
+                    <a:lumMod val="50000"/>
+                  </a:schemeClr>
+                </a:solidFill>
+                <a:effectLst/>
+              </a:rPr>
+              <a:t>, </a:t>
+            </a:r>
+            <a:r>
+              <a:rPr lang="ko-KR" altLang="en-US" sz="2000" b="0" i="0" dirty="0">
+                <a:solidFill>
+                  <a:schemeClr val="tx2">
+                    <a:lumMod val="50000"/>
+                  </a:schemeClr>
+                </a:solidFill>
+                <a:effectLst/>
+              </a:rPr>
+              <a:t>데이터센터에 들어가는 모든 것을</a:t>
+            </a:r>
+            <a:endParaRPr lang="en-US" altLang="ko-KR" sz="2000" b="0" i="0" dirty="0">
+              <a:solidFill>
+                <a:schemeClr val="tx2">
+                  <a:lumMod val="50000"/>
+                </a:schemeClr>
+              </a:solidFill>
+              <a:effectLst/>
+            </a:endParaRPr>
+          </a:p>
+          <a:p>
             <a:r>
               <a:rPr lang="en-US" altLang="ko-KR" sz="2000" dirty="0">
                 <a:solidFill>
-                  <a:srgbClr val="000000"/>
-                </a:solidFill>
-                <a:latin typeface="nsr"/>
-              </a:rPr>
-              <a:t>- </a:t>
-            </a:r>
+                  <a:schemeClr val="tx2">
+                    <a:lumMod val="50000"/>
+                  </a:schemeClr>
+                </a:solidFill>
+              </a:rPr>
+              <a:t>    </a:t>
+            </a:r>
+            <a:r>
+              <a:rPr lang="ko-KR" altLang="en-US" sz="2000" b="0" i="0" dirty="0" err="1">
+                <a:solidFill>
+                  <a:schemeClr val="tx2">
+                    <a:lumMod val="50000"/>
+                  </a:schemeClr>
+                </a:solidFill>
+                <a:effectLst/>
+              </a:rPr>
+              <a:t>서드파티</a:t>
+            </a:r>
+            <a:r>
+              <a:rPr lang="ko-KR" altLang="en-US" sz="2000" b="0" i="0" dirty="0">
+                <a:solidFill>
+                  <a:schemeClr val="tx2">
+                    <a:lumMod val="50000"/>
+                  </a:schemeClr>
+                </a:solidFill>
+                <a:effectLst/>
+              </a:rPr>
+              <a:t> 업체에게 제공 받는 것</a:t>
+            </a:r>
+            <a:r>
+              <a:rPr lang="en-US" altLang="ko-KR" sz="2000" b="0" i="0" dirty="0">
+                <a:solidFill>
+                  <a:schemeClr val="tx2">
+                    <a:lumMod val="50000"/>
+                  </a:schemeClr>
+                </a:solidFill>
+                <a:effectLst/>
+              </a:rPr>
+              <a:t>.</a:t>
+            </a:r>
+          </a:p>
+          <a:p>
+            <a:pPr marL="285750" indent="-285750">
+              <a:buFontTx/>
+              <a:buChar char="-"/>
+            </a:pPr>
             <a:r>
               <a:rPr lang="ko-KR" altLang="en-US" sz="2000" dirty="0">
                 <a:solidFill>
-                  <a:srgbClr val="000000"/>
-                </a:solidFill>
-                <a:latin typeface="nsr"/>
-              </a:rPr>
-              <a:t>포함되는 것</a:t>
+                  <a:schemeClr val="tx2">
+                    <a:lumMod val="50000"/>
+                  </a:schemeClr>
+                </a:solidFill>
+              </a:rPr>
+              <a:t>인프라에 포함 되는 것들</a:t>
             </a:r>
             <a:r>
               <a:rPr lang="en-US" altLang="ko-KR" sz="2000" dirty="0">
                 <a:solidFill>
-                  <a:srgbClr val="000000"/>
-                </a:solidFill>
-                <a:latin typeface="nsr"/>
+                  <a:schemeClr val="tx2">
+                    <a:lumMod val="50000"/>
+                  </a:schemeClr>
+                </a:solidFill>
               </a:rPr>
               <a:t>: </a:t>
             </a:r>
             <a:r>
-              <a:rPr lang="ko-KR" altLang="en-US" sz="2000" dirty="0">
-                <a:solidFill>
-                  <a:srgbClr val="000000"/>
-                </a:solidFill>
-                <a:latin typeface="nsr"/>
+              <a:rPr lang="ko-KR" altLang="en-US" sz="2000" b="0" i="0" dirty="0">
+                <a:solidFill>
+                  <a:schemeClr val="tx2">
+                    <a:lumMod val="50000"/>
+                  </a:schemeClr>
+                </a:solidFill>
+                <a:effectLst/>
+              </a:rPr>
+              <a:t> 스토리지</a:t>
+            </a:r>
+            <a:r>
+              <a:rPr lang="en-US" altLang="ko-KR" sz="2000" b="0" i="0" dirty="0">
+                <a:solidFill>
+                  <a:schemeClr val="tx2">
+                    <a:lumMod val="50000"/>
+                  </a:schemeClr>
+                </a:solidFill>
+                <a:effectLst/>
+              </a:rPr>
+              <a:t>, </a:t>
+            </a:r>
+            <a:r>
+              <a:rPr lang="ko-KR" altLang="en-US" sz="2000" b="0" i="0" dirty="0">
+                <a:solidFill>
+                  <a:schemeClr val="tx2">
+                    <a:lumMod val="50000"/>
+                  </a:schemeClr>
+                </a:solidFill>
+                <a:effectLst/>
+              </a:rPr>
+              <a:t>호스팅</a:t>
+            </a:r>
+            <a:r>
+              <a:rPr lang="en-US" altLang="ko-KR" sz="2000" b="0" i="0" dirty="0">
+                <a:solidFill>
+                  <a:schemeClr val="tx2">
+                    <a:lumMod val="50000"/>
+                  </a:schemeClr>
+                </a:solidFill>
+                <a:effectLst/>
+              </a:rPr>
+              <a:t>, </a:t>
+            </a:r>
+            <a:r>
+              <a:rPr lang="ko-KR" altLang="en-US" sz="2000" b="0" i="0" dirty="0">
+                <a:solidFill>
+                  <a:schemeClr val="tx2">
+                    <a:lumMod val="50000"/>
+                  </a:schemeClr>
+                </a:solidFill>
+                <a:effectLst/>
+              </a:rPr>
+              <a:t>컴퓨팅</a:t>
+            </a:r>
+            <a:r>
+              <a:rPr lang="en-US" altLang="ko-KR" sz="2000" b="0" i="0" dirty="0">
+                <a:solidFill>
+                  <a:schemeClr val="tx2">
+                    <a:lumMod val="50000"/>
+                  </a:schemeClr>
+                </a:solidFill>
+                <a:effectLst/>
+              </a:rPr>
+              <a:t>, </a:t>
+            </a:r>
+            <a:r>
+              <a:rPr lang="ko-KR" altLang="en-US" sz="2000" b="0" i="0" dirty="0">
+                <a:solidFill>
+                  <a:schemeClr val="tx2">
+                    <a:lumMod val="50000"/>
+                  </a:schemeClr>
+                </a:solidFill>
+                <a:effectLst/>
+              </a:rPr>
+              <a:t>네트워킹 등</a:t>
+            </a:r>
+            <a:r>
+              <a:rPr lang="en-US" altLang="ko-KR" sz="2000" dirty="0">
+                <a:solidFill>
+                  <a:schemeClr val="tx2">
+                    <a:lumMod val="50000"/>
+                  </a:schemeClr>
+                </a:solidFill>
               </a:rPr>
               <a:t> </a:t>
-            </a:r>
-            <a:r>
-              <a:rPr lang="en-US" altLang="ko-KR" sz="2000" dirty="0">
-                <a:solidFill>
-                  <a:srgbClr val="000000"/>
-                </a:solidFill>
-                <a:latin typeface="nsr"/>
-              </a:rPr>
-              <a:t>IaaS</a:t>
-            </a:r>
-            <a:r>
-              <a:rPr lang="ko-KR" altLang="en-US" sz="2000" dirty="0">
-                <a:solidFill>
-                  <a:srgbClr val="000000"/>
-                </a:solidFill>
-                <a:latin typeface="nsr"/>
-              </a:rPr>
-              <a:t>를 포함</a:t>
-            </a:r>
-            <a:r>
-              <a:rPr lang="en-US" altLang="ko-KR" sz="2000" dirty="0">
-                <a:solidFill>
-                  <a:srgbClr val="000000"/>
-                </a:solidFill>
-                <a:latin typeface="nsr"/>
-              </a:rPr>
-              <a:t>, </a:t>
-            </a:r>
-            <a:r>
-              <a:rPr lang="ko-KR" altLang="en-US" sz="2000" dirty="0">
-                <a:solidFill>
-                  <a:srgbClr val="000000"/>
-                </a:solidFill>
-                <a:latin typeface="nsr"/>
-              </a:rPr>
-              <a:t>미들웨어와 데이터베이스 관리</a:t>
-            </a:r>
-            <a:r>
-              <a:rPr lang="en-US" altLang="ko-KR" sz="2000" dirty="0">
-                <a:solidFill>
-                  <a:srgbClr val="000000"/>
-                </a:solidFill>
-                <a:latin typeface="nsr"/>
-              </a:rPr>
-              <a:t>, </a:t>
-            </a:r>
-            <a:r>
-              <a:rPr lang="ko-KR" altLang="en-US" sz="2000" dirty="0" err="1">
-                <a:solidFill>
-                  <a:srgbClr val="000000"/>
-                </a:solidFill>
-                <a:latin typeface="nsr"/>
-              </a:rPr>
-              <a:t>애널리틱스</a:t>
-            </a:r>
-            <a:r>
-              <a:rPr lang="en-US" altLang="ko-KR" sz="2000" dirty="0">
-                <a:solidFill>
-                  <a:srgbClr val="000000"/>
-                </a:solidFill>
-                <a:latin typeface="nsr"/>
-              </a:rPr>
-              <a:t>, </a:t>
-            </a:r>
-            <a:r>
-              <a:rPr lang="ko-KR" altLang="en-US" sz="2000" dirty="0">
-                <a:solidFill>
-                  <a:srgbClr val="000000"/>
-                </a:solidFill>
-                <a:latin typeface="nsr"/>
-              </a:rPr>
-              <a:t>운영체제 등</a:t>
             </a:r>
             <a:endParaRPr lang="ko-KR" altLang="en-US" sz="2000" dirty="0">
               <a:solidFill>
@@ -7438,7 +7779,1003 @@
     </p:spTree>
     <p:extLst>
       <p:ext uri="{BB962C8B-B14F-4D97-AF65-F5344CB8AC3E}">
-        <p14:creationId xmlns:p14="http://schemas.microsoft.com/office/powerpoint/2010/main" val="3976557069"/>
+        <p14:creationId xmlns:p14="http://schemas.microsoft.com/office/powerpoint/2010/main" val="1044388911"/>
+      </p:ext>
+    </p:extLst>
+  </p:cSld>
+  <p:clrMapOvr>
+    <a:masterClrMapping/>
+  </p:clrMapOvr>
+</p:sld>
+</file>
+
+<file path=ppt/slides/slide5.xml><?xml version="1.0" encoding="utf-8"?>
+<p:sld xmlns:a="http://schemas.openxmlformats.org/drawingml/2006/main" xmlns:r="http://schemas.openxmlformats.org/officeDocument/2006/relationships" xmlns:p="http://schemas.openxmlformats.org/presentationml/2006/main">
+  <p:cSld>
+    <p:spTree>
+      <p:nvGrpSpPr>
+        <p:cNvPr id="1" name=""/>
+        <p:cNvGrpSpPr/>
+        <p:nvPr/>
+      </p:nvGrpSpPr>
+      <p:grpSpPr>
+        <a:xfrm>
+          <a:off x="0" y="0"/>
+          <a:ext cx="0" cy="0"/>
+          <a:chOff x="0" y="0"/>
+          <a:chExt cx="0" cy="0"/>
+        </a:xfrm>
+      </p:grpSpPr>
+      <p:sp>
+        <p:nvSpPr>
+          <p:cNvPr id="7" name="Rectangle 6">
+            <a:extLst>
+              <a:ext uri="{FF2B5EF4-FFF2-40B4-BE49-F238E27FC236}">
+                <a16:creationId xmlns:a16="http://schemas.microsoft.com/office/drawing/2014/main" id="{506921A9-272F-4AD5-B7EA-F493894E9082}"/>
+              </a:ext>
+            </a:extLst>
+          </p:cNvPr>
+          <p:cNvSpPr/>
+          <p:nvPr/>
+        </p:nvSpPr>
+        <p:spPr>
+          <a:xfrm>
+            <a:off x="0" y="-9965"/>
+            <a:ext cx="12192000" cy="6867965"/>
+          </a:xfrm>
+          <a:prstGeom prst="rect">
+            <a:avLst/>
+          </a:prstGeom>
+          <a:solidFill>
+            <a:srgbClr val="94E7FF"/>
+          </a:solidFill>
+          <a:ln>
+            <a:solidFill>
+              <a:srgbClr val="90E7FF"/>
+            </a:solidFill>
+          </a:ln>
+        </p:spPr>
+        <p:style>
+          <a:lnRef idx="2">
+            <a:schemeClr val="accent1">
+              <a:shade val="50000"/>
+            </a:schemeClr>
+          </a:lnRef>
+          <a:fillRef idx="1">
+            <a:schemeClr val="accent1"/>
+          </a:fillRef>
+          <a:effectRef idx="0">
+            <a:schemeClr val="accent1"/>
+          </a:effectRef>
+          <a:fontRef idx="minor">
+            <a:schemeClr val="lt1"/>
+          </a:fontRef>
+        </p:style>
+        <p:txBody>
+          <a:bodyPr rtlCol="0" anchor="ctr"/>
+          <a:lstStyle/>
+          <a:p>
+            <a:pPr algn="ctr"/>
+            <a:endParaRPr lang="ko-KR" altLang="en-US"/>
+          </a:p>
+        </p:txBody>
+      </p:sp>
+      <p:sp>
+        <p:nvSpPr>
+          <p:cNvPr id="8" name="Rectangle 7">
+            <a:extLst>
+              <a:ext uri="{FF2B5EF4-FFF2-40B4-BE49-F238E27FC236}">
+                <a16:creationId xmlns:a16="http://schemas.microsoft.com/office/drawing/2014/main" id="{C8F26D29-CFC0-4BAB-BFD2-B193E1D68BA9}"/>
+              </a:ext>
+            </a:extLst>
+          </p:cNvPr>
+          <p:cNvSpPr/>
+          <p:nvPr/>
+        </p:nvSpPr>
+        <p:spPr>
+          <a:xfrm>
+            <a:off x="138337" y="129274"/>
+            <a:ext cx="12053663" cy="6589485"/>
+          </a:xfrm>
+          <a:prstGeom prst="rect">
+            <a:avLst/>
+          </a:prstGeom>
+          <a:solidFill>
+            <a:schemeClr val="bg1"/>
+          </a:solidFill>
+          <a:ln>
+            <a:solidFill>
+              <a:srgbClr val="94E7FF"/>
+            </a:solidFill>
+          </a:ln>
+        </p:spPr>
+        <p:style>
+          <a:lnRef idx="2">
+            <a:schemeClr val="accent1">
+              <a:shade val="50000"/>
+            </a:schemeClr>
+          </a:lnRef>
+          <a:fillRef idx="1">
+            <a:schemeClr val="accent1"/>
+          </a:fillRef>
+          <a:effectRef idx="0">
+            <a:schemeClr val="accent1"/>
+          </a:effectRef>
+          <a:fontRef idx="minor">
+            <a:schemeClr val="lt1"/>
+          </a:fontRef>
+        </p:style>
+        <p:txBody>
+          <a:bodyPr rtlCol="0" anchor="ctr"/>
+          <a:lstStyle/>
+          <a:p>
+            <a:pPr algn="ctr"/>
+            <a:r>
+              <a:rPr lang="en-US" altLang="ko-KR" dirty="0"/>
+              <a:t>      </a:t>
+            </a:r>
+            <a:endParaRPr lang="ko-KR" altLang="en-US" dirty="0"/>
+          </a:p>
+        </p:txBody>
+      </p:sp>
+      <p:grpSp>
+        <p:nvGrpSpPr>
+          <p:cNvPr id="2" name="Group 1">
+            <a:extLst>
+              <a:ext uri="{FF2B5EF4-FFF2-40B4-BE49-F238E27FC236}">
+                <a16:creationId xmlns:a16="http://schemas.microsoft.com/office/drawing/2014/main" id="{A67ADE34-5F28-4133-B52D-F977242956C4}"/>
+              </a:ext>
+            </a:extLst>
+          </p:cNvPr>
+          <p:cNvGrpSpPr/>
+          <p:nvPr/>
+        </p:nvGrpSpPr>
+        <p:grpSpPr>
+          <a:xfrm>
+            <a:off x="8605930" y="-1689213"/>
+            <a:ext cx="5035047" cy="5439842"/>
+            <a:chOff x="3235570" y="-3567444"/>
+            <a:chExt cx="12442158" cy="11759505"/>
+          </a:xfrm>
+        </p:grpSpPr>
+        <p:sp>
+          <p:nvSpPr>
+            <p:cNvPr id="5" name="Oval 4">
+              <a:extLst>
+                <a:ext uri="{FF2B5EF4-FFF2-40B4-BE49-F238E27FC236}">
+                  <a16:creationId xmlns:a16="http://schemas.microsoft.com/office/drawing/2014/main" id="{2D45AA4D-C278-42CC-AB62-6BBE8954D134}"/>
+                </a:ext>
+              </a:extLst>
+            </p:cNvPr>
+            <p:cNvSpPr/>
+            <p:nvPr/>
+          </p:nvSpPr>
+          <p:spPr>
+            <a:xfrm>
+              <a:off x="3235570" y="-3567444"/>
+              <a:ext cx="10058399" cy="6103258"/>
+            </a:xfrm>
+            <a:prstGeom prst="ellipse">
+              <a:avLst/>
+            </a:prstGeom>
+            <a:solidFill>
+              <a:srgbClr val="C4F2FF"/>
+            </a:solidFill>
+            <a:ln>
+              <a:solidFill>
+                <a:srgbClr val="C5F2FF"/>
+              </a:solidFill>
+            </a:ln>
+          </p:spPr>
+          <p:style>
+            <a:lnRef idx="2">
+              <a:schemeClr val="accent1">
+                <a:shade val="50000"/>
+              </a:schemeClr>
+            </a:lnRef>
+            <a:fillRef idx="1">
+              <a:schemeClr val="accent1"/>
+            </a:fillRef>
+            <a:effectRef idx="0">
+              <a:schemeClr val="accent1"/>
+            </a:effectRef>
+            <a:fontRef idx="minor">
+              <a:schemeClr val="lt1"/>
+            </a:fontRef>
+          </p:style>
+          <p:txBody>
+            <a:bodyPr rtlCol="0" anchor="ctr"/>
+            <a:lstStyle/>
+            <a:p>
+              <a:pPr algn="ctr"/>
+              <a:endParaRPr lang="ko-KR" altLang="en-US"/>
+            </a:p>
+          </p:txBody>
+        </p:sp>
+        <p:sp>
+          <p:nvSpPr>
+            <p:cNvPr id="6" name="Oval 5">
+              <a:extLst>
+                <a:ext uri="{FF2B5EF4-FFF2-40B4-BE49-F238E27FC236}">
+                  <a16:creationId xmlns:a16="http://schemas.microsoft.com/office/drawing/2014/main" id="{BE489795-D155-4C5B-A3D5-196DA5B0CDDF}"/>
+                </a:ext>
+              </a:extLst>
+            </p:cNvPr>
+            <p:cNvSpPr/>
+            <p:nvPr/>
+          </p:nvSpPr>
+          <p:spPr>
+            <a:xfrm rot="3916682">
+              <a:off x="8743302" y="1257636"/>
+              <a:ext cx="7116069" cy="6752782"/>
+            </a:xfrm>
+            <a:prstGeom prst="ellipse">
+              <a:avLst/>
+            </a:prstGeom>
+            <a:solidFill>
+              <a:srgbClr val="C5F2FF"/>
+            </a:solidFill>
+            <a:ln>
+              <a:solidFill>
+                <a:srgbClr val="C5F2FF"/>
+              </a:solidFill>
+            </a:ln>
+          </p:spPr>
+          <p:style>
+            <a:lnRef idx="2">
+              <a:schemeClr val="accent1">
+                <a:shade val="50000"/>
+              </a:schemeClr>
+            </a:lnRef>
+            <a:fillRef idx="1">
+              <a:schemeClr val="accent1"/>
+            </a:fillRef>
+            <a:effectRef idx="0">
+              <a:schemeClr val="accent1"/>
+            </a:effectRef>
+            <a:fontRef idx="minor">
+              <a:schemeClr val="lt1"/>
+            </a:fontRef>
+          </p:style>
+          <p:txBody>
+            <a:bodyPr rtlCol="0" anchor="ctr"/>
+            <a:lstStyle/>
+            <a:p>
+              <a:pPr algn="ctr"/>
+              <a:endParaRPr lang="ko-KR" altLang="en-US"/>
+            </a:p>
+          </p:txBody>
+        </p:sp>
+      </p:grpSp>
+      <p:pic>
+        <p:nvPicPr>
+          <p:cNvPr id="10" name="Picture 9" descr="Icon&#10;&#10;Description automatically generated">
+            <a:extLst>
+              <a:ext uri="{FF2B5EF4-FFF2-40B4-BE49-F238E27FC236}">
+                <a16:creationId xmlns:a16="http://schemas.microsoft.com/office/drawing/2014/main" id="{F94802C9-90FF-4DFC-AF28-0A387B1E991E}"/>
+              </a:ext>
+            </a:extLst>
+          </p:cNvPr>
+          <p:cNvPicPr>
+            <a:picLocks noChangeAspect="1"/>
+          </p:cNvPicPr>
+          <p:nvPr/>
+        </p:nvPicPr>
+        <p:blipFill>
+          <a:blip r:embed="rId2">
+            <a:extLst>
+              <a:ext uri="{28A0092B-C50C-407E-A947-70E740481C1C}">
+                <a14:useLocalDpi xmlns:a14="http://schemas.microsoft.com/office/drawing/2010/main" val="0"/>
+              </a:ext>
+            </a:extLst>
+          </a:blip>
+          <a:stretch>
+            <a:fillRect/>
+          </a:stretch>
+        </p:blipFill>
+        <p:spPr>
+          <a:xfrm>
+            <a:off x="11027002" y="421535"/>
+            <a:ext cx="827368" cy="782298"/>
+          </a:xfrm>
+          <a:prstGeom prst="rect">
+            <a:avLst/>
+          </a:prstGeom>
+        </p:spPr>
+      </p:pic>
+      <p:pic>
+        <p:nvPicPr>
+          <p:cNvPr id="18" name="Picture 17">
+            <a:extLst>
+              <a:ext uri="{FF2B5EF4-FFF2-40B4-BE49-F238E27FC236}">
+                <a16:creationId xmlns:a16="http://schemas.microsoft.com/office/drawing/2014/main" id="{7285AF3A-5E61-487F-B623-A1C0904D912E}"/>
+              </a:ext>
+            </a:extLst>
+          </p:cNvPr>
+          <p:cNvPicPr>
+            <a:picLocks noChangeAspect="1"/>
+          </p:cNvPicPr>
+          <p:nvPr/>
+        </p:nvPicPr>
+        <p:blipFill rotWithShape="1">
+          <a:blip r:embed="rId3">
+            <a:extLst>
+              <a:ext uri="{28A0092B-C50C-407E-A947-70E740481C1C}">
+                <a14:useLocalDpi xmlns:a14="http://schemas.microsoft.com/office/drawing/2010/main" val="0"/>
+              </a:ext>
+            </a:extLst>
+          </a:blip>
+          <a:srcRect l="27712" t="22653"/>
+          <a:stretch/>
+        </p:blipFill>
+        <p:spPr>
+          <a:xfrm>
+            <a:off x="11241572" y="1550931"/>
+            <a:ext cx="1225596" cy="338892"/>
+          </a:xfrm>
+          <a:prstGeom prst="rect">
+            <a:avLst/>
+          </a:prstGeom>
+        </p:spPr>
+      </p:pic>
+      <p:sp>
+        <p:nvSpPr>
+          <p:cNvPr id="24" name="Rectangle 23">
+            <a:extLst>
+              <a:ext uri="{FF2B5EF4-FFF2-40B4-BE49-F238E27FC236}">
+                <a16:creationId xmlns:a16="http://schemas.microsoft.com/office/drawing/2014/main" id="{24DF9C13-7972-4E98-9BA8-7AA40834764C}"/>
+              </a:ext>
+            </a:extLst>
+          </p:cNvPr>
+          <p:cNvSpPr/>
+          <p:nvPr/>
+        </p:nvSpPr>
+        <p:spPr>
+          <a:xfrm>
+            <a:off x="-398585" y="6738251"/>
+            <a:ext cx="14864862" cy="139241"/>
+          </a:xfrm>
+          <a:prstGeom prst="rect">
+            <a:avLst/>
+          </a:prstGeom>
+          <a:solidFill>
+            <a:srgbClr val="94E7FF"/>
+          </a:solidFill>
+          <a:ln>
+            <a:solidFill>
+              <a:srgbClr val="94E7FF"/>
+            </a:solidFill>
+          </a:ln>
+        </p:spPr>
+        <p:style>
+          <a:lnRef idx="2">
+            <a:schemeClr val="accent1">
+              <a:shade val="50000"/>
+            </a:schemeClr>
+          </a:lnRef>
+          <a:fillRef idx="1">
+            <a:schemeClr val="accent1"/>
+          </a:fillRef>
+          <a:effectRef idx="0">
+            <a:schemeClr val="accent1"/>
+          </a:effectRef>
+          <a:fontRef idx="minor">
+            <a:schemeClr val="lt1"/>
+          </a:fontRef>
+        </p:style>
+        <p:txBody>
+          <a:bodyPr rtlCol="0" anchor="ctr"/>
+          <a:lstStyle/>
+          <a:p>
+            <a:pPr algn="ctr"/>
+            <a:endParaRPr lang="ko-KR" altLang="en-US" dirty="0"/>
+          </a:p>
+        </p:txBody>
+      </p:sp>
+      <p:sp>
+        <p:nvSpPr>
+          <p:cNvPr id="25" name="Rectangle 24">
+            <a:extLst>
+              <a:ext uri="{FF2B5EF4-FFF2-40B4-BE49-F238E27FC236}">
+                <a16:creationId xmlns:a16="http://schemas.microsoft.com/office/drawing/2014/main" id="{A3C4CEC3-FE2E-40C1-A57C-CBEBC27786AC}"/>
+              </a:ext>
+            </a:extLst>
+          </p:cNvPr>
+          <p:cNvSpPr/>
+          <p:nvPr/>
+        </p:nvSpPr>
+        <p:spPr>
+          <a:xfrm>
+            <a:off x="12053662" y="-662354"/>
+            <a:ext cx="138338" cy="8182708"/>
+          </a:xfrm>
+          <a:prstGeom prst="rect">
+            <a:avLst/>
+          </a:prstGeom>
+          <a:solidFill>
+            <a:srgbClr val="94E7FF"/>
+          </a:solidFill>
+          <a:ln>
+            <a:solidFill>
+              <a:srgbClr val="94E7FF"/>
+            </a:solidFill>
+          </a:ln>
+        </p:spPr>
+        <p:style>
+          <a:lnRef idx="2">
+            <a:schemeClr val="accent1">
+              <a:shade val="50000"/>
+            </a:schemeClr>
+          </a:lnRef>
+          <a:fillRef idx="1">
+            <a:schemeClr val="accent1"/>
+          </a:fillRef>
+          <a:effectRef idx="0">
+            <a:schemeClr val="accent1"/>
+          </a:effectRef>
+          <a:fontRef idx="minor">
+            <a:schemeClr val="lt1"/>
+          </a:fontRef>
+        </p:style>
+        <p:txBody>
+          <a:bodyPr rtlCol="0" anchor="ctr"/>
+          <a:lstStyle/>
+          <a:p>
+            <a:pPr algn="ctr"/>
+            <a:endParaRPr lang="ko-KR" altLang="en-US"/>
+          </a:p>
+        </p:txBody>
+      </p:sp>
+      <p:pic>
+        <p:nvPicPr>
+          <p:cNvPr id="22" name="Picture 21">
+            <a:extLst>
+              <a:ext uri="{FF2B5EF4-FFF2-40B4-BE49-F238E27FC236}">
+                <a16:creationId xmlns:a16="http://schemas.microsoft.com/office/drawing/2014/main" id="{B95D3687-FEFA-4FB1-8CD2-32F1CD827AC6}"/>
+              </a:ext>
+            </a:extLst>
+          </p:cNvPr>
+          <p:cNvPicPr>
+            <a:picLocks noChangeAspect="1"/>
+          </p:cNvPicPr>
+          <p:nvPr/>
+        </p:nvPicPr>
+        <p:blipFill rotWithShape="1">
+          <a:blip r:embed="rId3">
+            <a:extLst>
+              <a:ext uri="{28A0092B-C50C-407E-A947-70E740481C1C}">
+                <a14:useLocalDpi xmlns:a14="http://schemas.microsoft.com/office/drawing/2010/main" val="0"/>
+              </a:ext>
+            </a:extLst>
+          </a:blip>
+          <a:srcRect l="46593"/>
+          <a:stretch/>
+        </p:blipFill>
+        <p:spPr>
+          <a:xfrm>
+            <a:off x="138337" y="-307655"/>
+            <a:ext cx="3123694" cy="1511488"/>
+          </a:xfrm>
+          <a:prstGeom prst="rect">
+            <a:avLst/>
+          </a:prstGeom>
+        </p:spPr>
+      </p:pic>
+      <p:sp>
+        <p:nvSpPr>
+          <p:cNvPr id="17" name="TextBox 16">
+            <a:extLst>
+              <a:ext uri="{FF2B5EF4-FFF2-40B4-BE49-F238E27FC236}">
+                <a16:creationId xmlns:a16="http://schemas.microsoft.com/office/drawing/2014/main" id="{71783915-C5EA-48D9-8632-59A9878C90B9}"/>
+              </a:ext>
+            </a:extLst>
+          </p:cNvPr>
+          <p:cNvSpPr txBox="1"/>
+          <p:nvPr/>
+        </p:nvSpPr>
+        <p:spPr>
+          <a:xfrm>
+            <a:off x="1025888" y="340751"/>
+            <a:ext cx="1622379" cy="646331"/>
+          </a:xfrm>
+          <a:prstGeom prst="rect">
+            <a:avLst/>
+          </a:prstGeom>
+          <a:noFill/>
+        </p:spPr>
+        <p:txBody>
+          <a:bodyPr wrap="square" rtlCol="0">
+            <a:spAutoFit/>
+          </a:bodyPr>
+          <a:lstStyle/>
+          <a:p>
+            <a:pPr algn="ctr"/>
+            <a:r>
+              <a:rPr lang="en-US" altLang="ko-KR" sz="3600" b="1" dirty="0">
+                <a:solidFill>
+                  <a:srgbClr val="002060"/>
+                </a:solidFill>
+              </a:rPr>
+              <a:t>IaaS</a:t>
+            </a:r>
+            <a:r>
+              <a:rPr lang="ko-KR" altLang="en-US" sz="3600" b="1" dirty="0">
+                <a:solidFill>
+                  <a:srgbClr val="002060"/>
+                </a:solidFill>
+              </a:rPr>
+              <a:t>란</a:t>
+            </a:r>
+            <a:r>
+              <a:rPr lang="en-US" altLang="ko-KR" sz="3600" b="1" dirty="0">
+                <a:solidFill>
+                  <a:srgbClr val="002060"/>
+                </a:solidFill>
+              </a:rPr>
+              <a:t> </a:t>
+            </a:r>
+            <a:endParaRPr lang="ko-KR" altLang="en-US" sz="3600" b="1" dirty="0">
+              <a:solidFill>
+                <a:srgbClr val="002060"/>
+              </a:solidFill>
+            </a:endParaRPr>
+          </a:p>
+        </p:txBody>
+      </p:sp>
+      <p:sp>
+        <p:nvSpPr>
+          <p:cNvPr id="21" name="Rectangle 20">
+            <a:extLst>
+              <a:ext uri="{FF2B5EF4-FFF2-40B4-BE49-F238E27FC236}">
+                <a16:creationId xmlns:a16="http://schemas.microsoft.com/office/drawing/2014/main" id="{C5724416-4CEB-460D-8A2C-78B9F3A86F11}"/>
+              </a:ext>
+            </a:extLst>
+          </p:cNvPr>
+          <p:cNvSpPr/>
+          <p:nvPr/>
+        </p:nvSpPr>
+        <p:spPr>
+          <a:xfrm>
+            <a:off x="-398585" y="-15240"/>
+            <a:ext cx="14864862" cy="139241"/>
+          </a:xfrm>
+          <a:prstGeom prst="rect">
+            <a:avLst/>
+          </a:prstGeom>
+          <a:solidFill>
+            <a:srgbClr val="94E7FF"/>
+          </a:solidFill>
+          <a:ln>
+            <a:solidFill>
+              <a:srgbClr val="94E7FF"/>
+            </a:solidFill>
+          </a:ln>
+        </p:spPr>
+        <p:style>
+          <a:lnRef idx="2">
+            <a:schemeClr val="accent1">
+              <a:shade val="50000"/>
+            </a:schemeClr>
+          </a:lnRef>
+          <a:fillRef idx="1">
+            <a:schemeClr val="accent1"/>
+          </a:fillRef>
+          <a:effectRef idx="0">
+            <a:schemeClr val="accent1"/>
+          </a:effectRef>
+          <a:fontRef idx="minor">
+            <a:schemeClr val="lt1"/>
+          </a:fontRef>
+        </p:style>
+        <p:txBody>
+          <a:bodyPr rtlCol="0" anchor="ctr"/>
+          <a:lstStyle/>
+          <a:p>
+            <a:pPr algn="ctr"/>
+            <a:endParaRPr lang="ko-KR" altLang="en-US" dirty="0"/>
+          </a:p>
+        </p:txBody>
+      </p:sp>
+      <p:sp>
+        <p:nvSpPr>
+          <p:cNvPr id="23" name="TextBox 22">
+            <a:extLst>
+              <a:ext uri="{FF2B5EF4-FFF2-40B4-BE49-F238E27FC236}">
+                <a16:creationId xmlns:a16="http://schemas.microsoft.com/office/drawing/2014/main" id="{7237A8F3-492C-41C4-838E-8139D2B0DE45}"/>
+              </a:ext>
+            </a:extLst>
+          </p:cNvPr>
+          <p:cNvSpPr txBox="1"/>
+          <p:nvPr/>
+        </p:nvSpPr>
+        <p:spPr>
+          <a:xfrm>
+            <a:off x="3050992" y="1458383"/>
+            <a:ext cx="6228352" cy="646331"/>
+          </a:xfrm>
+          <a:prstGeom prst="rect">
+            <a:avLst/>
+          </a:prstGeom>
+          <a:noFill/>
+        </p:spPr>
+        <p:txBody>
+          <a:bodyPr wrap="square" rtlCol="0">
+            <a:spAutoFit/>
+          </a:bodyPr>
+          <a:lstStyle/>
+          <a:p>
+            <a:pPr algn="ctr"/>
+            <a:r>
+              <a:rPr lang="en-US" altLang="ko-KR" sz="3600" b="1" dirty="0">
+                <a:solidFill>
+                  <a:srgbClr val="002060"/>
+                </a:solidFill>
+              </a:rPr>
+              <a:t>IaaS </a:t>
+            </a:r>
+            <a:r>
+              <a:rPr lang="ko-KR" altLang="en-US" sz="3600" b="1" dirty="0">
+                <a:solidFill>
+                  <a:srgbClr val="002060"/>
+                </a:solidFill>
+              </a:rPr>
+              <a:t>특징</a:t>
+            </a:r>
+          </a:p>
+        </p:txBody>
+      </p:sp>
+      <p:sp>
+        <p:nvSpPr>
+          <p:cNvPr id="26" name="TextBox 25">
+            <a:extLst>
+              <a:ext uri="{FF2B5EF4-FFF2-40B4-BE49-F238E27FC236}">
+                <a16:creationId xmlns:a16="http://schemas.microsoft.com/office/drawing/2014/main" id="{88C54476-6A05-4F5F-82E7-ECBE33535667}"/>
+              </a:ext>
+            </a:extLst>
+          </p:cNvPr>
+          <p:cNvSpPr txBox="1"/>
+          <p:nvPr/>
+        </p:nvSpPr>
+        <p:spPr>
+          <a:xfrm>
+            <a:off x="1848766" y="2956141"/>
+            <a:ext cx="8632803" cy="2554545"/>
+          </a:xfrm>
+          <a:prstGeom prst="rect">
+            <a:avLst/>
+          </a:prstGeom>
+          <a:noFill/>
+        </p:spPr>
+        <p:txBody>
+          <a:bodyPr wrap="square">
+            <a:spAutoFit/>
+          </a:bodyPr>
+          <a:lstStyle/>
+          <a:p>
+            <a:pPr marL="342900" indent="-342900">
+              <a:buFontTx/>
+              <a:buChar char="-"/>
+            </a:pPr>
+            <a:r>
+              <a:rPr lang="ko-KR" altLang="en-US" sz="2000" b="0" i="0" dirty="0">
+                <a:solidFill>
+                  <a:srgbClr val="000000"/>
+                </a:solidFill>
+                <a:effectLst/>
+                <a:latin typeface="nsr"/>
+              </a:rPr>
+              <a:t>기존 서버 호스팅보다 </a:t>
+            </a:r>
+            <a:r>
+              <a:rPr lang="en-US" altLang="ko-KR" sz="2000" b="0" i="0" dirty="0">
+                <a:solidFill>
+                  <a:srgbClr val="000000"/>
+                </a:solidFill>
+                <a:effectLst/>
+                <a:latin typeface="nsr"/>
+              </a:rPr>
+              <a:t>H/W </a:t>
+            </a:r>
+            <a:r>
+              <a:rPr lang="ko-KR" altLang="en-US" sz="2000" b="0" i="0" dirty="0">
+                <a:solidFill>
+                  <a:srgbClr val="000000"/>
+                </a:solidFill>
+                <a:effectLst/>
+                <a:latin typeface="nsr"/>
+              </a:rPr>
+              <a:t>확장성이 좋고 탄력적이다</a:t>
+            </a:r>
+            <a:r>
+              <a:rPr lang="en-US" altLang="ko-KR" sz="2000" b="0" i="0" dirty="0">
+                <a:solidFill>
+                  <a:srgbClr val="000000"/>
+                </a:solidFill>
+                <a:effectLst/>
+                <a:latin typeface="nsr"/>
+              </a:rPr>
+              <a:t>.</a:t>
+            </a:r>
+          </a:p>
+          <a:p>
+            <a:pPr marL="342900" indent="-342900">
+              <a:buFontTx/>
+              <a:buChar char="-"/>
+            </a:pPr>
+            <a:r>
+              <a:rPr lang="ko-KR" altLang="en-US" sz="2000" b="0" i="0" dirty="0">
+                <a:solidFill>
+                  <a:srgbClr val="000000"/>
+                </a:solidFill>
+                <a:effectLst/>
+                <a:latin typeface="nsr"/>
+              </a:rPr>
+              <a:t>빠른 제공을 할 수 있는 가상화 기술을 이용한다</a:t>
+            </a:r>
+            <a:r>
+              <a:rPr lang="en-US" altLang="ko-KR" sz="2000" b="0" i="0" dirty="0">
+                <a:solidFill>
+                  <a:srgbClr val="000000"/>
+                </a:solidFill>
+                <a:effectLst/>
+                <a:latin typeface="nsr"/>
+              </a:rPr>
+              <a:t>.</a:t>
+            </a:r>
+          </a:p>
+          <a:p>
+            <a:pPr marL="342900" indent="-342900">
+              <a:buFontTx/>
+              <a:buChar char="-"/>
+            </a:pPr>
+            <a:r>
+              <a:rPr lang="en-US" altLang="ko-KR" sz="2000" b="0" i="0" dirty="0">
+                <a:solidFill>
+                  <a:srgbClr val="000000"/>
+                </a:solidFill>
+                <a:effectLst/>
+                <a:latin typeface="nsr"/>
+              </a:rPr>
+              <a:t>IaaS</a:t>
+            </a:r>
+            <a:r>
+              <a:rPr lang="ko-KR" altLang="en-US" sz="2000" b="0" i="0" dirty="0">
+                <a:solidFill>
+                  <a:srgbClr val="000000"/>
+                </a:solidFill>
+                <a:effectLst/>
+                <a:latin typeface="nsr"/>
+              </a:rPr>
+              <a:t>는 </a:t>
+            </a:r>
+            <a:r>
+              <a:rPr lang="en-US" altLang="ko-KR" sz="2000" b="0" i="0" dirty="0">
+                <a:solidFill>
+                  <a:srgbClr val="000000"/>
+                </a:solidFill>
+                <a:effectLst/>
+                <a:latin typeface="nsr"/>
+              </a:rPr>
+              <a:t>PaaS, SaaS</a:t>
+            </a:r>
+            <a:r>
+              <a:rPr lang="ko-KR" altLang="en-US" sz="2000" b="0" i="0" dirty="0">
+                <a:solidFill>
+                  <a:srgbClr val="000000"/>
+                </a:solidFill>
+                <a:effectLst/>
+                <a:latin typeface="nsr"/>
+              </a:rPr>
+              <a:t>의 기반이 되는 기술</a:t>
+            </a:r>
+            <a:r>
+              <a:rPr lang="ko-KR" altLang="en-US" sz="2000" dirty="0">
+                <a:solidFill>
+                  <a:srgbClr val="000000"/>
+                </a:solidFill>
+                <a:latin typeface="nsr"/>
+              </a:rPr>
+              <a:t>이다</a:t>
+            </a:r>
+            <a:r>
+              <a:rPr lang="en-US" altLang="ko-KR" sz="2000" dirty="0">
+                <a:solidFill>
+                  <a:srgbClr val="000000"/>
+                </a:solidFill>
+                <a:latin typeface="nsr"/>
+              </a:rPr>
+              <a:t>.</a:t>
+            </a:r>
+          </a:p>
+          <a:p>
+            <a:pPr marL="342900" indent="-342900">
+              <a:buFontTx/>
+              <a:buChar char="-"/>
+            </a:pPr>
+            <a:r>
+              <a:rPr lang="ko-KR" altLang="en-US" sz="2000" b="0" i="0" dirty="0">
+                <a:solidFill>
+                  <a:srgbClr val="000000"/>
+                </a:solidFill>
+                <a:effectLst/>
+                <a:latin typeface="nsr"/>
+              </a:rPr>
+              <a:t>기업은 </a:t>
+            </a:r>
+            <a:r>
+              <a:rPr lang="en-US" altLang="ko-KR" sz="2000" b="0" i="0" dirty="0">
+                <a:solidFill>
+                  <a:srgbClr val="000000"/>
+                </a:solidFill>
+                <a:effectLst/>
+                <a:latin typeface="nsr"/>
+              </a:rPr>
+              <a:t>IaaS</a:t>
+            </a:r>
+            <a:r>
+              <a:rPr lang="ko-KR" altLang="en-US" sz="2000" b="0" i="0" dirty="0">
+                <a:solidFill>
+                  <a:srgbClr val="000000"/>
+                </a:solidFill>
+                <a:effectLst/>
+                <a:latin typeface="nsr"/>
+              </a:rPr>
+              <a:t>를 통해 소프트웨어 라이선스와 서버 등 </a:t>
+            </a:r>
+            <a:r>
+              <a:rPr lang="en-US" altLang="ko-KR" sz="2000" b="0" i="0" dirty="0">
+                <a:solidFill>
+                  <a:srgbClr val="000000"/>
+                </a:solidFill>
+                <a:effectLst/>
+                <a:latin typeface="nsr"/>
+              </a:rPr>
+              <a:t>IT </a:t>
+            </a:r>
+            <a:r>
+              <a:rPr lang="ko-KR" altLang="en-US" sz="2000" b="0" i="0" dirty="0">
+                <a:solidFill>
+                  <a:srgbClr val="000000"/>
+                </a:solidFill>
+                <a:effectLst/>
+                <a:latin typeface="nsr"/>
+              </a:rPr>
+              <a:t>자산을 직접 소유하는 대신 필요에 따라 이들 리소스를 필요한 만큼 유연하게 대여할 수 있다</a:t>
+            </a:r>
+            <a:r>
+              <a:rPr lang="en-US" altLang="ko-KR" sz="2000" b="0" i="0" dirty="0">
+                <a:solidFill>
+                  <a:srgbClr val="000000"/>
+                </a:solidFill>
+                <a:effectLst/>
+                <a:latin typeface="nsr"/>
+              </a:rPr>
+              <a:t>.</a:t>
+            </a:r>
+          </a:p>
+          <a:p>
+            <a:pPr marL="342900" indent="-342900">
+              <a:buFontTx/>
+              <a:buChar char="-"/>
+            </a:pPr>
+            <a:r>
+              <a:rPr lang="ko-KR" altLang="en-US" sz="2000" b="0" i="0" dirty="0">
+                <a:solidFill>
+                  <a:srgbClr val="000000"/>
+                </a:solidFill>
+                <a:effectLst/>
+                <a:latin typeface="nsr"/>
+              </a:rPr>
+              <a:t>사용한 만큼의 비용을 지불한다</a:t>
+            </a:r>
+            <a:r>
+              <a:rPr lang="en-US" altLang="ko-KR" sz="2000" b="0" i="0" dirty="0">
+                <a:solidFill>
+                  <a:srgbClr val="000000"/>
+                </a:solidFill>
+                <a:effectLst/>
+                <a:latin typeface="nsr"/>
+              </a:rPr>
+              <a:t>. </a:t>
+            </a:r>
+          </a:p>
+          <a:p>
+            <a:pPr marL="342900" indent="-342900">
+              <a:buFontTx/>
+              <a:buChar char="-"/>
+            </a:pPr>
+            <a:r>
+              <a:rPr lang="en-US" altLang="ko-KR" sz="2000" b="0" i="0" dirty="0">
+                <a:solidFill>
+                  <a:srgbClr val="000000"/>
+                </a:solidFill>
+                <a:effectLst/>
+                <a:latin typeface="nsr"/>
+              </a:rPr>
+              <a:t>AWS, GCP, Azure </a:t>
+            </a:r>
+            <a:r>
+              <a:rPr lang="ko-KR" altLang="en-US" sz="2000" b="0" i="0" dirty="0">
+                <a:solidFill>
+                  <a:srgbClr val="000000"/>
+                </a:solidFill>
+                <a:effectLst/>
+                <a:latin typeface="nsr"/>
+              </a:rPr>
+              <a:t>등 클라우드 서비스를 하는 업체는 기존의 </a:t>
+            </a:r>
+            <a:r>
+              <a:rPr lang="en-US" altLang="ko-KR" sz="2000" b="0" i="0" dirty="0">
+                <a:solidFill>
+                  <a:srgbClr val="000000"/>
+                </a:solidFill>
+                <a:effectLst/>
+                <a:latin typeface="nsr"/>
+              </a:rPr>
+              <a:t>IaaS</a:t>
+            </a:r>
+            <a:r>
+              <a:rPr lang="ko-KR" altLang="en-US" sz="2000" b="0" i="0" dirty="0">
+                <a:solidFill>
+                  <a:srgbClr val="000000"/>
+                </a:solidFill>
+                <a:effectLst/>
+                <a:latin typeface="nsr"/>
+              </a:rPr>
+              <a:t>를 바탕으로 </a:t>
+            </a:r>
+            <a:r>
+              <a:rPr lang="en-US" altLang="ko-KR" sz="2000" b="0" i="0" dirty="0">
+                <a:solidFill>
+                  <a:srgbClr val="000000"/>
+                </a:solidFill>
+                <a:effectLst/>
+                <a:latin typeface="nsr"/>
+              </a:rPr>
+              <a:t>PaaS, SaaS</a:t>
+            </a:r>
+            <a:r>
+              <a:rPr lang="ko-KR" altLang="en-US" sz="2000" b="0" i="0" dirty="0">
+                <a:solidFill>
+                  <a:srgbClr val="000000"/>
+                </a:solidFill>
+                <a:effectLst/>
+                <a:latin typeface="nsr"/>
+              </a:rPr>
+              <a:t>로 확장</a:t>
+            </a:r>
+            <a:r>
+              <a:rPr lang="ko-KR" altLang="en-US" sz="2000" dirty="0">
+                <a:solidFill>
+                  <a:srgbClr val="000000"/>
+                </a:solidFill>
+                <a:latin typeface="nsr"/>
+              </a:rPr>
+              <a:t>된다</a:t>
+            </a:r>
+            <a:r>
+              <a:rPr lang="en-US" altLang="ko-KR" sz="2000" dirty="0">
+                <a:solidFill>
+                  <a:srgbClr val="000000"/>
+                </a:solidFill>
+                <a:latin typeface="nsr"/>
+              </a:rPr>
+              <a:t>. 	</a:t>
+            </a:r>
+            <a:endParaRPr lang="ko-KR" altLang="en-US" sz="2000" dirty="0">
+              <a:solidFill>
+                <a:schemeClr val="tx2">
+                  <a:lumMod val="50000"/>
+                </a:schemeClr>
+              </a:solidFill>
+            </a:endParaRPr>
+          </a:p>
+        </p:txBody>
+      </p:sp>
+    </p:spTree>
+    <p:extLst>
+      <p:ext uri="{BB962C8B-B14F-4D97-AF65-F5344CB8AC3E}">
+        <p14:creationId xmlns:p14="http://schemas.microsoft.com/office/powerpoint/2010/main" val="3448595778"/>
       </p:ext>
     </p:extLst>
   </p:cSld>
@@ -7540,7 +8877,7 @@
             <a:avLst/>
           </a:prstGeom>
           <a:solidFill>
-            <a:srgbClr val="94E7FF"/>
+            <a:schemeClr val="bg1"/>
           </a:solidFill>
           <a:ln>
             <a:solidFill>
@@ -7577,6 +8914,135 @@
           </a:p>
         </p:txBody>
       </p:sp>
+      <p:grpSp>
+        <p:nvGrpSpPr>
+          <p:cNvPr id="2" name="Group 1">
+            <a:extLst>
+              <a:ext uri="{FF2B5EF4-FFF2-40B4-BE49-F238E27FC236}">
+                <a16:creationId xmlns:a16="http://schemas.microsoft.com/office/drawing/2014/main" id="{A67ADE34-5F28-4133-B52D-F977242956C4}"/>
+              </a:ext>
+            </a:extLst>
+          </p:cNvPr>
+          <p:cNvGrpSpPr/>
+          <p:nvPr/>
+        </p:nvGrpSpPr>
+        <p:grpSpPr>
+          <a:xfrm>
+            <a:off x="8605930" y="-1689213"/>
+            <a:ext cx="5035047" cy="5439842"/>
+            <a:chOff x="3235570" y="-3567444"/>
+            <a:chExt cx="12442158" cy="11759505"/>
+          </a:xfrm>
+        </p:grpSpPr>
+        <p:sp>
+          <p:nvSpPr>
+            <p:cNvPr id="5" name="Oval 4">
+              <a:extLst>
+                <a:ext uri="{FF2B5EF4-FFF2-40B4-BE49-F238E27FC236}">
+                  <a16:creationId xmlns:a16="http://schemas.microsoft.com/office/drawing/2014/main" id="{2D45AA4D-C278-42CC-AB62-6BBE8954D134}"/>
+                </a:ext>
+              </a:extLst>
+            </p:cNvPr>
+            <p:cNvSpPr/>
+            <p:nvPr/>
+          </p:nvSpPr>
+          <p:spPr>
+            <a:xfrm>
+              <a:off x="3235570" y="-3567444"/>
+              <a:ext cx="10058399" cy="6103258"/>
+            </a:xfrm>
+            <a:prstGeom prst="ellipse">
+              <a:avLst/>
+            </a:prstGeom>
+            <a:solidFill>
+              <a:srgbClr val="C4F2FF"/>
+            </a:solidFill>
+            <a:ln>
+              <a:solidFill>
+                <a:srgbClr val="C5F2FF"/>
+              </a:solidFill>
+            </a:ln>
+          </p:spPr>
+          <p:style>
+            <a:lnRef idx="2">
+              <a:schemeClr val="accent1">
+                <a:shade val="50000"/>
+              </a:schemeClr>
+            </a:lnRef>
+            <a:fillRef idx="1">
+              <a:schemeClr val="accent1"/>
+            </a:fillRef>
+            <a:effectRef idx="0">
+              <a:schemeClr val="accent1"/>
+            </a:effectRef>
+            <a:fontRef idx="minor">
+              <a:schemeClr val="lt1"/>
+            </a:fontRef>
+          </p:style>
+          <p:txBody>
+            <a:bodyPr rtlCol="0" anchor="ctr"/>
+            <a:lstStyle/>
+            <a:p>
+              <a:pPr algn="ctr"/>
+              <a:endParaRPr lang="ko-KR" altLang="en-US"/>
+            </a:p>
+          </p:txBody>
+        </p:sp>
+        <p:sp>
+          <p:nvSpPr>
+            <p:cNvPr id="6" name="Oval 5">
+              <a:extLst>
+                <a:ext uri="{FF2B5EF4-FFF2-40B4-BE49-F238E27FC236}">
+                  <a16:creationId xmlns:a16="http://schemas.microsoft.com/office/drawing/2014/main" id="{BE489795-D155-4C5B-A3D5-196DA5B0CDDF}"/>
+                </a:ext>
+              </a:extLst>
+            </p:cNvPr>
+            <p:cNvSpPr/>
+            <p:nvPr/>
+          </p:nvSpPr>
+          <p:spPr>
+            <a:xfrm rot="3916682">
+              <a:off x="8743302" y="1257636"/>
+              <a:ext cx="7116069" cy="6752782"/>
+            </a:xfrm>
+            <a:prstGeom prst="ellipse">
+              <a:avLst/>
+            </a:prstGeom>
+            <a:solidFill>
+              <a:srgbClr val="C5F2FF"/>
+            </a:solidFill>
+            <a:ln>
+              <a:solidFill>
+                <a:srgbClr val="C5F2FF"/>
+              </a:solidFill>
+            </a:ln>
+          </p:spPr>
+          <p:style>
+            <a:lnRef idx="2">
+              <a:schemeClr val="accent1">
+                <a:shade val="50000"/>
+              </a:schemeClr>
+            </a:lnRef>
+            <a:fillRef idx="1">
+              <a:schemeClr val="accent1"/>
+            </a:fillRef>
+            <a:effectRef idx="0">
+              <a:schemeClr val="accent1"/>
+            </a:effectRef>
+            <a:fontRef idx="minor">
+              <a:schemeClr val="lt1"/>
+            </a:fontRef>
+          </p:style>
+          <p:txBody>
+            <a:bodyPr rtlCol="0" anchor="ctr"/>
+            <a:lstStyle/>
+            <a:p>
+              <a:pPr algn="ctr"/>
+              <a:endParaRPr lang="ko-KR" altLang="en-US"/>
+            </a:p>
+          </p:txBody>
+        </p:sp>
+      </p:grpSp>
       <p:pic>
         <p:nvPicPr>
           <p:cNvPr id="10" name="Picture 9" descr="Icon&#10;&#10;Description automatically generated">
@@ -7604,45 +9070,9 @@
           </a:stretch>
         </p:blipFill>
         <p:spPr>
-          <a:xfrm rot="3625353">
-            <a:off x="9014568" y="3925059"/>
-            <a:ext cx="1529634" cy="1446308"/>
-          </a:xfrm>
-          <a:prstGeom prst="rect">
-            <a:avLst/>
-          </a:prstGeom>
-        </p:spPr>
-      </p:pic>
-      <p:pic>
-        <p:nvPicPr>
-          <p:cNvPr id="16" name="Picture 15">
-            <a:extLst>
-              <a:ext uri="{FF2B5EF4-FFF2-40B4-BE49-F238E27FC236}">
-                <a16:creationId xmlns:a16="http://schemas.microsoft.com/office/drawing/2014/main" id="{35F38953-2153-4FDF-9DB9-B177A993A747}"/>
-              </a:ext>
-            </a:extLst>
-          </p:cNvPr>
-          <p:cNvPicPr>
-            <a:picLocks noChangeAspect="1"/>
-          </p:cNvPicPr>
-          <p:nvPr/>
-        </p:nvPicPr>
-        <p:blipFill>
-          <a:blip r:embed="rId3">
-            <a:extLst>
-              <a:ext uri="{28A0092B-C50C-407E-A947-70E740481C1C}">
-                <a14:useLocalDpi xmlns:a14="http://schemas.microsoft.com/office/drawing/2010/main" val="0"/>
-              </a:ext>
-            </a:extLst>
-          </a:blip>
-          <a:stretch>
-            <a:fillRect/>
-          </a:stretch>
-        </p:blipFill>
-        <p:spPr>
-          <a:xfrm>
-            <a:off x="6556467" y="1661090"/>
-            <a:ext cx="1695450" cy="438150"/>
+          <a:xfrm>
+            <a:off x="11027002" y="421535"/>
+            <a:ext cx="827368" cy="782298"/>
           </a:xfrm>
           <a:prstGeom prst="rect">
             <a:avLst/>
@@ -7663,106 +9093,33 @@
           </p:cNvPicPr>
           <p:nvPr/>
         </p:nvPicPr>
-        <p:blipFill>
-          <a:blip r:embed="rId4">
+        <p:blipFill rotWithShape="1">
+          <a:blip r:embed="rId3">
             <a:extLst>
               <a:ext uri="{28A0092B-C50C-407E-A947-70E740481C1C}">
                 <a14:useLocalDpi xmlns:a14="http://schemas.microsoft.com/office/drawing/2010/main" val="0"/>
               </a:ext>
             </a:extLst>
           </a:blip>
-          <a:stretch>
-            <a:fillRect/>
-          </a:stretch>
+          <a:srcRect l="27712" t="22653"/>
+          <a:stretch/>
         </p:blipFill>
         <p:spPr>
           <a:xfrm>
-            <a:off x="-151076" y="2470007"/>
-            <a:ext cx="3425053" cy="885126"/>
+            <a:off x="11241572" y="1550931"/>
+            <a:ext cx="1225596" cy="338892"/>
           </a:xfrm>
           <a:prstGeom prst="rect">
             <a:avLst/>
           </a:prstGeom>
         </p:spPr>
       </p:pic>
-      <p:pic>
-        <p:nvPicPr>
-          <p:cNvPr id="19" name="Picture 18">
-            <a:extLst>
-              <a:ext uri="{FF2B5EF4-FFF2-40B4-BE49-F238E27FC236}">
-                <a16:creationId xmlns:a16="http://schemas.microsoft.com/office/drawing/2014/main" id="{FA59CFD3-3C2A-4E3A-B7D1-F7D6B8B73BCF}"/>
-              </a:ext>
-            </a:extLst>
-          </p:cNvPr>
-          <p:cNvPicPr>
-            <a:picLocks noChangeAspect="1"/>
-          </p:cNvPicPr>
-          <p:nvPr/>
-        </p:nvPicPr>
-        <p:blipFill>
-          <a:blip r:embed="rId3">
-            <a:extLst>
-              <a:ext uri="{28A0092B-C50C-407E-A947-70E740481C1C}">
-                <a14:useLocalDpi xmlns:a14="http://schemas.microsoft.com/office/drawing/2010/main" val="0"/>
-              </a:ext>
-            </a:extLst>
-          </a:blip>
-          <a:stretch>
-            <a:fillRect/>
-          </a:stretch>
-        </p:blipFill>
-        <p:spPr>
-          <a:xfrm>
-            <a:off x="7033846" y="4977835"/>
-            <a:ext cx="1695450" cy="438150"/>
-          </a:xfrm>
-          <a:prstGeom prst="rect">
-            <a:avLst/>
-          </a:prstGeom>
-        </p:spPr>
-      </p:pic>
-      <p:pic>
-        <p:nvPicPr>
-          <p:cNvPr id="20" name="Picture 19">
-            <a:extLst>
-              <a:ext uri="{FF2B5EF4-FFF2-40B4-BE49-F238E27FC236}">
-                <a16:creationId xmlns:a16="http://schemas.microsoft.com/office/drawing/2014/main" id="{7A3297FF-FC9B-4BDD-A979-AA8B9B1D5D6D}"/>
-              </a:ext>
-            </a:extLst>
-          </p:cNvPr>
-          <p:cNvPicPr>
-            <a:picLocks noChangeAspect="1"/>
-          </p:cNvPicPr>
-          <p:nvPr/>
-        </p:nvPicPr>
-        <p:blipFill>
-          <a:blip r:embed="rId4">
-            <a:extLst>
-              <a:ext uri="{28A0092B-C50C-407E-A947-70E740481C1C}">
-                <a14:useLocalDpi xmlns:a14="http://schemas.microsoft.com/office/drawing/2010/main" val="0"/>
-              </a:ext>
-            </a:extLst>
-          </a:blip>
-          <a:stretch>
-            <a:fillRect/>
-          </a:stretch>
-        </p:blipFill>
-        <p:spPr>
-          <a:xfrm>
-            <a:off x="10785963" y="2139519"/>
-            <a:ext cx="1695450" cy="438150"/>
-          </a:xfrm>
-          <a:prstGeom prst="rect">
-            <a:avLst/>
-          </a:prstGeom>
-        </p:spPr>
-      </p:pic>
-      <p:sp>
-        <p:nvSpPr>
-          <p:cNvPr id="21" name="Rectangle 20">
-            <a:extLst>
-              <a:ext uri="{FF2B5EF4-FFF2-40B4-BE49-F238E27FC236}">
-                <a16:creationId xmlns:a16="http://schemas.microsoft.com/office/drawing/2014/main" id="{C5724416-4CEB-460D-8A2C-78B9F3A86F11}"/>
+      <p:sp>
+        <p:nvSpPr>
+          <p:cNvPr id="24" name="Rectangle 23">
+            <a:extLst>
+              <a:ext uri="{FF2B5EF4-FFF2-40B4-BE49-F238E27FC236}">
+                <a16:creationId xmlns:a16="http://schemas.microsoft.com/office/drawing/2014/main" id="{24DF9C13-7972-4E98-9BA8-7AA40834764C}"/>
               </a:ext>
             </a:extLst>
           </p:cNvPr>
@@ -7771,7 +9128,7 @@
         </p:nvSpPr>
         <p:spPr>
           <a:xfrm>
-            <a:off x="-398585" y="-15240"/>
+            <a:off x="-398585" y="6738251"/>
             <a:ext cx="14864862" cy="139241"/>
           </a:xfrm>
           <a:prstGeom prst="rect">
@@ -7813,10 +9170,10 @@
       </p:sp>
       <p:sp>
         <p:nvSpPr>
-          <p:cNvPr id="24" name="Rectangle 23">
-            <a:extLst>
-              <a:ext uri="{FF2B5EF4-FFF2-40B4-BE49-F238E27FC236}">
-                <a16:creationId xmlns:a16="http://schemas.microsoft.com/office/drawing/2014/main" id="{24DF9C13-7972-4E98-9BA8-7AA40834764C}"/>
+          <p:cNvPr id="25" name="Rectangle 24">
+            <a:extLst>
+              <a:ext uri="{FF2B5EF4-FFF2-40B4-BE49-F238E27FC236}">
+                <a16:creationId xmlns:a16="http://schemas.microsoft.com/office/drawing/2014/main" id="{A3C4CEC3-FE2E-40C1-A57C-CBEBC27786AC}"/>
               </a:ext>
             </a:extLst>
           </p:cNvPr>
@@ -7825,8 +9182,8 @@
         </p:nvSpPr>
         <p:spPr>
           <a:xfrm>
-            <a:off x="-398585" y="6738251"/>
-            <a:ext cx="14864862" cy="139241"/>
+            <a:off x="12053662" y="-662354"/>
+            <a:ext cx="138338" cy="8182708"/>
           </a:xfrm>
           <a:prstGeom prst="rect">
             <a:avLst/>
@@ -7861,16 +9218,112 @@
           <a:lstStyle/>
           <a:p>
             <a:pPr algn="ctr"/>
-            <a:endParaRPr lang="ko-KR" altLang="en-US" dirty="0"/>
-          </a:p>
-        </p:txBody>
-      </p:sp>
-      <p:sp>
-        <p:nvSpPr>
-          <p:cNvPr id="3" name="Oval 2">
-            <a:extLst>
-              <a:ext uri="{FF2B5EF4-FFF2-40B4-BE49-F238E27FC236}">
-                <a16:creationId xmlns:a16="http://schemas.microsoft.com/office/drawing/2014/main" id="{8BB955EF-2245-4D8A-A8CA-84E7503E52CE}"/>
+            <a:endParaRPr lang="ko-KR" altLang="en-US"/>
+          </a:p>
+        </p:txBody>
+      </p:sp>
+      <p:pic>
+        <p:nvPicPr>
+          <p:cNvPr id="22" name="Picture 21">
+            <a:extLst>
+              <a:ext uri="{FF2B5EF4-FFF2-40B4-BE49-F238E27FC236}">
+                <a16:creationId xmlns:a16="http://schemas.microsoft.com/office/drawing/2014/main" id="{B95D3687-FEFA-4FB1-8CD2-32F1CD827AC6}"/>
+              </a:ext>
+            </a:extLst>
+          </p:cNvPr>
+          <p:cNvPicPr>
+            <a:picLocks noChangeAspect="1"/>
+          </p:cNvPicPr>
+          <p:nvPr/>
+        </p:nvPicPr>
+        <p:blipFill rotWithShape="1">
+          <a:blip r:embed="rId3">
+            <a:extLst>
+              <a:ext uri="{28A0092B-C50C-407E-A947-70E740481C1C}">
+                <a14:useLocalDpi xmlns:a14="http://schemas.microsoft.com/office/drawing/2010/main" val="0"/>
+              </a:ext>
+            </a:extLst>
+          </a:blip>
+          <a:srcRect l="46593"/>
+          <a:stretch/>
+        </p:blipFill>
+        <p:spPr>
+          <a:xfrm>
+            <a:off x="138337" y="-307655"/>
+            <a:ext cx="3123694" cy="1511488"/>
+          </a:xfrm>
+          <a:prstGeom prst="rect">
+            <a:avLst/>
+          </a:prstGeom>
+        </p:spPr>
+      </p:pic>
+      <p:sp>
+        <p:nvSpPr>
+          <p:cNvPr id="17" name="TextBox 16">
+            <a:extLst>
+              <a:ext uri="{FF2B5EF4-FFF2-40B4-BE49-F238E27FC236}">
+                <a16:creationId xmlns:a16="http://schemas.microsoft.com/office/drawing/2014/main" id="{71783915-C5EA-48D9-8632-59A9878C90B9}"/>
+              </a:ext>
+            </a:extLst>
+          </p:cNvPr>
+          <p:cNvSpPr txBox="1"/>
+          <p:nvPr/>
+        </p:nvSpPr>
+        <p:spPr>
+          <a:xfrm>
+            <a:off x="973798" y="340751"/>
+            <a:ext cx="1749936" cy="646331"/>
+          </a:xfrm>
+          <a:prstGeom prst="rect">
+            <a:avLst/>
+          </a:prstGeom>
+          <a:noFill/>
+        </p:spPr>
+        <p:txBody>
+          <a:bodyPr wrap="square" rtlCol="0">
+            <a:spAutoFit/>
+          </a:bodyPr>
+          <a:lstStyle/>
+          <a:p>
+            <a:pPr algn="ctr"/>
+            <a:r>
+              <a:rPr lang="en-US" altLang="ko-KR" sz="3600" b="1" dirty="0">
+                <a:solidFill>
+                  <a:srgbClr val="002060"/>
+                </a:solidFill>
+              </a:rPr>
+              <a:t>PaaS</a:t>
+            </a:r>
+            <a:r>
+              <a:rPr lang="ko-KR" altLang="en-US" sz="3600" b="1" dirty="0">
+                <a:solidFill>
+                  <a:srgbClr val="002060"/>
+                </a:solidFill>
+              </a:rPr>
+              <a:t>란</a:t>
+            </a:r>
+            <a:r>
+              <a:rPr lang="en-US" altLang="ko-KR" sz="3600" b="1" dirty="0">
+                <a:solidFill>
+                  <a:srgbClr val="002060"/>
+                </a:solidFill>
+              </a:rPr>
+              <a:t> </a:t>
+            </a:r>
+            <a:endParaRPr lang="ko-KR" altLang="en-US" sz="3600" b="1" dirty="0">
+              <a:solidFill>
+                <a:srgbClr val="002060"/>
+              </a:solidFill>
+            </a:endParaRPr>
+          </a:p>
+        </p:txBody>
+      </p:sp>
+      <p:sp>
+        <p:nvSpPr>
+          <p:cNvPr id="21" name="Rectangle 20">
+            <a:extLst>
+              <a:ext uri="{FF2B5EF4-FFF2-40B4-BE49-F238E27FC236}">
+                <a16:creationId xmlns:a16="http://schemas.microsoft.com/office/drawing/2014/main" id="{C5724416-4CEB-460D-8A2C-78B9F3A86F11}"/>
               </a:ext>
             </a:extLst>
           </p:cNvPr>
@@ -7879,14 +9332,14 @@
         </p:nvSpPr>
         <p:spPr>
           <a:xfrm>
-            <a:off x="2410172" y="2842783"/>
-            <a:ext cx="7509991" cy="1176686"/>
-          </a:xfrm>
-          <a:prstGeom prst="ellipse">
+            <a:off x="-398585" y="-15240"/>
+            <a:ext cx="14864862" cy="139241"/>
+          </a:xfrm>
+          <a:prstGeom prst="rect">
             <a:avLst/>
           </a:prstGeom>
           <a:solidFill>
-            <a:schemeClr val="bg1"/>
+            <a:srgbClr val="94E7FF"/>
           </a:solidFill>
           <a:ln>
             <a:solidFill>
@@ -7915,22 +9368,2991 @@
           <a:lstStyle/>
           <a:p>
             <a:pPr algn="ctr"/>
-            <a:r>
-              <a:rPr lang="ko-KR" altLang="en-US" sz="4000" dirty="0">
-                <a:solidFill>
-                  <a:srgbClr val="94E7FF"/>
-                </a:solidFill>
-                <a:latin typeface="+mj-lt"/>
-              </a:rPr>
-              <a:t>다음 강의에서 만나요</a:t>
-            </a:r>
+            <a:endParaRPr lang="ko-KR" altLang="en-US" dirty="0"/>
+          </a:p>
+        </p:txBody>
+      </p:sp>
+      <p:sp>
+        <p:nvSpPr>
+          <p:cNvPr id="23" name="TextBox 22">
+            <a:extLst>
+              <a:ext uri="{FF2B5EF4-FFF2-40B4-BE49-F238E27FC236}">
+                <a16:creationId xmlns:a16="http://schemas.microsoft.com/office/drawing/2014/main" id="{7237A8F3-492C-41C4-838E-8139D2B0DE45}"/>
+              </a:ext>
+            </a:extLst>
+          </p:cNvPr>
+          <p:cNvSpPr txBox="1"/>
+          <p:nvPr/>
+        </p:nvSpPr>
+        <p:spPr>
+          <a:xfrm>
+            <a:off x="3050992" y="1458383"/>
+            <a:ext cx="6228352" cy="646331"/>
+          </a:xfrm>
+          <a:prstGeom prst="rect">
+            <a:avLst/>
+          </a:prstGeom>
+          <a:noFill/>
+        </p:spPr>
+        <p:txBody>
+          <a:bodyPr wrap="square" rtlCol="0">
+            <a:spAutoFit/>
+          </a:bodyPr>
+          <a:lstStyle/>
+          <a:p>
+            <a:pPr algn="ctr"/>
+            <a:r>
+              <a:rPr lang="en-US" altLang="ko-KR" sz="3600" b="1" dirty="0">
+                <a:solidFill>
+                  <a:srgbClr val="002060"/>
+                </a:solidFill>
+              </a:rPr>
+              <a:t>Platform as a Service</a:t>
+            </a:r>
+            <a:endParaRPr lang="ko-KR" altLang="en-US" sz="3600" b="1" dirty="0">
+              <a:solidFill>
+                <a:srgbClr val="002060"/>
+              </a:solidFill>
+            </a:endParaRPr>
+          </a:p>
+        </p:txBody>
+      </p:sp>
+      <p:sp>
+        <p:nvSpPr>
+          <p:cNvPr id="26" name="TextBox 25">
+            <a:extLst>
+              <a:ext uri="{FF2B5EF4-FFF2-40B4-BE49-F238E27FC236}">
+                <a16:creationId xmlns:a16="http://schemas.microsoft.com/office/drawing/2014/main" id="{88C54476-6A05-4F5F-82E7-ECBE33535667}"/>
+              </a:ext>
+            </a:extLst>
+          </p:cNvPr>
+          <p:cNvSpPr txBox="1"/>
+          <p:nvPr/>
+        </p:nvSpPr>
+        <p:spPr>
+          <a:xfrm>
+            <a:off x="1848766" y="2956141"/>
+            <a:ext cx="9720570" cy="1015663"/>
+          </a:xfrm>
+          <a:prstGeom prst="rect">
+            <a:avLst/>
+          </a:prstGeom>
+          <a:noFill/>
+        </p:spPr>
+        <p:txBody>
+          <a:bodyPr wrap="square">
+            <a:spAutoFit/>
+          </a:bodyPr>
+          <a:lstStyle/>
+          <a:p>
+            <a:r>
+              <a:rPr lang="en-US" altLang="ko-KR" sz="2000" b="0" i="0" dirty="0">
+                <a:solidFill>
+                  <a:schemeClr val="tx2">
+                    <a:lumMod val="50000"/>
+                  </a:schemeClr>
+                </a:solidFill>
+                <a:effectLst/>
+              </a:rPr>
+              <a:t>: </a:t>
+            </a:r>
+            <a:r>
+              <a:rPr lang="ko-KR" altLang="en-US" sz="2000" b="0" i="0" dirty="0">
+                <a:solidFill>
+                  <a:schemeClr val="tx2">
+                    <a:lumMod val="50000"/>
+                  </a:schemeClr>
+                </a:solidFill>
+                <a:effectLst/>
+              </a:rPr>
+              <a:t> </a:t>
+            </a:r>
+            <a:r>
+              <a:rPr lang="ko-KR" altLang="en-US" sz="2000" b="0" i="0" dirty="0">
+                <a:solidFill>
+                  <a:srgbClr val="000000"/>
+                </a:solidFill>
+                <a:effectLst/>
+                <a:latin typeface="nsr"/>
+              </a:rPr>
+              <a:t>서비스를 개발 할 수 </a:t>
+            </a:r>
+            <a:r>
+              <a:rPr lang="ko-KR" altLang="en-US" sz="2000" dirty="0">
+                <a:solidFill>
+                  <a:srgbClr val="000000"/>
+                </a:solidFill>
+                <a:latin typeface="nsr"/>
+              </a:rPr>
+              <a:t>있</a:t>
+            </a:r>
+            <a:r>
+              <a:rPr lang="ko-KR" altLang="en-US" sz="2000" b="0" i="0" dirty="0">
+                <a:solidFill>
+                  <a:srgbClr val="000000"/>
+                </a:solidFill>
+                <a:effectLst/>
+                <a:latin typeface="nsr"/>
+              </a:rPr>
+              <a:t>는 안정적인 환경과 그 환경을 이용하는 응용프로그램 개발</a:t>
+            </a:r>
+            <a:endParaRPr lang="en-US" altLang="ko-KR" sz="2000" b="0" i="0" dirty="0">
+              <a:solidFill>
+                <a:srgbClr val="000000"/>
+              </a:solidFill>
+              <a:effectLst/>
+              <a:latin typeface="nsr"/>
+            </a:endParaRPr>
+          </a:p>
+          <a:p>
+            <a:r>
+              <a:rPr lang="en-US" altLang="ko-KR" sz="2000" dirty="0">
+                <a:solidFill>
+                  <a:srgbClr val="000000"/>
+                </a:solidFill>
+                <a:latin typeface="nsr"/>
+              </a:rPr>
+              <a:t>    </a:t>
+            </a:r>
+            <a:r>
+              <a:rPr lang="ko-KR" altLang="en-US" sz="2000" b="0" i="0" dirty="0">
+                <a:solidFill>
+                  <a:srgbClr val="000000"/>
+                </a:solidFill>
+                <a:effectLst/>
+                <a:latin typeface="nsr"/>
+              </a:rPr>
+              <a:t>을 위한 </a:t>
+            </a:r>
+            <a:r>
+              <a:rPr lang="en-US" altLang="ko-KR" sz="2000" b="0" i="0" dirty="0">
+                <a:solidFill>
+                  <a:srgbClr val="000000"/>
+                </a:solidFill>
+                <a:effectLst/>
+                <a:latin typeface="nsr"/>
+              </a:rPr>
+              <a:t>API </a:t>
+            </a:r>
+            <a:r>
+              <a:rPr lang="ko-KR" altLang="en-US" sz="2000" b="0" i="0" dirty="0">
+                <a:solidFill>
+                  <a:srgbClr val="000000"/>
+                </a:solidFill>
+                <a:effectLst/>
+                <a:latin typeface="nsr"/>
+              </a:rPr>
+              <a:t>제공하는 것</a:t>
+            </a:r>
+            <a:endParaRPr lang="en-US" altLang="ko-KR" sz="2000" b="0" i="0" dirty="0">
+              <a:solidFill>
+                <a:srgbClr val="000000"/>
+              </a:solidFill>
+              <a:effectLst/>
+              <a:latin typeface="nsr"/>
+            </a:endParaRPr>
+          </a:p>
+          <a:p>
+            <a:r>
+              <a:rPr lang="en-US" altLang="ko-KR" sz="2000" dirty="0">
+                <a:solidFill>
+                  <a:srgbClr val="000000"/>
+                </a:solidFill>
+                <a:latin typeface="nsr"/>
+              </a:rPr>
+              <a:t>- </a:t>
+            </a:r>
+            <a:r>
+              <a:rPr lang="ko-KR" altLang="en-US" sz="2000" dirty="0">
+                <a:solidFill>
+                  <a:srgbClr val="000000"/>
+                </a:solidFill>
+                <a:latin typeface="nsr"/>
+              </a:rPr>
+              <a:t>포함되는 것</a:t>
+            </a:r>
+            <a:r>
+              <a:rPr lang="en-US" altLang="ko-KR" sz="2000" dirty="0">
+                <a:solidFill>
+                  <a:srgbClr val="000000"/>
+                </a:solidFill>
+                <a:latin typeface="nsr"/>
+              </a:rPr>
+              <a:t>: </a:t>
+            </a:r>
+            <a:r>
+              <a:rPr lang="ko-KR" altLang="en-US" sz="2000" dirty="0">
+                <a:solidFill>
+                  <a:srgbClr val="000000"/>
+                </a:solidFill>
+                <a:latin typeface="nsr"/>
+              </a:rPr>
+              <a:t> </a:t>
+            </a:r>
+            <a:r>
+              <a:rPr lang="en-US" altLang="ko-KR" sz="2000" dirty="0">
+                <a:solidFill>
+                  <a:srgbClr val="000000"/>
+                </a:solidFill>
+                <a:latin typeface="nsr"/>
+              </a:rPr>
+              <a:t>IaaS</a:t>
+            </a:r>
+            <a:r>
+              <a:rPr lang="ko-KR" altLang="en-US" sz="2000" dirty="0">
+                <a:solidFill>
+                  <a:srgbClr val="000000"/>
+                </a:solidFill>
+                <a:latin typeface="nsr"/>
+              </a:rPr>
+              <a:t>를 포함</a:t>
+            </a:r>
+            <a:r>
+              <a:rPr lang="en-US" altLang="ko-KR" sz="2000" dirty="0">
+                <a:solidFill>
+                  <a:srgbClr val="000000"/>
+                </a:solidFill>
+                <a:latin typeface="nsr"/>
+              </a:rPr>
+              <a:t>, </a:t>
+            </a:r>
+            <a:r>
+              <a:rPr lang="ko-KR" altLang="en-US" sz="2000" dirty="0">
+                <a:solidFill>
+                  <a:srgbClr val="000000"/>
+                </a:solidFill>
+                <a:latin typeface="nsr"/>
+              </a:rPr>
+              <a:t>미들웨어와 데이터베이스 관리</a:t>
+            </a:r>
+            <a:r>
+              <a:rPr lang="en-US" altLang="ko-KR" sz="2000" dirty="0">
+                <a:solidFill>
+                  <a:srgbClr val="000000"/>
+                </a:solidFill>
+                <a:latin typeface="nsr"/>
+              </a:rPr>
+              <a:t>, </a:t>
+            </a:r>
+            <a:r>
+              <a:rPr lang="ko-KR" altLang="en-US" sz="2000" dirty="0" err="1">
+                <a:solidFill>
+                  <a:srgbClr val="000000"/>
+                </a:solidFill>
+                <a:latin typeface="nsr"/>
+              </a:rPr>
+              <a:t>애널리틱스</a:t>
+            </a:r>
+            <a:r>
+              <a:rPr lang="en-US" altLang="ko-KR" sz="2000" dirty="0">
+                <a:solidFill>
+                  <a:srgbClr val="000000"/>
+                </a:solidFill>
+                <a:latin typeface="nsr"/>
+              </a:rPr>
+              <a:t>, </a:t>
+            </a:r>
+            <a:r>
+              <a:rPr lang="ko-KR" altLang="en-US" sz="2000" dirty="0">
+                <a:solidFill>
+                  <a:srgbClr val="000000"/>
+                </a:solidFill>
+                <a:latin typeface="nsr"/>
+              </a:rPr>
+              <a:t>운영체제 등</a:t>
+            </a:r>
+            <a:endParaRPr lang="ko-KR" altLang="en-US" sz="2000" dirty="0">
+              <a:solidFill>
+                <a:schemeClr val="tx2">
+                  <a:lumMod val="50000"/>
+                </a:schemeClr>
+              </a:solidFill>
+            </a:endParaRPr>
           </a:p>
         </p:txBody>
       </p:sp>
     </p:spTree>
     <p:extLst>
       <p:ext uri="{BB962C8B-B14F-4D97-AF65-F5344CB8AC3E}">
-        <p14:creationId xmlns:p14="http://schemas.microsoft.com/office/powerpoint/2010/main" val="1172377075"/>
+        <p14:creationId xmlns:p14="http://schemas.microsoft.com/office/powerpoint/2010/main" val="3976557069"/>
+      </p:ext>
+    </p:extLst>
+  </p:cSld>
+  <p:clrMapOvr>
+    <a:masterClrMapping/>
+  </p:clrMapOvr>
+</p:sld>
+</file>
+
+<file path=ppt/slides/slide7.xml><?xml version="1.0" encoding="utf-8"?>
+<p:sld xmlns:a="http://schemas.openxmlformats.org/drawingml/2006/main" xmlns:r="http://schemas.openxmlformats.org/officeDocument/2006/relationships" xmlns:p="http://schemas.openxmlformats.org/presentationml/2006/main">
+  <p:cSld>
+    <p:spTree>
+      <p:nvGrpSpPr>
+        <p:cNvPr id="1" name=""/>
+        <p:cNvGrpSpPr/>
+        <p:nvPr/>
+      </p:nvGrpSpPr>
+      <p:grpSpPr>
+        <a:xfrm>
+          <a:off x="0" y="0"/>
+          <a:ext cx="0" cy="0"/>
+          <a:chOff x="0" y="0"/>
+          <a:chExt cx="0" cy="0"/>
+        </a:xfrm>
+      </p:grpSpPr>
+      <p:sp>
+        <p:nvSpPr>
+          <p:cNvPr id="7" name="Rectangle 6">
+            <a:extLst>
+              <a:ext uri="{FF2B5EF4-FFF2-40B4-BE49-F238E27FC236}">
+                <a16:creationId xmlns:a16="http://schemas.microsoft.com/office/drawing/2014/main" id="{506921A9-272F-4AD5-B7EA-F493894E9082}"/>
+              </a:ext>
+            </a:extLst>
+          </p:cNvPr>
+          <p:cNvSpPr/>
+          <p:nvPr/>
+        </p:nvSpPr>
+        <p:spPr>
+          <a:xfrm>
+            <a:off x="0" y="-9965"/>
+            <a:ext cx="12192000" cy="6867965"/>
+          </a:xfrm>
+          <a:prstGeom prst="rect">
+            <a:avLst/>
+          </a:prstGeom>
+          <a:solidFill>
+            <a:srgbClr val="94E7FF"/>
+          </a:solidFill>
+          <a:ln>
+            <a:solidFill>
+              <a:srgbClr val="90E7FF"/>
+            </a:solidFill>
+          </a:ln>
+        </p:spPr>
+        <p:style>
+          <a:lnRef idx="2">
+            <a:schemeClr val="accent1">
+              <a:shade val="50000"/>
+            </a:schemeClr>
+          </a:lnRef>
+          <a:fillRef idx="1">
+            <a:schemeClr val="accent1"/>
+          </a:fillRef>
+          <a:effectRef idx="0">
+            <a:schemeClr val="accent1"/>
+          </a:effectRef>
+          <a:fontRef idx="minor">
+            <a:schemeClr val="lt1"/>
+          </a:fontRef>
+        </p:style>
+        <p:txBody>
+          <a:bodyPr rtlCol="0" anchor="ctr"/>
+          <a:lstStyle/>
+          <a:p>
+            <a:pPr algn="ctr"/>
+            <a:endParaRPr lang="ko-KR" altLang="en-US"/>
+          </a:p>
+        </p:txBody>
+      </p:sp>
+      <p:sp>
+        <p:nvSpPr>
+          <p:cNvPr id="8" name="Rectangle 7">
+            <a:extLst>
+              <a:ext uri="{FF2B5EF4-FFF2-40B4-BE49-F238E27FC236}">
+                <a16:creationId xmlns:a16="http://schemas.microsoft.com/office/drawing/2014/main" id="{C8F26D29-CFC0-4BAB-BFD2-B193E1D68BA9}"/>
+              </a:ext>
+            </a:extLst>
+          </p:cNvPr>
+          <p:cNvSpPr/>
+          <p:nvPr/>
+        </p:nvSpPr>
+        <p:spPr>
+          <a:xfrm>
+            <a:off x="138337" y="129274"/>
+            <a:ext cx="12053663" cy="6589485"/>
+          </a:xfrm>
+          <a:prstGeom prst="rect">
+            <a:avLst/>
+          </a:prstGeom>
+          <a:solidFill>
+            <a:schemeClr val="bg1"/>
+          </a:solidFill>
+          <a:ln>
+            <a:solidFill>
+              <a:srgbClr val="94E7FF"/>
+            </a:solidFill>
+          </a:ln>
+        </p:spPr>
+        <p:style>
+          <a:lnRef idx="2">
+            <a:schemeClr val="accent1">
+              <a:shade val="50000"/>
+            </a:schemeClr>
+          </a:lnRef>
+          <a:fillRef idx="1">
+            <a:schemeClr val="accent1"/>
+          </a:fillRef>
+          <a:effectRef idx="0">
+            <a:schemeClr val="accent1"/>
+          </a:effectRef>
+          <a:fontRef idx="minor">
+            <a:schemeClr val="lt1"/>
+          </a:fontRef>
+        </p:style>
+        <p:txBody>
+          <a:bodyPr rtlCol="0" anchor="ctr"/>
+          <a:lstStyle/>
+          <a:p>
+            <a:pPr algn="ctr"/>
+            <a:r>
+              <a:rPr lang="en-US" altLang="ko-KR" dirty="0"/>
+              <a:t>      </a:t>
+            </a:r>
+            <a:endParaRPr lang="ko-KR" altLang="en-US" dirty="0"/>
+          </a:p>
+        </p:txBody>
+      </p:sp>
+      <p:grpSp>
+        <p:nvGrpSpPr>
+          <p:cNvPr id="2" name="Group 1">
+            <a:extLst>
+              <a:ext uri="{FF2B5EF4-FFF2-40B4-BE49-F238E27FC236}">
+                <a16:creationId xmlns:a16="http://schemas.microsoft.com/office/drawing/2014/main" id="{A67ADE34-5F28-4133-B52D-F977242956C4}"/>
+              </a:ext>
+            </a:extLst>
+          </p:cNvPr>
+          <p:cNvGrpSpPr/>
+          <p:nvPr/>
+        </p:nvGrpSpPr>
+        <p:grpSpPr>
+          <a:xfrm>
+            <a:off x="8605930" y="-1689213"/>
+            <a:ext cx="5035047" cy="5439842"/>
+            <a:chOff x="3235570" y="-3567444"/>
+            <a:chExt cx="12442158" cy="11759505"/>
+          </a:xfrm>
+        </p:grpSpPr>
+        <p:sp>
+          <p:nvSpPr>
+            <p:cNvPr id="5" name="Oval 4">
+              <a:extLst>
+                <a:ext uri="{FF2B5EF4-FFF2-40B4-BE49-F238E27FC236}">
+                  <a16:creationId xmlns:a16="http://schemas.microsoft.com/office/drawing/2014/main" id="{2D45AA4D-C278-42CC-AB62-6BBE8954D134}"/>
+                </a:ext>
+              </a:extLst>
+            </p:cNvPr>
+            <p:cNvSpPr/>
+            <p:nvPr/>
+          </p:nvSpPr>
+          <p:spPr>
+            <a:xfrm>
+              <a:off x="3235570" y="-3567444"/>
+              <a:ext cx="10058399" cy="6103258"/>
+            </a:xfrm>
+            <a:prstGeom prst="ellipse">
+              <a:avLst/>
+            </a:prstGeom>
+            <a:solidFill>
+              <a:srgbClr val="C4F2FF"/>
+            </a:solidFill>
+            <a:ln>
+              <a:solidFill>
+                <a:srgbClr val="C5F2FF"/>
+              </a:solidFill>
+            </a:ln>
+          </p:spPr>
+          <p:style>
+            <a:lnRef idx="2">
+              <a:schemeClr val="accent1">
+                <a:shade val="50000"/>
+              </a:schemeClr>
+            </a:lnRef>
+            <a:fillRef idx="1">
+              <a:schemeClr val="accent1"/>
+            </a:fillRef>
+            <a:effectRef idx="0">
+              <a:schemeClr val="accent1"/>
+            </a:effectRef>
+            <a:fontRef idx="minor">
+              <a:schemeClr val="lt1"/>
+            </a:fontRef>
+          </p:style>
+          <p:txBody>
+            <a:bodyPr rtlCol="0" anchor="ctr"/>
+            <a:lstStyle/>
+            <a:p>
+              <a:pPr algn="ctr"/>
+              <a:endParaRPr lang="ko-KR" altLang="en-US"/>
+            </a:p>
+          </p:txBody>
+        </p:sp>
+        <p:sp>
+          <p:nvSpPr>
+            <p:cNvPr id="6" name="Oval 5">
+              <a:extLst>
+                <a:ext uri="{FF2B5EF4-FFF2-40B4-BE49-F238E27FC236}">
+                  <a16:creationId xmlns:a16="http://schemas.microsoft.com/office/drawing/2014/main" id="{BE489795-D155-4C5B-A3D5-196DA5B0CDDF}"/>
+                </a:ext>
+              </a:extLst>
+            </p:cNvPr>
+            <p:cNvSpPr/>
+            <p:nvPr/>
+          </p:nvSpPr>
+          <p:spPr>
+            <a:xfrm rot="3916682">
+              <a:off x="8743302" y="1257636"/>
+              <a:ext cx="7116069" cy="6752782"/>
+            </a:xfrm>
+            <a:prstGeom prst="ellipse">
+              <a:avLst/>
+            </a:prstGeom>
+            <a:solidFill>
+              <a:srgbClr val="C5F2FF"/>
+            </a:solidFill>
+            <a:ln>
+              <a:solidFill>
+                <a:srgbClr val="C5F2FF"/>
+              </a:solidFill>
+            </a:ln>
+          </p:spPr>
+          <p:style>
+            <a:lnRef idx="2">
+              <a:schemeClr val="accent1">
+                <a:shade val="50000"/>
+              </a:schemeClr>
+            </a:lnRef>
+            <a:fillRef idx="1">
+              <a:schemeClr val="accent1"/>
+            </a:fillRef>
+            <a:effectRef idx="0">
+              <a:schemeClr val="accent1"/>
+            </a:effectRef>
+            <a:fontRef idx="minor">
+              <a:schemeClr val="lt1"/>
+            </a:fontRef>
+          </p:style>
+          <p:txBody>
+            <a:bodyPr rtlCol="0" anchor="ctr"/>
+            <a:lstStyle/>
+            <a:p>
+              <a:pPr algn="ctr"/>
+              <a:endParaRPr lang="ko-KR" altLang="en-US"/>
+            </a:p>
+          </p:txBody>
+        </p:sp>
+      </p:grpSp>
+      <p:pic>
+        <p:nvPicPr>
+          <p:cNvPr id="10" name="Picture 9" descr="Icon&#10;&#10;Description automatically generated">
+            <a:extLst>
+              <a:ext uri="{FF2B5EF4-FFF2-40B4-BE49-F238E27FC236}">
+                <a16:creationId xmlns:a16="http://schemas.microsoft.com/office/drawing/2014/main" id="{F94802C9-90FF-4DFC-AF28-0A387B1E991E}"/>
+              </a:ext>
+            </a:extLst>
+          </p:cNvPr>
+          <p:cNvPicPr>
+            <a:picLocks noChangeAspect="1"/>
+          </p:cNvPicPr>
+          <p:nvPr/>
+        </p:nvPicPr>
+        <p:blipFill>
+          <a:blip r:embed="rId2">
+            <a:extLst>
+              <a:ext uri="{28A0092B-C50C-407E-A947-70E740481C1C}">
+                <a14:useLocalDpi xmlns:a14="http://schemas.microsoft.com/office/drawing/2010/main" val="0"/>
+              </a:ext>
+            </a:extLst>
+          </a:blip>
+          <a:stretch>
+            <a:fillRect/>
+          </a:stretch>
+        </p:blipFill>
+        <p:spPr>
+          <a:xfrm>
+            <a:off x="11027002" y="421535"/>
+            <a:ext cx="827368" cy="782298"/>
+          </a:xfrm>
+          <a:prstGeom prst="rect">
+            <a:avLst/>
+          </a:prstGeom>
+        </p:spPr>
+      </p:pic>
+      <p:pic>
+        <p:nvPicPr>
+          <p:cNvPr id="18" name="Picture 17">
+            <a:extLst>
+              <a:ext uri="{FF2B5EF4-FFF2-40B4-BE49-F238E27FC236}">
+                <a16:creationId xmlns:a16="http://schemas.microsoft.com/office/drawing/2014/main" id="{7285AF3A-5E61-487F-B623-A1C0904D912E}"/>
+              </a:ext>
+            </a:extLst>
+          </p:cNvPr>
+          <p:cNvPicPr>
+            <a:picLocks noChangeAspect="1"/>
+          </p:cNvPicPr>
+          <p:nvPr/>
+        </p:nvPicPr>
+        <p:blipFill rotWithShape="1">
+          <a:blip r:embed="rId3">
+            <a:extLst>
+              <a:ext uri="{28A0092B-C50C-407E-A947-70E740481C1C}">
+                <a14:useLocalDpi xmlns:a14="http://schemas.microsoft.com/office/drawing/2010/main" val="0"/>
+              </a:ext>
+            </a:extLst>
+          </a:blip>
+          <a:srcRect l="27712" t="22653"/>
+          <a:stretch/>
+        </p:blipFill>
+        <p:spPr>
+          <a:xfrm>
+            <a:off x="11241572" y="1550931"/>
+            <a:ext cx="1225596" cy="338892"/>
+          </a:xfrm>
+          <a:prstGeom prst="rect">
+            <a:avLst/>
+          </a:prstGeom>
+        </p:spPr>
+      </p:pic>
+      <p:sp>
+        <p:nvSpPr>
+          <p:cNvPr id="24" name="Rectangle 23">
+            <a:extLst>
+              <a:ext uri="{FF2B5EF4-FFF2-40B4-BE49-F238E27FC236}">
+                <a16:creationId xmlns:a16="http://schemas.microsoft.com/office/drawing/2014/main" id="{24DF9C13-7972-4E98-9BA8-7AA40834764C}"/>
+              </a:ext>
+            </a:extLst>
+          </p:cNvPr>
+          <p:cNvSpPr/>
+          <p:nvPr/>
+        </p:nvSpPr>
+        <p:spPr>
+          <a:xfrm>
+            <a:off x="-398585" y="6738251"/>
+            <a:ext cx="14864862" cy="139241"/>
+          </a:xfrm>
+          <a:prstGeom prst="rect">
+            <a:avLst/>
+          </a:prstGeom>
+          <a:solidFill>
+            <a:srgbClr val="94E7FF"/>
+          </a:solidFill>
+          <a:ln>
+            <a:solidFill>
+              <a:srgbClr val="94E7FF"/>
+            </a:solidFill>
+          </a:ln>
+        </p:spPr>
+        <p:style>
+          <a:lnRef idx="2">
+            <a:schemeClr val="accent1">
+              <a:shade val="50000"/>
+            </a:schemeClr>
+          </a:lnRef>
+          <a:fillRef idx="1">
+            <a:schemeClr val="accent1"/>
+          </a:fillRef>
+          <a:effectRef idx="0">
+            <a:schemeClr val="accent1"/>
+          </a:effectRef>
+          <a:fontRef idx="minor">
+            <a:schemeClr val="lt1"/>
+          </a:fontRef>
+        </p:style>
+        <p:txBody>
+          <a:bodyPr rtlCol="0" anchor="ctr"/>
+          <a:lstStyle/>
+          <a:p>
+            <a:pPr algn="ctr"/>
+            <a:endParaRPr lang="ko-KR" altLang="en-US" dirty="0"/>
+          </a:p>
+        </p:txBody>
+      </p:sp>
+      <p:sp>
+        <p:nvSpPr>
+          <p:cNvPr id="25" name="Rectangle 24">
+            <a:extLst>
+              <a:ext uri="{FF2B5EF4-FFF2-40B4-BE49-F238E27FC236}">
+                <a16:creationId xmlns:a16="http://schemas.microsoft.com/office/drawing/2014/main" id="{A3C4CEC3-FE2E-40C1-A57C-CBEBC27786AC}"/>
+              </a:ext>
+            </a:extLst>
+          </p:cNvPr>
+          <p:cNvSpPr/>
+          <p:nvPr/>
+        </p:nvSpPr>
+        <p:spPr>
+          <a:xfrm>
+            <a:off x="12053662" y="-662354"/>
+            <a:ext cx="138338" cy="8182708"/>
+          </a:xfrm>
+          <a:prstGeom prst="rect">
+            <a:avLst/>
+          </a:prstGeom>
+          <a:solidFill>
+            <a:srgbClr val="94E7FF"/>
+          </a:solidFill>
+          <a:ln>
+            <a:solidFill>
+              <a:srgbClr val="94E7FF"/>
+            </a:solidFill>
+          </a:ln>
+        </p:spPr>
+        <p:style>
+          <a:lnRef idx="2">
+            <a:schemeClr val="accent1">
+              <a:shade val="50000"/>
+            </a:schemeClr>
+          </a:lnRef>
+          <a:fillRef idx="1">
+            <a:schemeClr val="accent1"/>
+          </a:fillRef>
+          <a:effectRef idx="0">
+            <a:schemeClr val="accent1"/>
+          </a:effectRef>
+          <a:fontRef idx="minor">
+            <a:schemeClr val="lt1"/>
+          </a:fontRef>
+        </p:style>
+        <p:txBody>
+          <a:bodyPr rtlCol="0" anchor="ctr"/>
+          <a:lstStyle/>
+          <a:p>
+            <a:pPr algn="ctr"/>
+            <a:endParaRPr lang="ko-KR" altLang="en-US"/>
+          </a:p>
+        </p:txBody>
+      </p:sp>
+      <p:pic>
+        <p:nvPicPr>
+          <p:cNvPr id="22" name="Picture 21">
+            <a:extLst>
+              <a:ext uri="{FF2B5EF4-FFF2-40B4-BE49-F238E27FC236}">
+                <a16:creationId xmlns:a16="http://schemas.microsoft.com/office/drawing/2014/main" id="{B95D3687-FEFA-4FB1-8CD2-32F1CD827AC6}"/>
+              </a:ext>
+            </a:extLst>
+          </p:cNvPr>
+          <p:cNvPicPr>
+            <a:picLocks noChangeAspect="1"/>
+          </p:cNvPicPr>
+          <p:nvPr/>
+        </p:nvPicPr>
+        <p:blipFill rotWithShape="1">
+          <a:blip r:embed="rId3">
+            <a:extLst>
+              <a:ext uri="{28A0092B-C50C-407E-A947-70E740481C1C}">
+                <a14:useLocalDpi xmlns:a14="http://schemas.microsoft.com/office/drawing/2010/main" val="0"/>
+              </a:ext>
+            </a:extLst>
+          </a:blip>
+          <a:srcRect l="46593"/>
+          <a:stretch/>
+        </p:blipFill>
+        <p:spPr>
+          <a:xfrm>
+            <a:off x="138337" y="-307655"/>
+            <a:ext cx="3123694" cy="1511488"/>
+          </a:xfrm>
+          <a:prstGeom prst="rect">
+            <a:avLst/>
+          </a:prstGeom>
+        </p:spPr>
+      </p:pic>
+      <p:sp>
+        <p:nvSpPr>
+          <p:cNvPr id="21" name="Rectangle 20">
+            <a:extLst>
+              <a:ext uri="{FF2B5EF4-FFF2-40B4-BE49-F238E27FC236}">
+                <a16:creationId xmlns:a16="http://schemas.microsoft.com/office/drawing/2014/main" id="{C5724416-4CEB-460D-8A2C-78B9F3A86F11}"/>
+              </a:ext>
+            </a:extLst>
+          </p:cNvPr>
+          <p:cNvSpPr/>
+          <p:nvPr/>
+        </p:nvSpPr>
+        <p:spPr>
+          <a:xfrm>
+            <a:off x="-398585" y="-15240"/>
+            <a:ext cx="14864862" cy="139241"/>
+          </a:xfrm>
+          <a:prstGeom prst="rect">
+            <a:avLst/>
+          </a:prstGeom>
+          <a:solidFill>
+            <a:srgbClr val="94E7FF"/>
+          </a:solidFill>
+          <a:ln>
+            <a:solidFill>
+              <a:srgbClr val="94E7FF"/>
+            </a:solidFill>
+          </a:ln>
+        </p:spPr>
+        <p:style>
+          <a:lnRef idx="2">
+            <a:schemeClr val="accent1">
+              <a:shade val="50000"/>
+            </a:schemeClr>
+          </a:lnRef>
+          <a:fillRef idx="1">
+            <a:schemeClr val="accent1"/>
+          </a:fillRef>
+          <a:effectRef idx="0">
+            <a:schemeClr val="accent1"/>
+          </a:effectRef>
+          <a:fontRef idx="minor">
+            <a:schemeClr val="lt1"/>
+          </a:fontRef>
+        </p:style>
+        <p:txBody>
+          <a:bodyPr rtlCol="0" anchor="ctr"/>
+          <a:lstStyle/>
+          <a:p>
+            <a:pPr algn="ctr"/>
+            <a:endParaRPr lang="ko-KR" altLang="en-US" dirty="0"/>
+          </a:p>
+        </p:txBody>
+      </p:sp>
+      <p:sp>
+        <p:nvSpPr>
+          <p:cNvPr id="23" name="TextBox 22">
+            <a:extLst>
+              <a:ext uri="{FF2B5EF4-FFF2-40B4-BE49-F238E27FC236}">
+                <a16:creationId xmlns:a16="http://schemas.microsoft.com/office/drawing/2014/main" id="{7237A8F3-492C-41C4-838E-8139D2B0DE45}"/>
+              </a:ext>
+            </a:extLst>
+          </p:cNvPr>
+          <p:cNvSpPr txBox="1"/>
+          <p:nvPr/>
+        </p:nvSpPr>
+        <p:spPr>
+          <a:xfrm>
+            <a:off x="3050992" y="1458383"/>
+            <a:ext cx="6228352" cy="646331"/>
+          </a:xfrm>
+          <a:prstGeom prst="rect">
+            <a:avLst/>
+          </a:prstGeom>
+          <a:noFill/>
+        </p:spPr>
+        <p:txBody>
+          <a:bodyPr wrap="square" rtlCol="0">
+            <a:spAutoFit/>
+          </a:bodyPr>
+          <a:lstStyle/>
+          <a:p>
+            <a:pPr algn="ctr"/>
+            <a:r>
+              <a:rPr lang="en-US" altLang="ko-KR" sz="3600" b="1" dirty="0">
+                <a:solidFill>
+                  <a:srgbClr val="002060"/>
+                </a:solidFill>
+              </a:rPr>
+              <a:t>PaaS </a:t>
+            </a:r>
+            <a:r>
+              <a:rPr lang="ko-KR" altLang="en-US" sz="3600" b="1" dirty="0">
+                <a:solidFill>
+                  <a:srgbClr val="002060"/>
+                </a:solidFill>
+              </a:rPr>
+              <a:t>특징</a:t>
+            </a:r>
+          </a:p>
+        </p:txBody>
+      </p:sp>
+      <p:sp>
+        <p:nvSpPr>
+          <p:cNvPr id="26" name="TextBox 25">
+            <a:extLst>
+              <a:ext uri="{FF2B5EF4-FFF2-40B4-BE49-F238E27FC236}">
+                <a16:creationId xmlns:a16="http://schemas.microsoft.com/office/drawing/2014/main" id="{88C54476-6A05-4F5F-82E7-ECBE33535667}"/>
+              </a:ext>
+            </a:extLst>
+          </p:cNvPr>
+          <p:cNvSpPr txBox="1"/>
+          <p:nvPr/>
+        </p:nvSpPr>
+        <p:spPr>
+          <a:xfrm>
+            <a:off x="1848766" y="2956141"/>
+            <a:ext cx="8632803" cy="2862322"/>
+          </a:xfrm>
+          <a:prstGeom prst="rect">
+            <a:avLst/>
+          </a:prstGeom>
+          <a:noFill/>
+        </p:spPr>
+        <p:txBody>
+          <a:bodyPr wrap="square">
+            <a:spAutoFit/>
+          </a:bodyPr>
+          <a:lstStyle/>
+          <a:p>
+            <a:pPr marL="342900" indent="-342900">
+              <a:buFontTx/>
+              <a:buChar char="-"/>
+            </a:pPr>
+            <a:r>
+              <a:rPr lang="ko-KR" altLang="en-US" sz="2000" b="0" i="0" dirty="0">
+                <a:solidFill>
+                  <a:srgbClr val="000000"/>
+                </a:solidFill>
+                <a:effectLst/>
+                <a:latin typeface="nsr"/>
+              </a:rPr>
+              <a:t>가장 정의하기 까다로운 클라우드 모델</a:t>
+            </a:r>
+            <a:r>
+              <a:rPr lang="en-US" altLang="ko-KR" sz="2000" b="0" i="0" dirty="0">
+                <a:solidFill>
+                  <a:srgbClr val="000000"/>
+                </a:solidFill>
+                <a:effectLst/>
+                <a:latin typeface="nsr"/>
+              </a:rPr>
+              <a:t>.</a:t>
+            </a:r>
+          </a:p>
+          <a:p>
+            <a:pPr marL="342900" indent="-342900">
+              <a:buFontTx/>
+              <a:buChar char="-"/>
+            </a:pPr>
+            <a:r>
+              <a:rPr lang="ko-KR" altLang="en-US" sz="2000" b="0" i="0" dirty="0">
+                <a:solidFill>
+                  <a:srgbClr val="000000"/>
+                </a:solidFill>
+                <a:effectLst/>
+                <a:latin typeface="nsr"/>
+              </a:rPr>
+              <a:t>개발과 배포에 있어 </a:t>
+            </a:r>
+            <a:r>
+              <a:rPr lang="ko-KR" altLang="en-US" sz="2000" b="0" i="0" dirty="0" err="1">
+                <a:solidFill>
+                  <a:srgbClr val="000000"/>
+                </a:solidFill>
+                <a:effectLst/>
+                <a:latin typeface="nsr"/>
+              </a:rPr>
+              <a:t>인프라스트럭처의</a:t>
+            </a:r>
+            <a:r>
+              <a:rPr lang="ko-KR" altLang="en-US" sz="2000" b="0" i="0" dirty="0">
+                <a:solidFill>
+                  <a:srgbClr val="000000"/>
+                </a:solidFill>
+                <a:effectLst/>
+                <a:latin typeface="nsr"/>
+              </a:rPr>
+              <a:t> </a:t>
+            </a:r>
+            <a:r>
+              <a:rPr lang="ko-KR" altLang="en-US" sz="2000" b="0" i="0" dirty="0" err="1">
+                <a:solidFill>
+                  <a:srgbClr val="000000"/>
+                </a:solidFill>
+                <a:effectLst/>
+                <a:latin typeface="nsr"/>
+              </a:rPr>
+              <a:t>프로비저닝을</a:t>
+            </a:r>
+            <a:r>
+              <a:rPr lang="ko-KR" altLang="en-US" sz="2000" b="0" i="0" dirty="0">
+                <a:solidFill>
+                  <a:srgbClr val="000000"/>
+                </a:solidFill>
+                <a:effectLst/>
+                <a:latin typeface="nsr"/>
+              </a:rPr>
+              <a:t> 할 필요가 없</a:t>
+            </a:r>
+            <a:r>
+              <a:rPr lang="ko-KR" altLang="en-US" sz="2000" dirty="0">
+                <a:solidFill>
+                  <a:srgbClr val="000000"/>
+                </a:solidFill>
+                <a:latin typeface="nsr"/>
+              </a:rPr>
+              <a:t>다</a:t>
+            </a:r>
+            <a:r>
+              <a:rPr lang="en-US" altLang="ko-KR" sz="2000" dirty="0">
+                <a:solidFill>
+                  <a:srgbClr val="000000"/>
+                </a:solidFill>
+                <a:latin typeface="nsr"/>
+              </a:rPr>
+              <a:t>.</a:t>
+            </a:r>
+          </a:p>
+          <a:p>
+            <a:pPr marL="342900" indent="-342900">
+              <a:buFontTx/>
+              <a:buChar char="-"/>
+            </a:pPr>
+            <a:r>
+              <a:rPr lang="en-US" altLang="ko-KR" sz="2000" b="0" i="0" dirty="0">
+                <a:solidFill>
+                  <a:srgbClr val="000000"/>
+                </a:solidFill>
+                <a:effectLst/>
+                <a:latin typeface="nsr"/>
+              </a:rPr>
+              <a:t>Java, PHP, Ruby, </a:t>
+            </a:r>
+            <a:r>
+              <a:rPr lang="ko-KR" altLang="en-US" sz="2000" b="0" i="0" dirty="0">
+                <a:solidFill>
+                  <a:srgbClr val="000000"/>
+                </a:solidFill>
+                <a:effectLst/>
+                <a:latin typeface="nsr"/>
+              </a:rPr>
+              <a:t>등의 프로그래밍 언어를 지원하는 애플리케이션 실행 환경이 마련되어 있다</a:t>
+            </a:r>
+            <a:r>
+              <a:rPr lang="en-US" altLang="ko-KR" sz="2000" b="0" i="0" dirty="0">
+                <a:solidFill>
+                  <a:srgbClr val="000000"/>
+                </a:solidFill>
+                <a:effectLst/>
+                <a:latin typeface="nsr"/>
+              </a:rPr>
+              <a:t>.</a:t>
+            </a:r>
+          </a:p>
+          <a:p>
+            <a:pPr marL="342900" indent="-342900">
+              <a:buFontTx/>
+              <a:buChar char="-"/>
+            </a:pPr>
+            <a:r>
+              <a:rPr lang="ko-KR" altLang="en-US" sz="2000" b="0" i="0" dirty="0">
+                <a:solidFill>
+                  <a:srgbClr val="000000"/>
+                </a:solidFill>
+                <a:effectLst/>
+                <a:latin typeface="nsr"/>
+              </a:rPr>
+              <a:t>데이터베이스 환경이 마련되어 있다</a:t>
+            </a:r>
+            <a:r>
+              <a:rPr lang="en-US" altLang="ko-KR" sz="2000" b="0" i="0" dirty="0">
+                <a:solidFill>
+                  <a:srgbClr val="000000"/>
+                </a:solidFill>
+                <a:effectLst/>
+                <a:latin typeface="nsr"/>
+              </a:rPr>
+              <a:t>.</a:t>
+            </a:r>
+          </a:p>
+          <a:p>
+            <a:pPr marL="342900" indent="-342900">
+              <a:buFontTx/>
+              <a:buChar char="-"/>
+            </a:pPr>
+            <a:r>
+              <a:rPr lang="ko-KR" altLang="en-US" sz="2000" b="0" i="0" dirty="0">
+                <a:solidFill>
+                  <a:srgbClr val="000000"/>
+                </a:solidFill>
+                <a:effectLst/>
+                <a:latin typeface="nsr"/>
+              </a:rPr>
+              <a:t>단기간에 응용 프로그램을 개발하여 서비스를 제공할 수 있다</a:t>
+            </a:r>
+            <a:r>
+              <a:rPr lang="en-US" altLang="ko-KR" sz="2000" b="0" i="0" dirty="0">
+                <a:solidFill>
+                  <a:srgbClr val="000000"/>
+                </a:solidFill>
+                <a:effectLst/>
+                <a:latin typeface="nsr"/>
+              </a:rPr>
+              <a:t>.</a:t>
+            </a:r>
+          </a:p>
+          <a:p>
+            <a:pPr marL="342900" indent="-342900">
+              <a:buFontTx/>
+              <a:buChar char="-"/>
+            </a:pPr>
+            <a:r>
+              <a:rPr lang="ko-KR" altLang="en-US" sz="2000" b="0" i="0" dirty="0" err="1">
+                <a:solidFill>
+                  <a:srgbClr val="000000"/>
+                </a:solidFill>
+                <a:effectLst/>
+                <a:latin typeface="nsr"/>
+              </a:rPr>
+              <a:t>애널리틱스</a:t>
+            </a:r>
+            <a:r>
+              <a:rPr lang="ko-KR" altLang="en-US" sz="2000" b="0" i="0" dirty="0">
+                <a:solidFill>
+                  <a:srgbClr val="000000"/>
+                </a:solidFill>
+                <a:effectLst/>
+                <a:latin typeface="nsr"/>
+              </a:rPr>
+              <a:t> 및 비지니스 </a:t>
+            </a:r>
+            <a:r>
+              <a:rPr lang="ko-KR" altLang="en-US" sz="2000" b="0" i="0" dirty="0" err="1">
+                <a:solidFill>
+                  <a:srgbClr val="000000"/>
+                </a:solidFill>
+                <a:effectLst/>
+                <a:latin typeface="nsr"/>
+              </a:rPr>
+              <a:t>인텔리전스를</a:t>
+            </a:r>
+            <a:r>
+              <a:rPr lang="ko-KR" altLang="en-US" sz="2000" b="0" i="0" dirty="0">
+                <a:solidFill>
+                  <a:srgbClr val="000000"/>
+                </a:solidFill>
+                <a:effectLst/>
+                <a:latin typeface="nsr"/>
+              </a:rPr>
+              <a:t> 위한 도구를 제공한다</a:t>
+            </a:r>
+            <a:r>
+              <a:rPr lang="en-US" altLang="ko-KR" sz="2000" b="0" i="0" dirty="0">
+                <a:solidFill>
+                  <a:srgbClr val="000000"/>
+                </a:solidFill>
+                <a:effectLst/>
+                <a:latin typeface="nsr"/>
+              </a:rPr>
+              <a:t>.</a:t>
+            </a:r>
+          </a:p>
+          <a:p>
+            <a:pPr marL="342900" indent="-342900">
+              <a:buFontTx/>
+              <a:buChar char="-"/>
+            </a:pPr>
+            <a:r>
+              <a:rPr lang="ko-KR" altLang="en-US" sz="2000" b="0" i="0" dirty="0">
+                <a:solidFill>
+                  <a:srgbClr val="000000"/>
+                </a:solidFill>
+                <a:effectLst/>
+                <a:latin typeface="nsr"/>
+              </a:rPr>
+              <a:t>기업은 데이터를 분석하고 </a:t>
+            </a:r>
+            <a:r>
+              <a:rPr lang="ko-KR" altLang="en-US" sz="2000" b="0" i="0" dirty="0" err="1">
+                <a:solidFill>
+                  <a:srgbClr val="000000"/>
+                </a:solidFill>
+                <a:effectLst/>
+                <a:latin typeface="nsr"/>
+              </a:rPr>
+              <a:t>마이닝하여</a:t>
+            </a:r>
+            <a:r>
+              <a:rPr lang="ko-KR" altLang="en-US" sz="2000" b="0" i="0" dirty="0">
+                <a:solidFill>
+                  <a:srgbClr val="000000"/>
+                </a:solidFill>
+                <a:effectLst/>
+                <a:latin typeface="nsr"/>
+              </a:rPr>
+              <a:t> 정보와 패턴을 찾고 결과를 예측하여 비지니스 의사 결정을 개선할 수 있다</a:t>
+            </a:r>
+            <a:r>
+              <a:rPr lang="en-US" altLang="ko-KR" sz="2000" b="0" i="0" dirty="0">
+                <a:solidFill>
+                  <a:srgbClr val="000000"/>
+                </a:solidFill>
+                <a:effectLst/>
+                <a:latin typeface="nsr"/>
+              </a:rPr>
+              <a:t>.</a:t>
+            </a:r>
+            <a:r>
+              <a:rPr lang="en-US" altLang="ko-KR" sz="2000" dirty="0">
+                <a:solidFill>
+                  <a:srgbClr val="000000"/>
+                </a:solidFill>
+                <a:latin typeface="nsr"/>
+              </a:rPr>
+              <a:t>	</a:t>
+            </a:r>
+            <a:endParaRPr lang="ko-KR" altLang="en-US" sz="2000" dirty="0">
+              <a:solidFill>
+                <a:schemeClr val="tx2">
+                  <a:lumMod val="50000"/>
+                </a:schemeClr>
+              </a:solidFill>
+            </a:endParaRPr>
+          </a:p>
+        </p:txBody>
+      </p:sp>
+      <p:sp>
+        <p:nvSpPr>
+          <p:cNvPr id="16" name="TextBox 15">
+            <a:extLst>
+              <a:ext uri="{FF2B5EF4-FFF2-40B4-BE49-F238E27FC236}">
+                <a16:creationId xmlns:a16="http://schemas.microsoft.com/office/drawing/2014/main" id="{68723176-1FD7-4F9D-B85D-A091C57AA28D}"/>
+              </a:ext>
+            </a:extLst>
+          </p:cNvPr>
+          <p:cNvSpPr txBox="1"/>
+          <p:nvPr/>
+        </p:nvSpPr>
+        <p:spPr>
+          <a:xfrm>
+            <a:off x="973798" y="340751"/>
+            <a:ext cx="1749936" cy="646331"/>
+          </a:xfrm>
+          <a:prstGeom prst="rect">
+            <a:avLst/>
+          </a:prstGeom>
+          <a:noFill/>
+        </p:spPr>
+        <p:txBody>
+          <a:bodyPr wrap="square" rtlCol="0">
+            <a:spAutoFit/>
+          </a:bodyPr>
+          <a:lstStyle/>
+          <a:p>
+            <a:pPr algn="ctr"/>
+            <a:r>
+              <a:rPr lang="en-US" altLang="ko-KR" sz="3600" b="1" dirty="0">
+                <a:solidFill>
+                  <a:srgbClr val="002060"/>
+                </a:solidFill>
+              </a:rPr>
+              <a:t>PaaS</a:t>
+            </a:r>
+            <a:r>
+              <a:rPr lang="ko-KR" altLang="en-US" sz="3600" b="1" dirty="0">
+                <a:solidFill>
+                  <a:srgbClr val="002060"/>
+                </a:solidFill>
+              </a:rPr>
+              <a:t>란</a:t>
+            </a:r>
+            <a:r>
+              <a:rPr lang="en-US" altLang="ko-KR" sz="3600" b="1" dirty="0">
+                <a:solidFill>
+                  <a:srgbClr val="002060"/>
+                </a:solidFill>
+              </a:rPr>
+              <a:t> </a:t>
+            </a:r>
+            <a:endParaRPr lang="ko-KR" altLang="en-US" sz="3600" b="1" dirty="0">
+              <a:solidFill>
+                <a:srgbClr val="002060"/>
+              </a:solidFill>
+            </a:endParaRPr>
+          </a:p>
+        </p:txBody>
+      </p:sp>
+    </p:spTree>
+    <p:extLst>
+      <p:ext uri="{BB962C8B-B14F-4D97-AF65-F5344CB8AC3E}">
+        <p14:creationId xmlns:p14="http://schemas.microsoft.com/office/powerpoint/2010/main" val="2105493650"/>
+      </p:ext>
+    </p:extLst>
+  </p:cSld>
+  <p:clrMapOvr>
+    <a:masterClrMapping/>
+  </p:clrMapOvr>
+</p:sld>
+</file>
+
+<file path=ppt/slides/slide8.xml><?xml version="1.0" encoding="utf-8"?>
+<p:sld xmlns:a="http://schemas.openxmlformats.org/drawingml/2006/main" xmlns:r="http://schemas.openxmlformats.org/officeDocument/2006/relationships" xmlns:p="http://schemas.openxmlformats.org/presentationml/2006/main">
+  <p:cSld>
+    <p:spTree>
+      <p:nvGrpSpPr>
+        <p:cNvPr id="1" name=""/>
+        <p:cNvGrpSpPr/>
+        <p:nvPr/>
+      </p:nvGrpSpPr>
+      <p:grpSpPr>
+        <a:xfrm>
+          <a:off x="0" y="0"/>
+          <a:ext cx="0" cy="0"/>
+          <a:chOff x="0" y="0"/>
+          <a:chExt cx="0" cy="0"/>
+        </a:xfrm>
+      </p:grpSpPr>
+      <p:sp>
+        <p:nvSpPr>
+          <p:cNvPr id="7" name="Rectangle 6">
+            <a:extLst>
+              <a:ext uri="{FF2B5EF4-FFF2-40B4-BE49-F238E27FC236}">
+                <a16:creationId xmlns:a16="http://schemas.microsoft.com/office/drawing/2014/main" id="{506921A9-272F-4AD5-B7EA-F493894E9082}"/>
+              </a:ext>
+            </a:extLst>
+          </p:cNvPr>
+          <p:cNvSpPr/>
+          <p:nvPr/>
+        </p:nvSpPr>
+        <p:spPr>
+          <a:xfrm>
+            <a:off x="0" y="-9965"/>
+            <a:ext cx="12192000" cy="6867965"/>
+          </a:xfrm>
+          <a:prstGeom prst="rect">
+            <a:avLst/>
+          </a:prstGeom>
+          <a:solidFill>
+            <a:srgbClr val="94E7FF"/>
+          </a:solidFill>
+          <a:ln>
+            <a:solidFill>
+              <a:srgbClr val="90E7FF"/>
+            </a:solidFill>
+          </a:ln>
+        </p:spPr>
+        <p:style>
+          <a:lnRef idx="2">
+            <a:schemeClr val="accent1">
+              <a:shade val="50000"/>
+            </a:schemeClr>
+          </a:lnRef>
+          <a:fillRef idx="1">
+            <a:schemeClr val="accent1"/>
+          </a:fillRef>
+          <a:effectRef idx="0">
+            <a:schemeClr val="accent1"/>
+          </a:effectRef>
+          <a:fontRef idx="minor">
+            <a:schemeClr val="lt1"/>
+          </a:fontRef>
+        </p:style>
+        <p:txBody>
+          <a:bodyPr rtlCol="0" anchor="ctr"/>
+          <a:lstStyle/>
+          <a:p>
+            <a:pPr algn="ctr"/>
+            <a:endParaRPr lang="ko-KR" altLang="en-US"/>
+          </a:p>
+        </p:txBody>
+      </p:sp>
+      <p:sp>
+        <p:nvSpPr>
+          <p:cNvPr id="8" name="Rectangle 7">
+            <a:extLst>
+              <a:ext uri="{FF2B5EF4-FFF2-40B4-BE49-F238E27FC236}">
+                <a16:creationId xmlns:a16="http://schemas.microsoft.com/office/drawing/2014/main" id="{C8F26D29-CFC0-4BAB-BFD2-B193E1D68BA9}"/>
+              </a:ext>
+            </a:extLst>
+          </p:cNvPr>
+          <p:cNvSpPr/>
+          <p:nvPr/>
+        </p:nvSpPr>
+        <p:spPr>
+          <a:xfrm>
+            <a:off x="138337" y="129274"/>
+            <a:ext cx="12053663" cy="6589485"/>
+          </a:xfrm>
+          <a:prstGeom prst="rect">
+            <a:avLst/>
+          </a:prstGeom>
+          <a:solidFill>
+            <a:schemeClr val="bg1"/>
+          </a:solidFill>
+          <a:ln>
+            <a:solidFill>
+              <a:srgbClr val="94E7FF"/>
+            </a:solidFill>
+          </a:ln>
+        </p:spPr>
+        <p:style>
+          <a:lnRef idx="2">
+            <a:schemeClr val="accent1">
+              <a:shade val="50000"/>
+            </a:schemeClr>
+          </a:lnRef>
+          <a:fillRef idx="1">
+            <a:schemeClr val="accent1"/>
+          </a:fillRef>
+          <a:effectRef idx="0">
+            <a:schemeClr val="accent1"/>
+          </a:effectRef>
+          <a:fontRef idx="minor">
+            <a:schemeClr val="lt1"/>
+          </a:fontRef>
+        </p:style>
+        <p:txBody>
+          <a:bodyPr rtlCol="0" anchor="ctr"/>
+          <a:lstStyle/>
+          <a:p>
+            <a:pPr algn="ctr"/>
+            <a:r>
+              <a:rPr lang="en-US" altLang="ko-KR" dirty="0"/>
+              <a:t>      </a:t>
+            </a:r>
+            <a:endParaRPr lang="ko-KR" altLang="en-US" dirty="0"/>
+          </a:p>
+        </p:txBody>
+      </p:sp>
+      <p:grpSp>
+        <p:nvGrpSpPr>
+          <p:cNvPr id="2" name="Group 1">
+            <a:extLst>
+              <a:ext uri="{FF2B5EF4-FFF2-40B4-BE49-F238E27FC236}">
+                <a16:creationId xmlns:a16="http://schemas.microsoft.com/office/drawing/2014/main" id="{A67ADE34-5F28-4133-B52D-F977242956C4}"/>
+              </a:ext>
+            </a:extLst>
+          </p:cNvPr>
+          <p:cNvGrpSpPr/>
+          <p:nvPr/>
+        </p:nvGrpSpPr>
+        <p:grpSpPr>
+          <a:xfrm>
+            <a:off x="8605930" y="-1689213"/>
+            <a:ext cx="5035047" cy="5439842"/>
+            <a:chOff x="3235570" y="-3567444"/>
+            <a:chExt cx="12442158" cy="11759505"/>
+          </a:xfrm>
+        </p:grpSpPr>
+        <p:sp>
+          <p:nvSpPr>
+            <p:cNvPr id="5" name="Oval 4">
+              <a:extLst>
+                <a:ext uri="{FF2B5EF4-FFF2-40B4-BE49-F238E27FC236}">
+                  <a16:creationId xmlns:a16="http://schemas.microsoft.com/office/drawing/2014/main" id="{2D45AA4D-C278-42CC-AB62-6BBE8954D134}"/>
+                </a:ext>
+              </a:extLst>
+            </p:cNvPr>
+            <p:cNvSpPr/>
+            <p:nvPr/>
+          </p:nvSpPr>
+          <p:spPr>
+            <a:xfrm>
+              <a:off x="3235570" y="-3567444"/>
+              <a:ext cx="10058399" cy="6103258"/>
+            </a:xfrm>
+            <a:prstGeom prst="ellipse">
+              <a:avLst/>
+            </a:prstGeom>
+            <a:solidFill>
+              <a:srgbClr val="C4F2FF"/>
+            </a:solidFill>
+            <a:ln>
+              <a:solidFill>
+                <a:srgbClr val="C5F2FF"/>
+              </a:solidFill>
+            </a:ln>
+          </p:spPr>
+          <p:style>
+            <a:lnRef idx="2">
+              <a:schemeClr val="accent1">
+                <a:shade val="50000"/>
+              </a:schemeClr>
+            </a:lnRef>
+            <a:fillRef idx="1">
+              <a:schemeClr val="accent1"/>
+            </a:fillRef>
+            <a:effectRef idx="0">
+              <a:schemeClr val="accent1"/>
+            </a:effectRef>
+            <a:fontRef idx="minor">
+              <a:schemeClr val="lt1"/>
+            </a:fontRef>
+          </p:style>
+          <p:txBody>
+            <a:bodyPr rtlCol="0" anchor="ctr"/>
+            <a:lstStyle/>
+            <a:p>
+              <a:pPr algn="ctr"/>
+              <a:endParaRPr lang="ko-KR" altLang="en-US"/>
+            </a:p>
+          </p:txBody>
+        </p:sp>
+        <p:sp>
+          <p:nvSpPr>
+            <p:cNvPr id="6" name="Oval 5">
+              <a:extLst>
+                <a:ext uri="{FF2B5EF4-FFF2-40B4-BE49-F238E27FC236}">
+                  <a16:creationId xmlns:a16="http://schemas.microsoft.com/office/drawing/2014/main" id="{BE489795-D155-4C5B-A3D5-196DA5B0CDDF}"/>
+                </a:ext>
+              </a:extLst>
+            </p:cNvPr>
+            <p:cNvSpPr/>
+            <p:nvPr/>
+          </p:nvSpPr>
+          <p:spPr>
+            <a:xfrm rot="3916682">
+              <a:off x="8743302" y="1257636"/>
+              <a:ext cx="7116069" cy="6752782"/>
+            </a:xfrm>
+            <a:prstGeom prst="ellipse">
+              <a:avLst/>
+            </a:prstGeom>
+            <a:solidFill>
+              <a:srgbClr val="C5F2FF"/>
+            </a:solidFill>
+            <a:ln>
+              <a:solidFill>
+                <a:srgbClr val="C5F2FF"/>
+              </a:solidFill>
+            </a:ln>
+          </p:spPr>
+          <p:style>
+            <a:lnRef idx="2">
+              <a:schemeClr val="accent1">
+                <a:shade val="50000"/>
+              </a:schemeClr>
+            </a:lnRef>
+            <a:fillRef idx="1">
+              <a:schemeClr val="accent1"/>
+            </a:fillRef>
+            <a:effectRef idx="0">
+              <a:schemeClr val="accent1"/>
+            </a:effectRef>
+            <a:fontRef idx="minor">
+              <a:schemeClr val="lt1"/>
+            </a:fontRef>
+          </p:style>
+          <p:txBody>
+            <a:bodyPr rtlCol="0" anchor="ctr"/>
+            <a:lstStyle/>
+            <a:p>
+              <a:pPr algn="ctr"/>
+              <a:endParaRPr lang="ko-KR" altLang="en-US"/>
+            </a:p>
+          </p:txBody>
+        </p:sp>
+      </p:grpSp>
+      <p:pic>
+        <p:nvPicPr>
+          <p:cNvPr id="10" name="Picture 9" descr="Icon&#10;&#10;Description automatically generated">
+            <a:extLst>
+              <a:ext uri="{FF2B5EF4-FFF2-40B4-BE49-F238E27FC236}">
+                <a16:creationId xmlns:a16="http://schemas.microsoft.com/office/drawing/2014/main" id="{F94802C9-90FF-4DFC-AF28-0A387B1E991E}"/>
+              </a:ext>
+            </a:extLst>
+          </p:cNvPr>
+          <p:cNvPicPr>
+            <a:picLocks noChangeAspect="1"/>
+          </p:cNvPicPr>
+          <p:nvPr/>
+        </p:nvPicPr>
+        <p:blipFill>
+          <a:blip r:embed="rId2">
+            <a:extLst>
+              <a:ext uri="{28A0092B-C50C-407E-A947-70E740481C1C}">
+                <a14:useLocalDpi xmlns:a14="http://schemas.microsoft.com/office/drawing/2010/main" val="0"/>
+              </a:ext>
+            </a:extLst>
+          </a:blip>
+          <a:stretch>
+            <a:fillRect/>
+          </a:stretch>
+        </p:blipFill>
+        <p:spPr>
+          <a:xfrm>
+            <a:off x="11027002" y="421535"/>
+            <a:ext cx="827368" cy="782298"/>
+          </a:xfrm>
+          <a:prstGeom prst="rect">
+            <a:avLst/>
+          </a:prstGeom>
+        </p:spPr>
+      </p:pic>
+      <p:pic>
+        <p:nvPicPr>
+          <p:cNvPr id="18" name="Picture 17">
+            <a:extLst>
+              <a:ext uri="{FF2B5EF4-FFF2-40B4-BE49-F238E27FC236}">
+                <a16:creationId xmlns:a16="http://schemas.microsoft.com/office/drawing/2014/main" id="{7285AF3A-5E61-487F-B623-A1C0904D912E}"/>
+              </a:ext>
+            </a:extLst>
+          </p:cNvPr>
+          <p:cNvPicPr>
+            <a:picLocks noChangeAspect="1"/>
+          </p:cNvPicPr>
+          <p:nvPr/>
+        </p:nvPicPr>
+        <p:blipFill rotWithShape="1">
+          <a:blip r:embed="rId3">
+            <a:extLst>
+              <a:ext uri="{28A0092B-C50C-407E-A947-70E740481C1C}">
+                <a14:useLocalDpi xmlns:a14="http://schemas.microsoft.com/office/drawing/2010/main" val="0"/>
+              </a:ext>
+            </a:extLst>
+          </a:blip>
+          <a:srcRect l="27712" t="22653"/>
+          <a:stretch/>
+        </p:blipFill>
+        <p:spPr>
+          <a:xfrm>
+            <a:off x="11241572" y="1550931"/>
+            <a:ext cx="1225596" cy="338892"/>
+          </a:xfrm>
+          <a:prstGeom prst="rect">
+            <a:avLst/>
+          </a:prstGeom>
+        </p:spPr>
+      </p:pic>
+      <p:sp>
+        <p:nvSpPr>
+          <p:cNvPr id="24" name="Rectangle 23">
+            <a:extLst>
+              <a:ext uri="{FF2B5EF4-FFF2-40B4-BE49-F238E27FC236}">
+                <a16:creationId xmlns:a16="http://schemas.microsoft.com/office/drawing/2014/main" id="{24DF9C13-7972-4E98-9BA8-7AA40834764C}"/>
+              </a:ext>
+            </a:extLst>
+          </p:cNvPr>
+          <p:cNvSpPr/>
+          <p:nvPr/>
+        </p:nvSpPr>
+        <p:spPr>
+          <a:xfrm>
+            <a:off x="-398585" y="6738251"/>
+            <a:ext cx="14864862" cy="139241"/>
+          </a:xfrm>
+          <a:prstGeom prst="rect">
+            <a:avLst/>
+          </a:prstGeom>
+          <a:solidFill>
+            <a:srgbClr val="94E7FF"/>
+          </a:solidFill>
+          <a:ln>
+            <a:solidFill>
+              <a:srgbClr val="94E7FF"/>
+            </a:solidFill>
+          </a:ln>
+        </p:spPr>
+        <p:style>
+          <a:lnRef idx="2">
+            <a:schemeClr val="accent1">
+              <a:shade val="50000"/>
+            </a:schemeClr>
+          </a:lnRef>
+          <a:fillRef idx="1">
+            <a:schemeClr val="accent1"/>
+          </a:fillRef>
+          <a:effectRef idx="0">
+            <a:schemeClr val="accent1"/>
+          </a:effectRef>
+          <a:fontRef idx="minor">
+            <a:schemeClr val="lt1"/>
+          </a:fontRef>
+        </p:style>
+        <p:txBody>
+          <a:bodyPr rtlCol="0" anchor="ctr"/>
+          <a:lstStyle/>
+          <a:p>
+            <a:pPr algn="ctr"/>
+            <a:endParaRPr lang="ko-KR" altLang="en-US" dirty="0"/>
+          </a:p>
+        </p:txBody>
+      </p:sp>
+      <p:sp>
+        <p:nvSpPr>
+          <p:cNvPr id="25" name="Rectangle 24">
+            <a:extLst>
+              <a:ext uri="{FF2B5EF4-FFF2-40B4-BE49-F238E27FC236}">
+                <a16:creationId xmlns:a16="http://schemas.microsoft.com/office/drawing/2014/main" id="{A3C4CEC3-FE2E-40C1-A57C-CBEBC27786AC}"/>
+              </a:ext>
+            </a:extLst>
+          </p:cNvPr>
+          <p:cNvSpPr/>
+          <p:nvPr/>
+        </p:nvSpPr>
+        <p:spPr>
+          <a:xfrm>
+            <a:off x="12053662" y="-662354"/>
+            <a:ext cx="138338" cy="8182708"/>
+          </a:xfrm>
+          <a:prstGeom prst="rect">
+            <a:avLst/>
+          </a:prstGeom>
+          <a:solidFill>
+            <a:srgbClr val="94E7FF"/>
+          </a:solidFill>
+          <a:ln>
+            <a:solidFill>
+              <a:srgbClr val="94E7FF"/>
+            </a:solidFill>
+          </a:ln>
+        </p:spPr>
+        <p:style>
+          <a:lnRef idx="2">
+            <a:schemeClr val="accent1">
+              <a:shade val="50000"/>
+            </a:schemeClr>
+          </a:lnRef>
+          <a:fillRef idx="1">
+            <a:schemeClr val="accent1"/>
+          </a:fillRef>
+          <a:effectRef idx="0">
+            <a:schemeClr val="accent1"/>
+          </a:effectRef>
+          <a:fontRef idx="minor">
+            <a:schemeClr val="lt1"/>
+          </a:fontRef>
+        </p:style>
+        <p:txBody>
+          <a:bodyPr rtlCol="0" anchor="ctr"/>
+          <a:lstStyle/>
+          <a:p>
+            <a:pPr algn="ctr"/>
+            <a:endParaRPr lang="ko-KR" altLang="en-US"/>
+          </a:p>
+        </p:txBody>
+      </p:sp>
+      <p:pic>
+        <p:nvPicPr>
+          <p:cNvPr id="22" name="Picture 21">
+            <a:extLst>
+              <a:ext uri="{FF2B5EF4-FFF2-40B4-BE49-F238E27FC236}">
+                <a16:creationId xmlns:a16="http://schemas.microsoft.com/office/drawing/2014/main" id="{B95D3687-FEFA-4FB1-8CD2-32F1CD827AC6}"/>
+              </a:ext>
+            </a:extLst>
+          </p:cNvPr>
+          <p:cNvPicPr>
+            <a:picLocks noChangeAspect="1"/>
+          </p:cNvPicPr>
+          <p:nvPr/>
+        </p:nvPicPr>
+        <p:blipFill rotWithShape="1">
+          <a:blip r:embed="rId3">
+            <a:extLst>
+              <a:ext uri="{28A0092B-C50C-407E-A947-70E740481C1C}">
+                <a14:useLocalDpi xmlns:a14="http://schemas.microsoft.com/office/drawing/2010/main" val="0"/>
+              </a:ext>
+            </a:extLst>
+          </a:blip>
+          <a:srcRect l="46593"/>
+          <a:stretch/>
+        </p:blipFill>
+        <p:spPr>
+          <a:xfrm>
+            <a:off x="138337" y="-307655"/>
+            <a:ext cx="3123694" cy="1511488"/>
+          </a:xfrm>
+          <a:prstGeom prst="rect">
+            <a:avLst/>
+          </a:prstGeom>
+        </p:spPr>
+      </p:pic>
+      <p:sp>
+        <p:nvSpPr>
+          <p:cNvPr id="17" name="TextBox 16">
+            <a:extLst>
+              <a:ext uri="{FF2B5EF4-FFF2-40B4-BE49-F238E27FC236}">
+                <a16:creationId xmlns:a16="http://schemas.microsoft.com/office/drawing/2014/main" id="{71783915-C5EA-48D9-8632-59A9878C90B9}"/>
+              </a:ext>
+            </a:extLst>
+          </p:cNvPr>
+          <p:cNvSpPr txBox="1"/>
+          <p:nvPr/>
+        </p:nvSpPr>
+        <p:spPr>
+          <a:xfrm>
+            <a:off x="973798" y="340751"/>
+            <a:ext cx="1749936" cy="646331"/>
+          </a:xfrm>
+          <a:prstGeom prst="rect">
+            <a:avLst/>
+          </a:prstGeom>
+          <a:noFill/>
+        </p:spPr>
+        <p:txBody>
+          <a:bodyPr wrap="square" rtlCol="0">
+            <a:spAutoFit/>
+          </a:bodyPr>
+          <a:lstStyle/>
+          <a:p>
+            <a:pPr algn="ctr"/>
+            <a:r>
+              <a:rPr lang="en-US" altLang="ko-KR" sz="3600" b="1" dirty="0">
+                <a:solidFill>
+                  <a:srgbClr val="002060"/>
+                </a:solidFill>
+              </a:rPr>
+              <a:t>SaaS</a:t>
+            </a:r>
+            <a:r>
+              <a:rPr lang="ko-KR" altLang="en-US" sz="3600" b="1" dirty="0">
+                <a:solidFill>
+                  <a:srgbClr val="002060"/>
+                </a:solidFill>
+              </a:rPr>
+              <a:t>란</a:t>
+            </a:r>
+            <a:r>
+              <a:rPr lang="en-US" altLang="ko-KR" sz="3600" b="1" dirty="0">
+                <a:solidFill>
+                  <a:srgbClr val="002060"/>
+                </a:solidFill>
+              </a:rPr>
+              <a:t> </a:t>
+            </a:r>
+            <a:endParaRPr lang="ko-KR" altLang="en-US" sz="3600" b="1" dirty="0">
+              <a:solidFill>
+                <a:srgbClr val="002060"/>
+              </a:solidFill>
+            </a:endParaRPr>
+          </a:p>
+        </p:txBody>
+      </p:sp>
+      <p:sp>
+        <p:nvSpPr>
+          <p:cNvPr id="21" name="Rectangle 20">
+            <a:extLst>
+              <a:ext uri="{FF2B5EF4-FFF2-40B4-BE49-F238E27FC236}">
+                <a16:creationId xmlns:a16="http://schemas.microsoft.com/office/drawing/2014/main" id="{C5724416-4CEB-460D-8A2C-78B9F3A86F11}"/>
+              </a:ext>
+            </a:extLst>
+          </p:cNvPr>
+          <p:cNvSpPr/>
+          <p:nvPr/>
+        </p:nvSpPr>
+        <p:spPr>
+          <a:xfrm>
+            <a:off x="-398585" y="-15240"/>
+            <a:ext cx="14864862" cy="139241"/>
+          </a:xfrm>
+          <a:prstGeom prst="rect">
+            <a:avLst/>
+          </a:prstGeom>
+          <a:solidFill>
+            <a:srgbClr val="94E7FF"/>
+          </a:solidFill>
+          <a:ln>
+            <a:solidFill>
+              <a:srgbClr val="94E7FF"/>
+            </a:solidFill>
+          </a:ln>
+        </p:spPr>
+        <p:style>
+          <a:lnRef idx="2">
+            <a:schemeClr val="accent1">
+              <a:shade val="50000"/>
+            </a:schemeClr>
+          </a:lnRef>
+          <a:fillRef idx="1">
+            <a:schemeClr val="accent1"/>
+          </a:fillRef>
+          <a:effectRef idx="0">
+            <a:schemeClr val="accent1"/>
+          </a:effectRef>
+          <a:fontRef idx="minor">
+            <a:schemeClr val="lt1"/>
+          </a:fontRef>
+        </p:style>
+        <p:txBody>
+          <a:bodyPr rtlCol="0" anchor="ctr"/>
+          <a:lstStyle/>
+          <a:p>
+            <a:pPr algn="ctr"/>
+            <a:endParaRPr lang="ko-KR" altLang="en-US" dirty="0"/>
+          </a:p>
+        </p:txBody>
+      </p:sp>
+      <p:sp>
+        <p:nvSpPr>
+          <p:cNvPr id="23" name="TextBox 22">
+            <a:extLst>
+              <a:ext uri="{FF2B5EF4-FFF2-40B4-BE49-F238E27FC236}">
+                <a16:creationId xmlns:a16="http://schemas.microsoft.com/office/drawing/2014/main" id="{7237A8F3-492C-41C4-838E-8139D2B0DE45}"/>
+              </a:ext>
+            </a:extLst>
+          </p:cNvPr>
+          <p:cNvSpPr txBox="1"/>
+          <p:nvPr/>
+        </p:nvSpPr>
+        <p:spPr>
+          <a:xfrm>
+            <a:off x="3050992" y="1458383"/>
+            <a:ext cx="6228352" cy="646331"/>
+          </a:xfrm>
+          <a:prstGeom prst="rect">
+            <a:avLst/>
+          </a:prstGeom>
+          <a:noFill/>
+        </p:spPr>
+        <p:txBody>
+          <a:bodyPr wrap="square" rtlCol="0">
+            <a:spAutoFit/>
+          </a:bodyPr>
+          <a:lstStyle/>
+          <a:p>
+            <a:pPr algn="ctr"/>
+            <a:r>
+              <a:rPr lang="en-US" altLang="ko-KR" sz="3600" b="1" dirty="0">
+                <a:solidFill>
+                  <a:srgbClr val="002060"/>
+                </a:solidFill>
+              </a:rPr>
+              <a:t>Software as a Service</a:t>
+            </a:r>
+            <a:endParaRPr lang="ko-KR" altLang="en-US" sz="3600" b="1" dirty="0">
+              <a:solidFill>
+                <a:srgbClr val="002060"/>
+              </a:solidFill>
+            </a:endParaRPr>
+          </a:p>
+        </p:txBody>
+      </p:sp>
+      <p:sp>
+        <p:nvSpPr>
+          <p:cNvPr id="26" name="TextBox 25">
+            <a:extLst>
+              <a:ext uri="{FF2B5EF4-FFF2-40B4-BE49-F238E27FC236}">
+                <a16:creationId xmlns:a16="http://schemas.microsoft.com/office/drawing/2014/main" id="{88C54476-6A05-4F5F-82E7-ECBE33535667}"/>
+              </a:ext>
+            </a:extLst>
+          </p:cNvPr>
+          <p:cNvSpPr txBox="1"/>
+          <p:nvPr/>
+        </p:nvSpPr>
+        <p:spPr>
+          <a:xfrm>
+            <a:off x="1848766" y="2956141"/>
+            <a:ext cx="9392806" cy="1015663"/>
+          </a:xfrm>
+          <a:prstGeom prst="rect">
+            <a:avLst/>
+          </a:prstGeom>
+          <a:noFill/>
+        </p:spPr>
+        <p:txBody>
+          <a:bodyPr wrap="square">
+            <a:spAutoFit/>
+          </a:bodyPr>
+          <a:lstStyle/>
+          <a:p>
+            <a:r>
+              <a:rPr lang="en-US" altLang="ko-KR" sz="2000" b="0" i="0" dirty="0">
+                <a:solidFill>
+                  <a:schemeClr val="tx2">
+                    <a:lumMod val="50000"/>
+                  </a:schemeClr>
+                </a:solidFill>
+                <a:effectLst/>
+              </a:rPr>
+              <a:t>: </a:t>
+            </a:r>
+            <a:r>
+              <a:rPr lang="ko-KR" altLang="en-US" sz="2000" b="0" i="0" dirty="0">
+                <a:solidFill>
+                  <a:schemeClr val="tx2">
+                    <a:lumMod val="50000"/>
+                  </a:schemeClr>
+                </a:solidFill>
+                <a:effectLst/>
+              </a:rPr>
+              <a:t> </a:t>
+            </a:r>
+            <a:r>
+              <a:rPr lang="en-US" altLang="ko-KR" sz="2000" b="0" i="0" dirty="0">
+                <a:solidFill>
+                  <a:srgbClr val="000000"/>
+                </a:solidFill>
+                <a:effectLst/>
+                <a:latin typeface="nsr"/>
+              </a:rPr>
+              <a:t>Cloud</a:t>
+            </a:r>
+            <a:r>
+              <a:rPr lang="ko-KR" altLang="en-US" sz="2000" b="0" i="0" dirty="0">
+                <a:solidFill>
+                  <a:srgbClr val="000000"/>
+                </a:solidFill>
+                <a:effectLst/>
+                <a:latin typeface="nsr"/>
+              </a:rPr>
+              <a:t>환경에서 동작하는 응용프로그램을 서비스 형태로 제공하는 것</a:t>
+            </a:r>
+            <a:endParaRPr lang="en-US" altLang="ko-KR" sz="2000" b="0" i="0" dirty="0">
+              <a:solidFill>
+                <a:srgbClr val="000000"/>
+              </a:solidFill>
+              <a:effectLst/>
+              <a:latin typeface="nsr"/>
+            </a:endParaRPr>
+          </a:p>
+          <a:p>
+            <a:r>
+              <a:rPr lang="en-US" altLang="ko-KR" sz="2000" dirty="0">
+                <a:solidFill>
+                  <a:srgbClr val="000000"/>
+                </a:solidFill>
+                <a:latin typeface="nsr"/>
+              </a:rPr>
+              <a:t>- </a:t>
+            </a:r>
+            <a:r>
+              <a:rPr lang="ko-KR" altLang="en-US" sz="2000" b="0" i="0" dirty="0">
+                <a:solidFill>
+                  <a:srgbClr val="000000"/>
+                </a:solidFill>
+                <a:effectLst/>
+                <a:latin typeface="nsr"/>
+              </a:rPr>
+              <a:t>하나의 서비스를 여러 기업에서 공유하는 것을 전제한 멀티 </a:t>
+            </a:r>
+            <a:r>
+              <a:rPr lang="ko-KR" altLang="en-US" sz="2000" b="0" i="0" dirty="0" err="1">
+                <a:solidFill>
+                  <a:srgbClr val="000000"/>
+                </a:solidFill>
+                <a:effectLst/>
+                <a:latin typeface="nsr"/>
+              </a:rPr>
+              <a:t>테넌트</a:t>
+            </a:r>
+            <a:r>
+              <a:rPr lang="ko-KR" altLang="en-US" sz="2000" b="0" i="0" dirty="0">
+                <a:solidFill>
+                  <a:srgbClr val="000000"/>
+                </a:solidFill>
+                <a:effectLst/>
+                <a:latin typeface="nsr"/>
+              </a:rPr>
+              <a:t> 방식의 서비스를 제공</a:t>
+            </a:r>
+            <a:r>
+              <a:rPr lang="ko-KR" altLang="en-US" sz="2000" dirty="0">
+                <a:solidFill>
+                  <a:srgbClr val="000000"/>
+                </a:solidFill>
+                <a:latin typeface="nsr"/>
+              </a:rPr>
+              <a:t>한다</a:t>
+            </a:r>
+            <a:r>
+              <a:rPr lang="en-US" altLang="ko-KR" sz="2000" dirty="0">
+                <a:solidFill>
+                  <a:srgbClr val="000000"/>
+                </a:solidFill>
+                <a:latin typeface="nsr"/>
+              </a:rPr>
+              <a:t>. </a:t>
+            </a:r>
+            <a:endParaRPr lang="ko-KR" altLang="en-US" sz="2000" dirty="0">
+              <a:solidFill>
+                <a:schemeClr val="tx2">
+                  <a:lumMod val="50000"/>
+                </a:schemeClr>
+              </a:solidFill>
+            </a:endParaRPr>
+          </a:p>
+        </p:txBody>
+      </p:sp>
+    </p:spTree>
+    <p:extLst>
+      <p:ext uri="{BB962C8B-B14F-4D97-AF65-F5344CB8AC3E}">
+        <p14:creationId xmlns:p14="http://schemas.microsoft.com/office/powerpoint/2010/main" val="1957812192"/>
+      </p:ext>
+    </p:extLst>
+  </p:cSld>
+  <p:clrMapOvr>
+    <a:masterClrMapping/>
+  </p:clrMapOvr>
+</p:sld>
+</file>
+
+<file path=ppt/slides/slide9.xml><?xml version="1.0" encoding="utf-8"?>
+<p:sld xmlns:a="http://schemas.openxmlformats.org/drawingml/2006/main" xmlns:r="http://schemas.openxmlformats.org/officeDocument/2006/relationships" xmlns:p="http://schemas.openxmlformats.org/presentationml/2006/main">
+  <p:cSld>
+    <p:spTree>
+      <p:nvGrpSpPr>
+        <p:cNvPr id="1" name=""/>
+        <p:cNvGrpSpPr/>
+        <p:nvPr/>
+      </p:nvGrpSpPr>
+      <p:grpSpPr>
+        <a:xfrm>
+          <a:off x="0" y="0"/>
+          <a:ext cx="0" cy="0"/>
+          <a:chOff x="0" y="0"/>
+          <a:chExt cx="0" cy="0"/>
+        </a:xfrm>
+      </p:grpSpPr>
+      <p:sp>
+        <p:nvSpPr>
+          <p:cNvPr id="7" name="Rectangle 6">
+            <a:extLst>
+              <a:ext uri="{FF2B5EF4-FFF2-40B4-BE49-F238E27FC236}">
+                <a16:creationId xmlns:a16="http://schemas.microsoft.com/office/drawing/2014/main" id="{506921A9-272F-4AD5-B7EA-F493894E9082}"/>
+              </a:ext>
+            </a:extLst>
+          </p:cNvPr>
+          <p:cNvSpPr/>
+          <p:nvPr/>
+        </p:nvSpPr>
+        <p:spPr>
+          <a:xfrm>
+            <a:off x="0" y="-9965"/>
+            <a:ext cx="12192000" cy="6867965"/>
+          </a:xfrm>
+          <a:prstGeom prst="rect">
+            <a:avLst/>
+          </a:prstGeom>
+          <a:solidFill>
+            <a:srgbClr val="94E7FF"/>
+          </a:solidFill>
+          <a:ln>
+            <a:solidFill>
+              <a:srgbClr val="90E7FF"/>
+            </a:solidFill>
+          </a:ln>
+        </p:spPr>
+        <p:style>
+          <a:lnRef idx="2">
+            <a:schemeClr val="accent1">
+              <a:shade val="50000"/>
+            </a:schemeClr>
+          </a:lnRef>
+          <a:fillRef idx="1">
+            <a:schemeClr val="accent1"/>
+          </a:fillRef>
+          <a:effectRef idx="0">
+            <a:schemeClr val="accent1"/>
+          </a:effectRef>
+          <a:fontRef idx="minor">
+            <a:schemeClr val="lt1"/>
+          </a:fontRef>
+        </p:style>
+        <p:txBody>
+          <a:bodyPr rtlCol="0" anchor="ctr"/>
+          <a:lstStyle/>
+          <a:p>
+            <a:pPr algn="ctr"/>
+            <a:endParaRPr lang="ko-KR" altLang="en-US"/>
+          </a:p>
+        </p:txBody>
+      </p:sp>
+      <p:sp>
+        <p:nvSpPr>
+          <p:cNvPr id="8" name="Rectangle 7">
+            <a:extLst>
+              <a:ext uri="{FF2B5EF4-FFF2-40B4-BE49-F238E27FC236}">
+                <a16:creationId xmlns:a16="http://schemas.microsoft.com/office/drawing/2014/main" id="{C8F26D29-CFC0-4BAB-BFD2-B193E1D68BA9}"/>
+              </a:ext>
+            </a:extLst>
+          </p:cNvPr>
+          <p:cNvSpPr/>
+          <p:nvPr/>
+        </p:nvSpPr>
+        <p:spPr>
+          <a:xfrm>
+            <a:off x="138337" y="129274"/>
+            <a:ext cx="12053663" cy="6589485"/>
+          </a:xfrm>
+          <a:prstGeom prst="rect">
+            <a:avLst/>
+          </a:prstGeom>
+          <a:solidFill>
+            <a:schemeClr val="bg1"/>
+          </a:solidFill>
+          <a:ln>
+            <a:solidFill>
+              <a:srgbClr val="94E7FF"/>
+            </a:solidFill>
+          </a:ln>
+        </p:spPr>
+        <p:style>
+          <a:lnRef idx="2">
+            <a:schemeClr val="accent1">
+              <a:shade val="50000"/>
+            </a:schemeClr>
+          </a:lnRef>
+          <a:fillRef idx="1">
+            <a:schemeClr val="accent1"/>
+          </a:fillRef>
+          <a:effectRef idx="0">
+            <a:schemeClr val="accent1"/>
+          </a:effectRef>
+          <a:fontRef idx="minor">
+            <a:schemeClr val="lt1"/>
+          </a:fontRef>
+        </p:style>
+        <p:txBody>
+          <a:bodyPr rtlCol="0" anchor="ctr"/>
+          <a:lstStyle/>
+          <a:p>
+            <a:pPr algn="ctr"/>
+            <a:r>
+              <a:rPr lang="en-US" altLang="ko-KR" dirty="0"/>
+              <a:t>      </a:t>
+            </a:r>
+            <a:endParaRPr lang="ko-KR" altLang="en-US" dirty="0"/>
+          </a:p>
+        </p:txBody>
+      </p:sp>
+      <p:grpSp>
+        <p:nvGrpSpPr>
+          <p:cNvPr id="2" name="Group 1">
+            <a:extLst>
+              <a:ext uri="{FF2B5EF4-FFF2-40B4-BE49-F238E27FC236}">
+                <a16:creationId xmlns:a16="http://schemas.microsoft.com/office/drawing/2014/main" id="{A67ADE34-5F28-4133-B52D-F977242956C4}"/>
+              </a:ext>
+            </a:extLst>
+          </p:cNvPr>
+          <p:cNvGrpSpPr/>
+          <p:nvPr/>
+        </p:nvGrpSpPr>
+        <p:grpSpPr>
+          <a:xfrm>
+            <a:off x="8605930" y="-1689213"/>
+            <a:ext cx="5035047" cy="5439842"/>
+            <a:chOff x="3235570" y="-3567444"/>
+            <a:chExt cx="12442158" cy="11759505"/>
+          </a:xfrm>
+        </p:grpSpPr>
+        <p:sp>
+          <p:nvSpPr>
+            <p:cNvPr id="5" name="Oval 4">
+              <a:extLst>
+                <a:ext uri="{FF2B5EF4-FFF2-40B4-BE49-F238E27FC236}">
+                  <a16:creationId xmlns:a16="http://schemas.microsoft.com/office/drawing/2014/main" id="{2D45AA4D-C278-42CC-AB62-6BBE8954D134}"/>
+                </a:ext>
+              </a:extLst>
+            </p:cNvPr>
+            <p:cNvSpPr/>
+            <p:nvPr/>
+          </p:nvSpPr>
+          <p:spPr>
+            <a:xfrm>
+              <a:off x="3235570" y="-3567444"/>
+              <a:ext cx="10058399" cy="6103258"/>
+            </a:xfrm>
+            <a:prstGeom prst="ellipse">
+              <a:avLst/>
+            </a:prstGeom>
+            <a:solidFill>
+              <a:srgbClr val="C4F2FF"/>
+            </a:solidFill>
+            <a:ln>
+              <a:solidFill>
+                <a:srgbClr val="C5F2FF"/>
+              </a:solidFill>
+            </a:ln>
+          </p:spPr>
+          <p:style>
+            <a:lnRef idx="2">
+              <a:schemeClr val="accent1">
+                <a:shade val="50000"/>
+              </a:schemeClr>
+            </a:lnRef>
+            <a:fillRef idx="1">
+              <a:schemeClr val="accent1"/>
+            </a:fillRef>
+            <a:effectRef idx="0">
+              <a:schemeClr val="accent1"/>
+            </a:effectRef>
+            <a:fontRef idx="minor">
+              <a:schemeClr val="lt1"/>
+            </a:fontRef>
+          </p:style>
+          <p:txBody>
+            <a:bodyPr rtlCol="0" anchor="ctr"/>
+            <a:lstStyle/>
+            <a:p>
+              <a:pPr algn="ctr"/>
+              <a:endParaRPr lang="ko-KR" altLang="en-US"/>
+            </a:p>
+          </p:txBody>
+        </p:sp>
+        <p:sp>
+          <p:nvSpPr>
+            <p:cNvPr id="6" name="Oval 5">
+              <a:extLst>
+                <a:ext uri="{FF2B5EF4-FFF2-40B4-BE49-F238E27FC236}">
+                  <a16:creationId xmlns:a16="http://schemas.microsoft.com/office/drawing/2014/main" id="{BE489795-D155-4C5B-A3D5-196DA5B0CDDF}"/>
+                </a:ext>
+              </a:extLst>
+            </p:cNvPr>
+            <p:cNvSpPr/>
+            <p:nvPr/>
+          </p:nvSpPr>
+          <p:spPr>
+            <a:xfrm rot="3916682">
+              <a:off x="8743302" y="1257636"/>
+              <a:ext cx="7116069" cy="6752782"/>
+            </a:xfrm>
+            <a:prstGeom prst="ellipse">
+              <a:avLst/>
+            </a:prstGeom>
+            <a:solidFill>
+              <a:srgbClr val="C5F2FF"/>
+            </a:solidFill>
+            <a:ln>
+              <a:solidFill>
+                <a:srgbClr val="C5F2FF"/>
+              </a:solidFill>
+            </a:ln>
+          </p:spPr>
+          <p:style>
+            <a:lnRef idx="2">
+              <a:schemeClr val="accent1">
+                <a:shade val="50000"/>
+              </a:schemeClr>
+            </a:lnRef>
+            <a:fillRef idx="1">
+              <a:schemeClr val="accent1"/>
+            </a:fillRef>
+            <a:effectRef idx="0">
+              <a:schemeClr val="accent1"/>
+            </a:effectRef>
+            <a:fontRef idx="minor">
+              <a:schemeClr val="lt1"/>
+            </a:fontRef>
+          </p:style>
+          <p:txBody>
+            <a:bodyPr rtlCol="0" anchor="ctr"/>
+            <a:lstStyle/>
+            <a:p>
+              <a:pPr algn="ctr"/>
+              <a:endParaRPr lang="ko-KR" altLang="en-US"/>
+            </a:p>
+          </p:txBody>
+        </p:sp>
+      </p:grpSp>
+      <p:pic>
+        <p:nvPicPr>
+          <p:cNvPr id="10" name="Picture 9" descr="Icon&#10;&#10;Description automatically generated">
+            <a:extLst>
+              <a:ext uri="{FF2B5EF4-FFF2-40B4-BE49-F238E27FC236}">
+                <a16:creationId xmlns:a16="http://schemas.microsoft.com/office/drawing/2014/main" id="{F94802C9-90FF-4DFC-AF28-0A387B1E991E}"/>
+              </a:ext>
+            </a:extLst>
+          </p:cNvPr>
+          <p:cNvPicPr>
+            <a:picLocks noChangeAspect="1"/>
+          </p:cNvPicPr>
+          <p:nvPr/>
+        </p:nvPicPr>
+        <p:blipFill>
+          <a:blip r:embed="rId2">
+            <a:extLst>
+              <a:ext uri="{28A0092B-C50C-407E-A947-70E740481C1C}">
+                <a14:useLocalDpi xmlns:a14="http://schemas.microsoft.com/office/drawing/2010/main" val="0"/>
+              </a:ext>
+            </a:extLst>
+          </a:blip>
+          <a:stretch>
+            <a:fillRect/>
+          </a:stretch>
+        </p:blipFill>
+        <p:spPr>
+          <a:xfrm>
+            <a:off x="11027002" y="421535"/>
+            <a:ext cx="827368" cy="782298"/>
+          </a:xfrm>
+          <a:prstGeom prst="rect">
+            <a:avLst/>
+          </a:prstGeom>
+        </p:spPr>
+      </p:pic>
+      <p:pic>
+        <p:nvPicPr>
+          <p:cNvPr id="18" name="Picture 17">
+            <a:extLst>
+              <a:ext uri="{FF2B5EF4-FFF2-40B4-BE49-F238E27FC236}">
+                <a16:creationId xmlns:a16="http://schemas.microsoft.com/office/drawing/2014/main" id="{7285AF3A-5E61-487F-B623-A1C0904D912E}"/>
+              </a:ext>
+            </a:extLst>
+          </p:cNvPr>
+          <p:cNvPicPr>
+            <a:picLocks noChangeAspect="1"/>
+          </p:cNvPicPr>
+          <p:nvPr/>
+        </p:nvPicPr>
+        <p:blipFill rotWithShape="1">
+          <a:blip r:embed="rId3">
+            <a:extLst>
+              <a:ext uri="{28A0092B-C50C-407E-A947-70E740481C1C}">
+                <a14:useLocalDpi xmlns:a14="http://schemas.microsoft.com/office/drawing/2010/main" val="0"/>
+              </a:ext>
+            </a:extLst>
+          </a:blip>
+          <a:srcRect l="27712" t="22653"/>
+          <a:stretch/>
+        </p:blipFill>
+        <p:spPr>
+          <a:xfrm>
+            <a:off x="11241572" y="1550931"/>
+            <a:ext cx="1225596" cy="338892"/>
+          </a:xfrm>
+          <a:prstGeom prst="rect">
+            <a:avLst/>
+          </a:prstGeom>
+        </p:spPr>
+      </p:pic>
+      <p:sp>
+        <p:nvSpPr>
+          <p:cNvPr id="24" name="Rectangle 23">
+            <a:extLst>
+              <a:ext uri="{FF2B5EF4-FFF2-40B4-BE49-F238E27FC236}">
+                <a16:creationId xmlns:a16="http://schemas.microsoft.com/office/drawing/2014/main" id="{24DF9C13-7972-4E98-9BA8-7AA40834764C}"/>
+              </a:ext>
+            </a:extLst>
+          </p:cNvPr>
+          <p:cNvSpPr/>
+          <p:nvPr/>
+        </p:nvSpPr>
+        <p:spPr>
+          <a:xfrm>
+            <a:off x="-398585" y="6738251"/>
+            <a:ext cx="14864862" cy="139241"/>
+          </a:xfrm>
+          <a:prstGeom prst="rect">
+            <a:avLst/>
+          </a:prstGeom>
+          <a:solidFill>
+            <a:srgbClr val="94E7FF"/>
+          </a:solidFill>
+          <a:ln>
+            <a:solidFill>
+              <a:srgbClr val="94E7FF"/>
+            </a:solidFill>
+          </a:ln>
+        </p:spPr>
+        <p:style>
+          <a:lnRef idx="2">
+            <a:schemeClr val="accent1">
+              <a:shade val="50000"/>
+            </a:schemeClr>
+          </a:lnRef>
+          <a:fillRef idx="1">
+            <a:schemeClr val="accent1"/>
+          </a:fillRef>
+          <a:effectRef idx="0">
+            <a:schemeClr val="accent1"/>
+          </a:effectRef>
+          <a:fontRef idx="minor">
+            <a:schemeClr val="lt1"/>
+          </a:fontRef>
+        </p:style>
+        <p:txBody>
+          <a:bodyPr rtlCol="0" anchor="ctr"/>
+          <a:lstStyle/>
+          <a:p>
+            <a:pPr algn="ctr"/>
+            <a:endParaRPr lang="ko-KR" altLang="en-US" dirty="0"/>
+          </a:p>
+        </p:txBody>
+      </p:sp>
+      <p:sp>
+        <p:nvSpPr>
+          <p:cNvPr id="25" name="Rectangle 24">
+            <a:extLst>
+              <a:ext uri="{FF2B5EF4-FFF2-40B4-BE49-F238E27FC236}">
+                <a16:creationId xmlns:a16="http://schemas.microsoft.com/office/drawing/2014/main" id="{A3C4CEC3-FE2E-40C1-A57C-CBEBC27786AC}"/>
+              </a:ext>
+            </a:extLst>
+          </p:cNvPr>
+          <p:cNvSpPr/>
+          <p:nvPr/>
+        </p:nvSpPr>
+        <p:spPr>
+          <a:xfrm>
+            <a:off x="12053662" y="-662354"/>
+            <a:ext cx="138338" cy="8182708"/>
+          </a:xfrm>
+          <a:prstGeom prst="rect">
+            <a:avLst/>
+          </a:prstGeom>
+          <a:solidFill>
+            <a:srgbClr val="94E7FF"/>
+          </a:solidFill>
+          <a:ln>
+            <a:solidFill>
+              <a:srgbClr val="94E7FF"/>
+            </a:solidFill>
+          </a:ln>
+        </p:spPr>
+        <p:style>
+          <a:lnRef idx="2">
+            <a:schemeClr val="accent1">
+              <a:shade val="50000"/>
+            </a:schemeClr>
+          </a:lnRef>
+          <a:fillRef idx="1">
+            <a:schemeClr val="accent1"/>
+          </a:fillRef>
+          <a:effectRef idx="0">
+            <a:schemeClr val="accent1"/>
+          </a:effectRef>
+          <a:fontRef idx="minor">
+            <a:schemeClr val="lt1"/>
+          </a:fontRef>
+        </p:style>
+        <p:txBody>
+          <a:bodyPr rtlCol="0" anchor="ctr"/>
+          <a:lstStyle/>
+          <a:p>
+            <a:pPr algn="ctr"/>
+            <a:endParaRPr lang="ko-KR" altLang="en-US"/>
+          </a:p>
+        </p:txBody>
+      </p:sp>
+      <p:pic>
+        <p:nvPicPr>
+          <p:cNvPr id="22" name="Picture 21">
+            <a:extLst>
+              <a:ext uri="{FF2B5EF4-FFF2-40B4-BE49-F238E27FC236}">
+                <a16:creationId xmlns:a16="http://schemas.microsoft.com/office/drawing/2014/main" id="{B95D3687-FEFA-4FB1-8CD2-32F1CD827AC6}"/>
+              </a:ext>
+            </a:extLst>
+          </p:cNvPr>
+          <p:cNvPicPr>
+            <a:picLocks noChangeAspect="1"/>
+          </p:cNvPicPr>
+          <p:nvPr/>
+        </p:nvPicPr>
+        <p:blipFill rotWithShape="1">
+          <a:blip r:embed="rId3">
+            <a:extLst>
+              <a:ext uri="{28A0092B-C50C-407E-A947-70E740481C1C}">
+                <a14:useLocalDpi xmlns:a14="http://schemas.microsoft.com/office/drawing/2010/main" val="0"/>
+              </a:ext>
+            </a:extLst>
+          </a:blip>
+          <a:srcRect l="46593"/>
+          <a:stretch/>
+        </p:blipFill>
+        <p:spPr>
+          <a:xfrm>
+            <a:off x="138337" y="-307655"/>
+            <a:ext cx="3123694" cy="1511488"/>
+          </a:xfrm>
+          <a:prstGeom prst="rect">
+            <a:avLst/>
+          </a:prstGeom>
+        </p:spPr>
+      </p:pic>
+      <p:sp>
+        <p:nvSpPr>
+          <p:cNvPr id="21" name="Rectangle 20">
+            <a:extLst>
+              <a:ext uri="{FF2B5EF4-FFF2-40B4-BE49-F238E27FC236}">
+                <a16:creationId xmlns:a16="http://schemas.microsoft.com/office/drawing/2014/main" id="{C5724416-4CEB-460D-8A2C-78B9F3A86F11}"/>
+              </a:ext>
+            </a:extLst>
+          </p:cNvPr>
+          <p:cNvSpPr/>
+          <p:nvPr/>
+        </p:nvSpPr>
+        <p:spPr>
+          <a:xfrm>
+            <a:off x="-398585" y="-15240"/>
+            <a:ext cx="14864862" cy="139241"/>
+          </a:xfrm>
+          <a:prstGeom prst="rect">
+            <a:avLst/>
+          </a:prstGeom>
+          <a:solidFill>
+            <a:srgbClr val="94E7FF"/>
+          </a:solidFill>
+          <a:ln>
+            <a:solidFill>
+              <a:srgbClr val="94E7FF"/>
+            </a:solidFill>
+          </a:ln>
+        </p:spPr>
+        <p:style>
+          <a:lnRef idx="2">
+            <a:schemeClr val="accent1">
+              <a:shade val="50000"/>
+            </a:schemeClr>
+          </a:lnRef>
+          <a:fillRef idx="1">
+            <a:schemeClr val="accent1"/>
+          </a:fillRef>
+          <a:effectRef idx="0">
+            <a:schemeClr val="accent1"/>
+          </a:effectRef>
+          <a:fontRef idx="minor">
+            <a:schemeClr val="lt1"/>
+          </a:fontRef>
+        </p:style>
+        <p:txBody>
+          <a:bodyPr rtlCol="0" anchor="ctr"/>
+          <a:lstStyle/>
+          <a:p>
+            <a:pPr algn="ctr"/>
+            <a:endParaRPr lang="ko-KR" altLang="en-US" dirty="0"/>
+          </a:p>
+        </p:txBody>
+      </p:sp>
+      <p:sp>
+        <p:nvSpPr>
+          <p:cNvPr id="23" name="TextBox 22">
+            <a:extLst>
+              <a:ext uri="{FF2B5EF4-FFF2-40B4-BE49-F238E27FC236}">
+                <a16:creationId xmlns:a16="http://schemas.microsoft.com/office/drawing/2014/main" id="{7237A8F3-492C-41C4-838E-8139D2B0DE45}"/>
+              </a:ext>
+            </a:extLst>
+          </p:cNvPr>
+          <p:cNvSpPr txBox="1"/>
+          <p:nvPr/>
+        </p:nvSpPr>
+        <p:spPr>
+          <a:xfrm>
+            <a:off x="3050992" y="1458383"/>
+            <a:ext cx="6228352" cy="646331"/>
+          </a:xfrm>
+          <a:prstGeom prst="rect">
+            <a:avLst/>
+          </a:prstGeom>
+          <a:noFill/>
+        </p:spPr>
+        <p:txBody>
+          <a:bodyPr wrap="square" rtlCol="0">
+            <a:spAutoFit/>
+          </a:bodyPr>
+          <a:lstStyle/>
+          <a:p>
+            <a:pPr algn="ctr"/>
+            <a:r>
+              <a:rPr lang="en-US" altLang="ko-KR" sz="3600" b="1" dirty="0">
+                <a:solidFill>
+                  <a:srgbClr val="002060"/>
+                </a:solidFill>
+              </a:rPr>
+              <a:t>SaaS </a:t>
+            </a:r>
+            <a:r>
+              <a:rPr lang="ko-KR" altLang="en-US" sz="3600" b="1" dirty="0">
+                <a:solidFill>
+                  <a:srgbClr val="002060"/>
+                </a:solidFill>
+              </a:rPr>
+              <a:t>특징</a:t>
+            </a:r>
+          </a:p>
+        </p:txBody>
+      </p:sp>
+      <p:sp>
+        <p:nvSpPr>
+          <p:cNvPr id="26" name="TextBox 25">
+            <a:extLst>
+              <a:ext uri="{FF2B5EF4-FFF2-40B4-BE49-F238E27FC236}">
+                <a16:creationId xmlns:a16="http://schemas.microsoft.com/office/drawing/2014/main" id="{88C54476-6A05-4F5F-82E7-ECBE33535667}"/>
+              </a:ext>
+            </a:extLst>
+          </p:cNvPr>
+          <p:cNvSpPr txBox="1"/>
+          <p:nvPr/>
+        </p:nvSpPr>
+        <p:spPr>
+          <a:xfrm>
+            <a:off x="1848766" y="2956141"/>
+            <a:ext cx="8632803" cy="1938992"/>
+          </a:xfrm>
+          <a:prstGeom prst="rect">
+            <a:avLst/>
+          </a:prstGeom>
+          <a:noFill/>
+        </p:spPr>
+        <p:txBody>
+          <a:bodyPr wrap="square">
+            <a:spAutoFit/>
+          </a:bodyPr>
+          <a:lstStyle/>
+          <a:p>
+            <a:pPr marL="342900" indent="-342900">
+              <a:buFontTx/>
+              <a:buChar char="-"/>
+            </a:pPr>
+            <a:r>
+              <a:rPr lang="ko-KR" altLang="en-US" sz="2000" b="0" i="0" dirty="0">
+                <a:solidFill>
+                  <a:srgbClr val="000000"/>
+                </a:solidFill>
+                <a:effectLst/>
+                <a:latin typeface="nsr"/>
+              </a:rPr>
+              <a:t> 머신 혹은 서버를 기준으로 소프트웨어 라이선스를 구매해 직접 설치해 사용하던 기존 구매 방식과 차별화 </a:t>
+            </a:r>
+            <a:r>
+              <a:rPr lang="ko-KR" altLang="en-US" sz="2000" dirty="0">
+                <a:solidFill>
+                  <a:srgbClr val="000000"/>
+                </a:solidFill>
+                <a:latin typeface="nsr"/>
+              </a:rPr>
+              <a:t>된다</a:t>
+            </a:r>
+            <a:r>
+              <a:rPr lang="en-US" altLang="ko-KR" sz="2000" dirty="0">
+                <a:solidFill>
+                  <a:srgbClr val="000000"/>
+                </a:solidFill>
+                <a:latin typeface="nsr"/>
+              </a:rPr>
+              <a:t>. </a:t>
+            </a:r>
+          </a:p>
+          <a:p>
+            <a:pPr marL="342900" indent="-342900">
+              <a:buFontTx/>
+              <a:buChar char="-"/>
+            </a:pPr>
+            <a:r>
+              <a:rPr lang="ko-KR" altLang="en-US" sz="2000" b="0" i="0" dirty="0">
+                <a:solidFill>
+                  <a:srgbClr val="000000"/>
+                </a:solidFill>
+                <a:effectLst/>
+                <a:latin typeface="nsr"/>
+              </a:rPr>
+              <a:t>소프트웨어의 업데이트 작업을 클라우드 사업자가 알아서 해주며</a:t>
+            </a:r>
+            <a:r>
+              <a:rPr lang="en-US" altLang="ko-KR" sz="2000" b="0" i="0" dirty="0">
+                <a:solidFill>
+                  <a:srgbClr val="000000"/>
+                </a:solidFill>
+                <a:effectLst/>
+                <a:latin typeface="nsr"/>
+              </a:rPr>
+              <a:t>, </a:t>
+            </a:r>
+            <a:r>
+              <a:rPr lang="ko-KR" altLang="en-US" sz="2000" b="0" i="0" dirty="0">
+                <a:solidFill>
+                  <a:srgbClr val="000000"/>
+                </a:solidFill>
+                <a:effectLst/>
+                <a:latin typeface="nsr"/>
+              </a:rPr>
+              <a:t>사용자는 웹을 통해 접속해 로그인하기만 하면 사용할 수 있다</a:t>
+            </a:r>
+            <a:r>
+              <a:rPr lang="en-US" altLang="ko-KR" sz="2000" b="0" i="0" dirty="0">
+                <a:solidFill>
+                  <a:srgbClr val="000000"/>
+                </a:solidFill>
+                <a:effectLst/>
+                <a:latin typeface="nsr"/>
+              </a:rPr>
+              <a:t>.</a:t>
+            </a:r>
+          </a:p>
+          <a:p>
+            <a:pPr marL="342900" indent="-342900">
+              <a:buFontTx/>
+              <a:buChar char="-"/>
+            </a:pPr>
+            <a:r>
+              <a:rPr lang="ko-KR" altLang="en-US" sz="2000" dirty="0">
+                <a:solidFill>
+                  <a:srgbClr val="000000"/>
+                </a:solidFill>
+                <a:latin typeface="nsr"/>
+              </a:rPr>
+              <a:t>보통 </a:t>
+            </a:r>
+            <a:r>
+              <a:rPr lang="ko-KR" altLang="en-US" sz="2000" b="0" i="0" dirty="0">
+                <a:solidFill>
+                  <a:srgbClr val="000000"/>
+                </a:solidFill>
+                <a:effectLst/>
+                <a:latin typeface="nsr"/>
+              </a:rPr>
+              <a:t>사용자 혹은 시트</a:t>
+            </a:r>
+            <a:r>
+              <a:rPr lang="en-US" altLang="ko-KR" sz="2000" b="0" i="0" dirty="0">
+                <a:solidFill>
+                  <a:srgbClr val="000000"/>
+                </a:solidFill>
+                <a:effectLst/>
+                <a:latin typeface="nsr"/>
+              </a:rPr>
+              <a:t>(seat)</a:t>
+            </a:r>
+            <a:r>
+              <a:rPr lang="ko-KR" altLang="en-US" sz="2000" b="0" i="0" dirty="0">
+                <a:solidFill>
+                  <a:srgbClr val="000000"/>
+                </a:solidFill>
+                <a:effectLst/>
+                <a:latin typeface="nsr"/>
+              </a:rPr>
+              <a:t>를 기준으로 구독 방식으로 </a:t>
+            </a:r>
+            <a:r>
+              <a:rPr lang="ko-KR" altLang="en-US" sz="2000" b="0" i="0" dirty="0" err="1">
+                <a:solidFill>
+                  <a:srgbClr val="000000"/>
+                </a:solidFill>
+                <a:effectLst/>
+                <a:latin typeface="nsr"/>
+              </a:rPr>
+              <a:t>과금된다</a:t>
+            </a:r>
+            <a:r>
+              <a:rPr lang="en-US" altLang="ko-KR" sz="2000" b="0" i="0" dirty="0">
+                <a:solidFill>
+                  <a:srgbClr val="000000"/>
+                </a:solidFill>
+                <a:effectLst/>
+                <a:latin typeface="nsr"/>
+              </a:rPr>
+              <a:t>. </a:t>
+            </a:r>
+          </a:p>
+          <a:p>
+            <a:pPr marL="342900" indent="-342900">
+              <a:buFontTx/>
+              <a:buChar char="-"/>
+            </a:pPr>
+            <a:r>
+              <a:rPr lang="ko-KR" altLang="en-US" sz="2000" b="0" i="0" dirty="0">
+                <a:solidFill>
+                  <a:srgbClr val="000000"/>
+                </a:solidFill>
+                <a:effectLst/>
+                <a:latin typeface="nsr"/>
+              </a:rPr>
+              <a:t>오피스를 웹기반으로 변환한 </a:t>
+            </a:r>
+            <a:r>
+              <a:rPr lang="en-US" altLang="ko-KR" sz="2000" b="0" i="0" dirty="0">
+                <a:solidFill>
+                  <a:srgbClr val="000000"/>
+                </a:solidFill>
+                <a:effectLst/>
+                <a:latin typeface="nsr"/>
+              </a:rPr>
+              <a:t>MS</a:t>
+            </a:r>
+            <a:r>
+              <a:rPr lang="ko-KR" altLang="en-US" sz="2000" b="0" i="0" dirty="0">
+                <a:solidFill>
+                  <a:srgbClr val="000000"/>
+                </a:solidFill>
+                <a:effectLst/>
+                <a:latin typeface="nsr"/>
+              </a:rPr>
+              <a:t>의 오피스 </a:t>
+            </a:r>
+            <a:r>
+              <a:rPr lang="en-US" altLang="ko-KR" sz="2000" b="0" i="0" dirty="0">
+                <a:solidFill>
+                  <a:srgbClr val="000000"/>
+                </a:solidFill>
+                <a:effectLst/>
+                <a:latin typeface="nsr"/>
+              </a:rPr>
+              <a:t>365</a:t>
+            </a:r>
+            <a:r>
+              <a:rPr lang="ko-KR" altLang="en-US" sz="2000" b="0" i="0" dirty="0">
+                <a:solidFill>
+                  <a:srgbClr val="000000"/>
+                </a:solidFill>
+                <a:effectLst/>
+                <a:latin typeface="nsr"/>
+              </a:rPr>
+              <a:t>를 예를 들 수 있다</a:t>
+            </a:r>
+            <a:r>
+              <a:rPr lang="en-US" altLang="ko-KR" sz="2000" b="0" i="0" dirty="0">
+                <a:solidFill>
+                  <a:srgbClr val="000000"/>
+                </a:solidFill>
+                <a:effectLst/>
+                <a:latin typeface="nsr"/>
+              </a:rPr>
+              <a:t>. </a:t>
+            </a:r>
+            <a:r>
+              <a:rPr lang="en-US" altLang="ko-KR" sz="2000" dirty="0">
+                <a:solidFill>
+                  <a:srgbClr val="000000"/>
+                </a:solidFill>
+                <a:latin typeface="nsr"/>
+              </a:rPr>
+              <a:t>	</a:t>
+            </a:r>
+            <a:endParaRPr lang="ko-KR" altLang="en-US" sz="2000" dirty="0">
+              <a:solidFill>
+                <a:schemeClr val="tx2">
+                  <a:lumMod val="50000"/>
+                </a:schemeClr>
+              </a:solidFill>
+            </a:endParaRPr>
+          </a:p>
+        </p:txBody>
+      </p:sp>
+      <p:sp>
+        <p:nvSpPr>
+          <p:cNvPr id="16" name="TextBox 15">
+            <a:extLst>
+              <a:ext uri="{FF2B5EF4-FFF2-40B4-BE49-F238E27FC236}">
+                <a16:creationId xmlns:a16="http://schemas.microsoft.com/office/drawing/2014/main" id="{68723176-1FD7-4F9D-B85D-A091C57AA28D}"/>
+              </a:ext>
+            </a:extLst>
+          </p:cNvPr>
+          <p:cNvSpPr txBox="1"/>
+          <p:nvPr/>
+        </p:nvSpPr>
+        <p:spPr>
+          <a:xfrm>
+            <a:off x="973798" y="340751"/>
+            <a:ext cx="1749936" cy="646331"/>
+          </a:xfrm>
+          <a:prstGeom prst="rect">
+            <a:avLst/>
+          </a:prstGeom>
+          <a:noFill/>
+        </p:spPr>
+        <p:txBody>
+          <a:bodyPr wrap="square" rtlCol="0">
+            <a:spAutoFit/>
+          </a:bodyPr>
+          <a:lstStyle/>
+          <a:p>
+            <a:pPr algn="ctr"/>
+            <a:r>
+              <a:rPr lang="en-US" altLang="ko-KR" sz="3600" b="1" dirty="0">
+                <a:solidFill>
+                  <a:srgbClr val="002060"/>
+                </a:solidFill>
+              </a:rPr>
+              <a:t>SaaS</a:t>
+            </a:r>
+            <a:r>
+              <a:rPr lang="ko-KR" altLang="en-US" sz="3600" b="1" dirty="0">
+                <a:solidFill>
+                  <a:srgbClr val="002060"/>
+                </a:solidFill>
+              </a:rPr>
+              <a:t>란</a:t>
+            </a:r>
+            <a:r>
+              <a:rPr lang="en-US" altLang="ko-KR" sz="3600" b="1" dirty="0">
+                <a:solidFill>
+                  <a:srgbClr val="002060"/>
+                </a:solidFill>
+              </a:rPr>
+              <a:t> </a:t>
+            </a:r>
+            <a:endParaRPr lang="ko-KR" altLang="en-US" sz="3600" b="1" dirty="0">
+              <a:solidFill>
+                <a:srgbClr val="002060"/>
+              </a:solidFill>
+            </a:endParaRPr>
+          </a:p>
+        </p:txBody>
+      </p:sp>
+    </p:spTree>
+    <p:extLst>
+      <p:ext uri="{BB962C8B-B14F-4D97-AF65-F5344CB8AC3E}">
+        <p14:creationId xmlns:p14="http://schemas.microsoft.com/office/powerpoint/2010/main" val="3769405947"/>
       </p:ext>
     </p:extLst>
   </p:cSld>

--- a/쉽게배우는 클라우드 용어정리1.pptx
+++ b/쉽게배우는 클라우드 용어정리1.pptx
@@ -5868,8 +5868,8 @@
         </p:nvSpPr>
         <p:spPr>
           <a:xfrm>
-            <a:off x="4285126" y="4485242"/>
-            <a:ext cx="3760081" cy="646331"/>
+            <a:off x="3567503" y="4485242"/>
+            <a:ext cx="5056994" cy="954107"/>
           </a:xfrm>
           <a:prstGeom prst="rect">
             <a:avLst/>
@@ -5884,14 +5884,22 @@
           <a:p>
             <a:pPr algn="ctr"/>
             <a:r>
-              <a:rPr lang="en-US" altLang="ko-KR" sz="3600" b="1" dirty="0">
+              <a:rPr lang="ko-KR" altLang="en-US" sz="3600" b="1" dirty="0">
                 <a:solidFill>
                   <a:srgbClr val="002060"/>
                 </a:solidFill>
               </a:rPr>
+              <a:t>클라우드 컴퓨팅 유형</a:t>
+            </a:r>
+            <a:r>
+              <a:rPr lang="en-US" altLang="ko-KR" sz="2000" b="1" dirty="0">
+                <a:solidFill>
+                  <a:srgbClr val="002060"/>
+                </a:solidFill>
+              </a:rPr>
               <a:t>IaaS, PaaS, SaaS</a:t>
             </a:r>
-            <a:endParaRPr lang="ko-KR" altLang="en-US" sz="3600" b="1" dirty="0">
+            <a:endParaRPr lang="ko-KR" altLang="en-US" sz="2000" b="1" dirty="0">
               <a:solidFill>
                 <a:srgbClr val="002060"/>
               </a:solidFill>
